--- a/materials/slides/ch11-how-does-shell-run-a-command.pptx
+++ b/materials/slides/ch11-how-does-shell-run-a-command.pptx
@@ -12,10 +12,10 @@
     <p:sldId id="260" r:id="rId3"/>
     <p:sldId id="261" r:id="rId4"/>
     <p:sldId id="269" r:id="rId5"/>
-    <p:sldId id="266" r:id="rId6"/>
-    <p:sldId id="267" r:id="rId7"/>
-    <p:sldId id="268" r:id="rId8"/>
-    <p:sldId id="265" r:id="rId9"/>
+    <p:sldId id="265" r:id="rId6"/>
+    <p:sldId id="266" r:id="rId7"/>
+    <p:sldId id="267" r:id="rId8"/>
+    <p:sldId id="268" r:id="rId9"/>
   </p:sldIdLst>
   <p:sldSz cx="12192000" cy="6858000"/>
   <p:notesSz cx="6858000" cy="9144000"/>
@@ -204,7 +204,7 @@
           <a:p>
             <a:fld id="{F43B6EE9-BDC9-469F-844A-ED2A9895708F}" type="datetimeFigureOut">
               <a:rPr lang="zh-CN" altLang="en-US" smtClean="0"/>
-              <a:t>2018/2/6</a:t>
+              <a:t>2018/2/25</a:t>
             </a:fld>
             <a:endParaRPr lang="zh-CN" altLang="en-US"/>
           </a:p>
@@ -536,7 +536,7 @@
           <a:p>
             <a:fld id="{276E9A1B-E411-497C-B930-07D9B41A1C3B}" type="slidenum">
               <a:rPr lang="zh-CN" altLang="en-US" smtClean="0"/>
-              <a:t>7</a:t>
+              <a:t>4</a:t>
             </a:fld>
             <a:endParaRPr lang="zh-CN" altLang="en-US"/>
           </a:p>
@@ -710,7 +710,7 @@
           <a:p>
             <a:fld id="{02E60DA2-A0BC-48C9-AA88-75C78721B420}" type="datetimeFigureOut">
               <a:rPr lang="zh-CN" altLang="en-US" smtClean="0"/>
-              <a:t>2018/2/6</a:t>
+              <a:t>2018/2/25</a:t>
             </a:fld>
             <a:endParaRPr lang="zh-CN" altLang="en-US"/>
           </a:p>
@@ -932,7 +932,7 @@
           <a:p>
             <a:fld id="{02E60DA2-A0BC-48C9-AA88-75C78721B420}" type="datetimeFigureOut">
               <a:rPr lang="zh-CN" altLang="en-US" smtClean="0"/>
-              <a:t>2018/2/6</a:t>
+              <a:t>2018/2/25</a:t>
             </a:fld>
             <a:endParaRPr lang="zh-CN" altLang="en-US"/>
           </a:p>
@@ -1164,7 +1164,7 @@
           <a:p>
             <a:fld id="{02E60DA2-A0BC-48C9-AA88-75C78721B420}" type="datetimeFigureOut">
               <a:rPr lang="zh-CN" altLang="en-US" smtClean="0"/>
-              <a:t>2018/2/6</a:t>
+              <a:t>2018/2/25</a:t>
             </a:fld>
             <a:endParaRPr lang="zh-CN" altLang="en-US"/>
           </a:p>
@@ -1414,7 +1414,7 @@
           <a:p>
             <a:fld id="{02E60DA2-A0BC-48C9-AA88-75C78721B420}" type="datetimeFigureOut">
               <a:rPr lang="zh-CN" altLang="en-US" smtClean="0"/>
-              <a:t>2018/2/6</a:t>
+              <a:t>2018/2/25</a:t>
             </a:fld>
             <a:endParaRPr lang="zh-CN" altLang="en-US"/>
           </a:p>
@@ -1652,7 +1652,7 @@
           <a:p>
             <a:fld id="{02E60DA2-A0BC-48C9-AA88-75C78721B420}" type="datetimeFigureOut">
               <a:rPr lang="zh-CN" altLang="en-US" smtClean="0"/>
-              <a:t>2018/2/6</a:t>
+              <a:t>2018/2/25</a:t>
             </a:fld>
             <a:endParaRPr lang="zh-CN" altLang="en-US"/>
           </a:p>
@@ -1957,7 +1957,7 @@
           <a:p>
             <a:fld id="{02E60DA2-A0BC-48C9-AA88-75C78721B420}" type="datetimeFigureOut">
               <a:rPr lang="zh-CN" altLang="en-US" smtClean="0"/>
-              <a:t>2018/2/6</a:t>
+              <a:t>2018/2/25</a:t>
             </a:fld>
             <a:endParaRPr lang="zh-CN" altLang="en-US"/>
           </a:p>
@@ -2260,7 +2260,7 @@
           <a:p>
             <a:fld id="{02E60DA2-A0BC-48C9-AA88-75C78721B420}" type="datetimeFigureOut">
               <a:rPr lang="zh-CN" altLang="en-US" smtClean="0"/>
-              <a:t>2018/2/6</a:t>
+              <a:t>2018/2/25</a:t>
             </a:fld>
             <a:endParaRPr lang="zh-CN" altLang="en-US"/>
           </a:p>
@@ -2711,7 +2711,7 @@
           <a:p>
             <a:fld id="{02E60DA2-A0BC-48C9-AA88-75C78721B420}" type="datetimeFigureOut">
               <a:rPr lang="zh-CN" altLang="en-US" smtClean="0"/>
-              <a:t>2018/2/6</a:t>
+              <a:t>2018/2/25</a:t>
             </a:fld>
             <a:endParaRPr lang="zh-CN" altLang="en-US"/>
           </a:p>
@@ -2884,7 +2884,7 @@
           <a:p>
             <a:fld id="{02E60DA2-A0BC-48C9-AA88-75C78721B420}" type="datetimeFigureOut">
               <a:rPr lang="zh-CN" altLang="en-US" smtClean="0"/>
-              <a:t>2018/2/6</a:t>
+              <a:t>2018/2/25</a:t>
             </a:fld>
             <a:endParaRPr lang="zh-CN" altLang="en-US"/>
           </a:p>
@@ -3021,7 +3021,7 @@
           <a:p>
             <a:fld id="{02E60DA2-A0BC-48C9-AA88-75C78721B420}" type="datetimeFigureOut">
               <a:rPr lang="zh-CN" altLang="en-US" smtClean="0"/>
-              <a:t>2018/2/6</a:t>
+              <a:t>2018/2/25</a:t>
             </a:fld>
             <a:endParaRPr lang="zh-CN" altLang="en-US"/>
           </a:p>
@@ -3365,7 +3365,7 @@
           <a:p>
             <a:fld id="{02E60DA2-A0BC-48C9-AA88-75C78721B420}" type="datetimeFigureOut">
               <a:rPr lang="zh-CN" altLang="en-US" smtClean="0"/>
-              <a:t>2018/2/6</a:t>
+              <a:t>2018/2/25</a:t>
             </a:fld>
             <a:endParaRPr lang="zh-CN" altLang="en-US"/>
           </a:p>
@@ -3587,7 +3587,7 @@
           <a:p>
             <a:fld id="{02E60DA2-A0BC-48C9-AA88-75C78721B420}" type="datetimeFigureOut">
               <a:rPr lang="zh-CN" altLang="en-US" smtClean="0"/>
-              <a:t>2018/2/6</a:t>
+              <a:t>2018/2/25</a:t>
             </a:fld>
             <a:endParaRPr lang="zh-CN" altLang="en-US"/>
           </a:p>
@@ -3908,7 +3908,7 @@
           <a:p>
             <a:fld id="{02E60DA2-A0BC-48C9-AA88-75C78721B420}" type="datetimeFigureOut">
               <a:rPr lang="zh-CN" altLang="en-US" smtClean="0"/>
-              <a:t>2018/2/6</a:t>
+              <a:t>2018/2/25</a:t>
             </a:fld>
             <a:endParaRPr lang="zh-CN" altLang="en-US"/>
           </a:p>
@@ -4146,7 +4146,7 @@
           <a:p>
             <a:fld id="{02E60DA2-A0BC-48C9-AA88-75C78721B420}" type="datetimeFigureOut">
               <a:rPr lang="zh-CN" altLang="en-US" smtClean="0"/>
-              <a:t>2018/2/6</a:t>
+              <a:t>2018/2/25</a:t>
             </a:fld>
             <a:endParaRPr lang="zh-CN" altLang="en-US"/>
           </a:p>
@@ -4384,7 +4384,7 @@
           <a:p>
             <a:fld id="{02E60DA2-A0BC-48C9-AA88-75C78721B420}" type="datetimeFigureOut">
               <a:rPr lang="zh-CN" altLang="en-US" smtClean="0"/>
-              <a:t>2018/2/6</a:t>
+              <a:t>2018/2/25</a:t>
             </a:fld>
             <a:endParaRPr lang="zh-CN" altLang="en-US"/>
           </a:p>
@@ -4683,7 +4683,7 @@
           <a:p>
             <a:fld id="{02E60DA2-A0BC-48C9-AA88-75C78721B420}" type="datetimeFigureOut">
               <a:rPr lang="zh-CN" altLang="en-US" smtClean="0"/>
-              <a:t>2018/2/6</a:t>
+              <a:t>2018/2/25</a:t>
             </a:fld>
             <a:endParaRPr lang="zh-CN" altLang="en-US"/>
           </a:p>
@@ -4972,7 +4972,7 @@
           <a:p>
             <a:fld id="{02E60DA2-A0BC-48C9-AA88-75C78721B420}" type="datetimeFigureOut">
               <a:rPr lang="zh-CN" altLang="en-US" smtClean="0"/>
-              <a:t>2018/2/6</a:t>
+              <a:t>2018/2/25</a:t>
             </a:fld>
             <a:endParaRPr lang="zh-CN" altLang="en-US"/>
           </a:p>
@@ -5408,7 +5408,7 @@
           <a:p>
             <a:fld id="{02E60DA2-A0BC-48C9-AA88-75C78721B420}" type="datetimeFigureOut">
               <a:rPr lang="zh-CN" altLang="en-US" smtClean="0"/>
-              <a:t>2018/2/6</a:t>
+              <a:t>2018/2/25</a:t>
             </a:fld>
             <a:endParaRPr lang="zh-CN" altLang="en-US"/>
           </a:p>
@@ -5573,7 +5573,7 @@
           <a:p>
             <a:fld id="{02E60DA2-A0BC-48C9-AA88-75C78721B420}" type="datetimeFigureOut">
               <a:rPr lang="zh-CN" altLang="en-US" smtClean="0"/>
-              <a:t>2018/2/6</a:t>
+              <a:t>2018/2/25</a:t>
             </a:fld>
             <a:endParaRPr lang="zh-CN" altLang="en-US"/>
           </a:p>
@@ -5710,7 +5710,7 @@
           <a:p>
             <a:fld id="{02E60DA2-A0BC-48C9-AA88-75C78721B420}" type="datetimeFigureOut">
               <a:rPr lang="zh-CN" altLang="en-US" smtClean="0"/>
-              <a:t>2018/2/6</a:t>
+              <a:t>2018/2/25</a:t>
             </a:fld>
             <a:endParaRPr lang="zh-CN" altLang="en-US"/>
           </a:p>
@@ -6045,7 +6045,7 @@
           <a:p>
             <a:fld id="{02E60DA2-A0BC-48C9-AA88-75C78721B420}" type="datetimeFigureOut">
               <a:rPr lang="zh-CN" altLang="en-US" smtClean="0"/>
-              <a:t>2018/2/6</a:t>
+              <a:t>2018/2/25</a:t>
             </a:fld>
             <a:endParaRPr lang="zh-CN" altLang="en-US"/>
           </a:p>
@@ -6357,7 +6357,7 @@
           <a:p>
             <a:fld id="{02E60DA2-A0BC-48C9-AA88-75C78721B420}" type="datetimeFigureOut">
               <a:rPr lang="zh-CN" altLang="en-US" smtClean="0"/>
-              <a:t>2018/2/6</a:t>
+              <a:t>2018/2/25</a:t>
             </a:fld>
             <a:endParaRPr lang="zh-CN" altLang="en-US"/>
           </a:p>
@@ -7516,7 +7516,7 @@
             <a:r>
               <a:rPr lang="en-US" altLang="zh-CN" sz="3600" dirty="0">
                 <a:solidFill>
-                  <a:srgbClr val="FF0000"/>
+                  <a:srgbClr val="C00000"/>
                 </a:solidFill>
               </a:rPr>
               <a:t>shell</a:t>
@@ -7524,7 +7524,7 @@
             <a:r>
               <a:rPr lang="zh-CN" altLang="en-US" sz="3600" dirty="0">
                 <a:solidFill>
-                  <a:srgbClr val="FF0000"/>
+                  <a:srgbClr val="C00000"/>
                 </a:solidFill>
               </a:rPr>
               <a:t>运行命令的过程</a:t>
@@ -7982,12 +7982,16 @@
           <a:lstStyle/>
           <a:p>
             <a:r>
+              <a:rPr lang="zh-CN" altLang="en-US" dirty="0"/>
+              <a:t>当输入一条命令后，</a:t>
+            </a:r>
+            <a:r>
               <a:rPr lang="en-US" altLang="zh-CN" dirty="0"/>
               <a:t>shell</a:t>
             </a:r>
             <a:r>
               <a:rPr lang="zh-CN" altLang="en-US" dirty="0"/>
-              <a:t>中的通配符</a:t>
+              <a:t>如何处理</a:t>
             </a:r>
           </a:p>
         </p:txBody>
@@ -8013,52 +8017,75 @@
           <a:bodyPr/>
           <a:lstStyle/>
           <a:p>
+            <a:r>
+              <a:rPr lang="zh-CN" altLang="en-US" sz="2400" dirty="0"/>
+              <a:t>输入一条命令并确认后，实际</a:t>
+            </a:r>
             <a:r>
               <a:rPr lang="en-US" altLang="zh-CN" sz="2400" dirty="0"/>
               <a:t>shell</a:t>
             </a:r>
             <a:r>
               <a:rPr lang="zh-CN" altLang="en-US" sz="2400" dirty="0"/>
-              <a:t>支持通配符，使用*表示匹配任意长度的字符，</a:t>
-            </a:r>
-            <a:r>
-              <a:rPr lang="en-US" altLang="zh-CN" sz="2400" dirty="0"/>
-              <a:t>?</a:t>
-            </a:r>
-            <a:r>
-              <a:rPr lang="zh-CN" altLang="en-US" sz="2400"/>
-              <a:t>匹配任意一个字符。</a:t>
-            </a:r>
-            <a:endParaRPr lang="en-US" altLang="zh-CN" sz="2400" dirty="0"/>
-          </a:p>
-          <a:p>
+              <a:t>获取的是一行字符串，</a:t>
+            </a:r>
             <a:r>
               <a:rPr lang="en-US" altLang="zh-CN" sz="2400" dirty="0"/>
               <a:t>shell</a:t>
             </a:r>
             <a:r>
               <a:rPr lang="zh-CN" altLang="en-US" sz="2400" dirty="0"/>
-              <a:t>在遇到通配符会进行扩展，比如输入</a:t>
+              <a:t>要对字符串进行解析，并确定命令名称，参数等信息。</a:t>
+            </a:r>
+            <a:endParaRPr lang="en-US" altLang="zh-CN" sz="2400" dirty="0"/>
+          </a:p>
+          <a:p>
+            <a:r>
+              <a:rPr lang="zh-CN" altLang="en-US" sz="2400" dirty="0"/>
+              <a:t>然后，</a:t>
             </a:r>
             <a:r>
               <a:rPr lang="en-US" altLang="zh-CN" sz="2400" dirty="0"/>
-              <a:t>ls  ./a*</a:t>
+              <a:t>shell</a:t>
             </a:r>
             <a:r>
               <a:rPr lang="zh-CN" altLang="en-US" sz="2400" dirty="0"/>
-              <a:t>，会匹配</a:t>
+              <a:t>要根据配置文件的搜索路径，从每个路径寻找命令，没有找到则提示错误信息，找到就调用</a:t>
             </a:r>
             <a:r>
               <a:rPr lang="en-US" altLang="zh-CN" sz="2400" dirty="0"/>
-              <a:t>a</a:t>
+              <a:t>Linux</a:t>
             </a:r>
             <a:r>
               <a:rPr lang="zh-CN" altLang="en-US" sz="2400" dirty="0"/>
-              <a:t>开头的所有文件并显示，如果存在</a:t>
+              <a:t>提供的系统调用运行命令。</a:t>
+            </a:r>
+            <a:endParaRPr lang="en-US" altLang="zh-CN" sz="2400" dirty="0"/>
+          </a:p>
+          <a:p>
+            <a:r>
+              <a:rPr lang="zh-CN" altLang="en-US" sz="2400" dirty="0"/>
+              <a:t>比如：输入 </a:t>
             </a:r>
             <a:r>
               <a:rPr lang="en-US" altLang="zh-CN" sz="2400" dirty="0"/>
-              <a:t>ab.txt</a:t>
+              <a:t>ls  -l,  shell</a:t>
+            </a:r>
+            <a:r>
+              <a:rPr lang="zh-CN" altLang="en-US" sz="2400" dirty="0"/>
+              <a:t>要解析成‘</a:t>
+            </a:r>
+            <a:r>
+              <a:rPr lang="en-US" altLang="zh-CN" sz="2400" dirty="0"/>
+              <a:t>ls</a:t>
+            </a:r>
+            <a:r>
+              <a:rPr lang="zh-CN" altLang="en-US" sz="2400" dirty="0"/>
+              <a:t>’ </a:t>
+            </a:r>
+            <a:r>
+              <a:rPr lang="en-US" altLang="zh-CN" sz="2400" dirty="0"/>
+              <a:t>, ‘-l’ </a:t>
             </a:r>
             <a:r>
               <a:rPr lang="zh-CN" altLang="en-US" sz="2400" dirty="0"/>
@@ -8066,26 +8093,50 @@
             </a:r>
             <a:r>
               <a:rPr lang="en-US" altLang="zh-CN" sz="2400" dirty="0"/>
-              <a:t>ac.txt</a:t>
+              <a:t>’ls’</a:t>
             </a:r>
             <a:r>
               <a:rPr lang="zh-CN" altLang="en-US" sz="2400" dirty="0"/>
-              <a:t>，则会扩展成</a:t>
+              <a:t>就是命令名称，并在</a:t>
             </a:r>
             <a:r>
               <a:rPr lang="en-US" altLang="zh-CN" sz="2400" dirty="0"/>
-              <a:t>ls  ./ab.txt  ./ac.txt</a:t>
+              <a:t>PATH</a:t>
             </a:r>
             <a:r>
               <a:rPr lang="zh-CN" altLang="en-US" sz="2400" dirty="0"/>
-              <a:t>。</a:t>
+              <a:t>设置的路径中寻找，找到</a:t>
+            </a:r>
+            <a:r>
+              <a:rPr lang="en-US" altLang="zh-CN" sz="2400" dirty="0"/>
+              <a:t>/bin/ls</a:t>
+            </a:r>
+            <a:r>
+              <a:rPr lang="zh-CN" altLang="en-US" sz="2400" dirty="0"/>
+              <a:t>这个命令，</a:t>
+            </a:r>
+            <a:r>
+              <a:rPr lang="en-US" altLang="zh-CN" sz="2400" dirty="0"/>
+              <a:t>fork</a:t>
+            </a:r>
+            <a:r>
+              <a:rPr lang="zh-CN" altLang="en-US" sz="2400" dirty="0"/>
+              <a:t>一个子进程调用</a:t>
+            </a:r>
+            <a:r>
+              <a:rPr lang="en-US" altLang="zh-CN" sz="2400" dirty="0" err="1"/>
+              <a:t>execv</a:t>
+            </a:r>
+            <a:r>
+              <a:rPr lang="zh-CN" altLang="en-US" sz="2400" dirty="0"/>
+              <a:t>等系统调用传递参数运行命令。并等待结束。</a:t>
             </a:r>
             <a:endParaRPr lang="en-US" altLang="zh-CN" sz="2400" dirty="0"/>
           </a:p>
           <a:p>
             <a:r>
               <a:rPr lang="zh-CN" altLang="en-US" sz="2400" dirty="0"/>
-              <a:t>注意：扩展通配符的是</a:t>
+              <a:t>注意：真正运行命令的不是</a:t>
             </a:r>
             <a:r>
               <a:rPr lang="en-US" altLang="zh-CN" sz="2400" dirty="0"/>
@@ -8093,15 +8144,39 @@
             </a:r>
             <a:r>
               <a:rPr lang="zh-CN" altLang="en-US" sz="2400" dirty="0"/>
-              <a:t>，不是命令自身，如果是命令本身实现的，那就每个命令都要实现，这重工作量是不可想象的。</a:t>
+              <a:t>，而是内核，</a:t>
+            </a:r>
+            <a:r>
+              <a:rPr lang="en-US" altLang="zh-CN" sz="2400" dirty="0"/>
+              <a:t>shell</a:t>
+            </a:r>
+            <a:r>
+              <a:rPr lang="zh-CN" altLang="en-US" sz="2400" dirty="0"/>
+              <a:t>去调用内核提供的接口，</a:t>
+            </a:r>
+            <a:r>
+              <a:rPr lang="en-US" altLang="zh-CN" sz="2400" dirty="0"/>
+              <a:t>shell</a:t>
+            </a:r>
+            <a:r>
+              <a:rPr lang="zh-CN" altLang="en-US" sz="2400" dirty="0"/>
+              <a:t>是调用</a:t>
+            </a:r>
+            <a:r>
+              <a:rPr lang="en-US" altLang="zh-CN" sz="2400" dirty="0"/>
+              <a:t>fork</a:t>
+            </a:r>
+            <a:r>
+              <a:rPr lang="zh-CN" altLang="en-US" sz="2400" dirty="0"/>
+              <a:t>创建子进程去</a:t>
+            </a:r>
+            <a:r>
+              <a:rPr lang="zh-CN" altLang="en-US" sz="2400"/>
+              <a:t>运行命令，而所有的进程都是系统内核调度的。</a:t>
             </a:r>
             <a:endParaRPr lang="en-US" altLang="zh-CN" sz="2400" dirty="0"/>
           </a:p>
           <a:p>
-            <a:r>
-              <a:rPr lang="zh-CN" altLang="en-US" sz="2400" dirty="0"/>
-              <a:t>通配符在使用时会带来很多便利，但是有些特殊情况也要注意。</a:t>
-            </a:r>
             <a:endParaRPr lang="en-US" altLang="zh-CN" sz="2400" dirty="0"/>
           </a:p>
           <a:p>
@@ -8112,7 +8187,7 @@
     </p:spTree>
     <p:extLst>
       <p:ext uri="{BB962C8B-B14F-4D97-AF65-F5344CB8AC3E}">
-        <p14:creationId xmlns:p14="http://schemas.microsoft.com/office/powerpoint/2010/main" val="3129173604"/>
+        <p14:creationId xmlns:p14="http://schemas.microsoft.com/office/powerpoint/2010/main" val="3466496868"/>
       </p:ext>
     </p:extLst>
   </p:cSld>
@@ -8161,8 +8236,12 @@
           <a:lstStyle/>
           <a:p>
             <a:r>
+              <a:rPr lang="en-US" altLang="zh-CN" dirty="0"/>
+              <a:t>shell</a:t>
+            </a:r>
+            <a:r>
               <a:rPr lang="zh-CN" altLang="en-US" dirty="0"/>
-              <a:t>通配符引起的问题</a:t>
+              <a:t>中的通配符</a:t>
             </a:r>
           </a:p>
         </p:txBody>
@@ -8185,102 +8264,109 @@
         </p:nvSpPr>
         <p:spPr/>
         <p:txBody>
-          <a:bodyPr>
-            <a:normAutofit/>
-          </a:bodyPr>
-          <a:lstStyle/>
-          <a:p>
-            <a:r>
-              <a:rPr lang="zh-CN" altLang="en-US" sz="2400" dirty="0"/>
-              <a:t>如果在当前目录存在一个</a:t>
-            </a:r>
-            <a:r>
-              <a:rPr lang="en-US" altLang="zh-CN" sz="2400" dirty="0"/>
-              <a:t>-l</a:t>
-            </a:r>
-            <a:r>
-              <a:rPr lang="zh-CN" altLang="en-US" sz="2400" dirty="0"/>
-              <a:t>文件，这时候</a:t>
-            </a:r>
-            <a:r>
-              <a:rPr lang="en-US" altLang="zh-CN" sz="2400" dirty="0"/>
-              <a:t>ls  * </a:t>
-            </a:r>
-            <a:r>
-              <a:rPr lang="zh-CN" altLang="en-US" sz="2400" dirty="0"/>
-              <a:t>显示格式是加入了</a:t>
-            </a:r>
-            <a:r>
-              <a:rPr lang="en-US" altLang="zh-CN" sz="2400" dirty="0"/>
-              <a:t>-l</a:t>
-            </a:r>
-            <a:r>
-              <a:rPr lang="zh-CN" altLang="en-US" sz="2400" dirty="0"/>
-              <a:t>参数的形式，但是没有</a:t>
-            </a:r>
-            <a:r>
-              <a:rPr lang="en-US" altLang="zh-CN" sz="2400" dirty="0"/>
-              <a:t>-l</a:t>
-            </a:r>
-            <a:r>
-              <a:rPr lang="zh-CN" altLang="en-US" sz="2400" dirty="0"/>
-              <a:t>文件，原因就在于</a:t>
-            </a:r>
+          <a:bodyPr/>
+          <a:lstStyle/>
+          <a:p>
             <a:r>
               <a:rPr lang="en-US" altLang="zh-CN" sz="2400" dirty="0"/>
               <a:t>shell</a:t>
             </a:r>
             <a:r>
               <a:rPr lang="zh-CN" altLang="en-US" sz="2400" dirty="0"/>
-              <a:t>扩展通配符以后，</a:t>
+              <a:t>支持通配符，使用*表示匹配任意长度的字符，</a:t>
             </a:r>
             <a:r>
               <a:rPr lang="en-US" altLang="zh-CN" sz="2400" dirty="0"/>
-              <a:t>-l</a:t>
+              <a:t>?</a:t>
+            </a:r>
+            <a:r>
+              <a:rPr lang="zh-CN" altLang="en-US" sz="2400"/>
+              <a:t>匹配任意一个字符。</a:t>
+            </a:r>
+            <a:endParaRPr lang="en-US" altLang="zh-CN" sz="2400" dirty="0"/>
+          </a:p>
+          <a:p>
+            <a:r>
+              <a:rPr lang="en-US" altLang="zh-CN" sz="2400" dirty="0"/>
+              <a:t>shell</a:t>
             </a:r>
             <a:r>
               <a:rPr lang="zh-CN" altLang="en-US" sz="2400" dirty="0"/>
-              <a:t>会被作为</a:t>
+              <a:t>在遇到通配符会进行扩展，比如输入</a:t>
             </a:r>
             <a:r>
               <a:rPr lang="en-US" altLang="zh-CN" sz="2400" dirty="0"/>
-              <a:t>ls</a:t>
+              <a:t>ls  ./a*</a:t>
             </a:r>
             <a:r>
               <a:rPr lang="zh-CN" altLang="en-US" sz="2400" dirty="0"/>
-              <a:t>的参数，而不是文件名。</a:t>
+              <a:t>，会匹配</a:t>
+            </a:r>
+            <a:r>
+              <a:rPr lang="en-US" altLang="zh-CN" sz="2400" dirty="0"/>
+              <a:t>a</a:t>
+            </a:r>
+            <a:r>
+              <a:rPr lang="zh-CN" altLang="en-US" sz="2400" dirty="0"/>
+              <a:t>开头的所有文件并显示，如果存在</a:t>
+            </a:r>
+            <a:r>
+              <a:rPr lang="en-US" altLang="zh-CN" sz="2400" dirty="0"/>
+              <a:t>ab.txt</a:t>
+            </a:r>
+            <a:r>
+              <a:rPr lang="zh-CN" altLang="en-US" sz="2400" dirty="0"/>
+              <a:t>，</a:t>
+            </a:r>
+            <a:r>
+              <a:rPr lang="en-US" altLang="zh-CN" sz="2400" dirty="0"/>
+              <a:t>ac.txt</a:t>
+            </a:r>
+            <a:r>
+              <a:rPr lang="zh-CN" altLang="en-US" sz="2400" dirty="0"/>
+              <a:t>，则会扩展成</a:t>
+            </a:r>
+            <a:r>
+              <a:rPr lang="en-US" altLang="zh-CN" sz="2400" dirty="0"/>
+              <a:t>ls  ./ab.txt  ./ac.txt</a:t>
+            </a:r>
+            <a:r>
+              <a:rPr lang="zh-CN" altLang="en-US" sz="2400" dirty="0"/>
+              <a:t>。</a:t>
             </a:r>
             <a:endParaRPr lang="en-US" altLang="zh-CN" sz="2400" dirty="0"/>
           </a:p>
           <a:p>
             <a:r>
               <a:rPr lang="zh-CN" altLang="en-US" sz="2400" dirty="0"/>
-              <a:t>但是</a:t>
+              <a:t>注意：扩展通配符的是</a:t>
             </a:r>
             <a:r>
               <a:rPr lang="en-US" altLang="zh-CN" sz="2400" dirty="0"/>
-              <a:t>ls   ./* </a:t>
+              <a:t>shell</a:t>
             </a:r>
             <a:r>
               <a:rPr lang="zh-CN" altLang="en-US" sz="2400" dirty="0"/>
-              <a:t>则不会有问题，因为</a:t>
-            </a:r>
-            <a:r>
-              <a:rPr lang="en-US" altLang="zh-CN" sz="2400" dirty="0"/>
-              <a:t>./-l</a:t>
-            </a:r>
+              <a:t>，不是命令自身，如果是命令本身实现的，那就每个命令都要实现，这重工作量是不可想象的。</a:t>
+            </a:r>
+            <a:endParaRPr lang="en-US" altLang="zh-CN" sz="2400" dirty="0"/>
+          </a:p>
+          <a:p>
             <a:r>
               <a:rPr lang="zh-CN" altLang="en-US" sz="2400" dirty="0"/>
-              <a:t>不会被认为是参数。</a:t>
+              <a:t>通配符在使用时会带来很多便利，但是有些特殊情况也要注意。</a:t>
             </a:r>
             <a:endParaRPr lang="en-US" altLang="zh-CN" sz="2400" dirty="0"/>
+          </a:p>
+          <a:p>
+            <a:endParaRPr lang="en-US" altLang="zh-CN" sz="2000" dirty="0"/>
           </a:p>
         </p:txBody>
       </p:sp>
     </p:spTree>
     <p:extLst>
       <p:ext uri="{BB962C8B-B14F-4D97-AF65-F5344CB8AC3E}">
-        <p14:creationId xmlns:p14="http://schemas.microsoft.com/office/powerpoint/2010/main" val="3605215457"/>
+        <p14:creationId xmlns:p14="http://schemas.microsoft.com/office/powerpoint/2010/main" val="3129173604"/>
       </p:ext>
     </p:extLst>
   </p:cSld>
@@ -8330,7 +8416,7 @@
           <a:p>
             <a:r>
               <a:rPr lang="zh-CN" altLang="en-US" dirty="0"/>
-              <a:t>命令替换</a:t>
+              <a:t>通配符引起的问题</a:t>
             </a:r>
           </a:p>
         </p:txBody>
@@ -8360,95 +8446,87 @@
           <a:p>
             <a:r>
               <a:rPr lang="zh-CN" altLang="en-US" sz="2400" dirty="0"/>
-              <a:t>其他常用替换：</a:t>
+              <a:t>如果在当前目录存在一个</a:t>
             </a:r>
             <a:r>
               <a:rPr lang="en-US" altLang="zh-CN" sz="2400" dirty="0"/>
-              <a:t>bash</a:t>
+              <a:t>-l</a:t>
             </a:r>
             <a:r>
               <a:rPr lang="zh-CN" altLang="en-US" sz="2400" dirty="0"/>
-              <a:t>中，</a:t>
+              <a:t>文件，这时候</a:t>
             </a:r>
             <a:r>
               <a:rPr lang="en-US" altLang="zh-CN" sz="2400" dirty="0"/>
-              <a:t>~</a:t>
+              <a:t>ls  * </a:t>
             </a:r>
             <a:r>
               <a:rPr lang="zh-CN" altLang="en-US" sz="2400" dirty="0"/>
-              <a:t>表示用户主目录。</a:t>
+              <a:t>显示格式是加入了</a:t>
             </a:r>
             <a:r>
               <a:rPr lang="en-US" altLang="zh-CN" sz="2400" dirty="0"/>
-              <a:t>echo ~</a:t>
+              <a:t>-l</a:t>
             </a:r>
             <a:r>
               <a:rPr lang="zh-CN" altLang="en-US" sz="2400" dirty="0"/>
-              <a:t>输出的是用户主目录。</a:t>
+              <a:t>参数的形式，但是没有</a:t>
+            </a:r>
+            <a:r>
+              <a:rPr lang="en-US" altLang="zh-CN" sz="2400" dirty="0"/>
+              <a:t>-l</a:t>
+            </a:r>
+            <a:r>
+              <a:rPr lang="zh-CN" altLang="en-US" sz="2400" dirty="0"/>
+              <a:t>文件，原因就在于</a:t>
+            </a:r>
+            <a:r>
+              <a:rPr lang="en-US" altLang="zh-CN" sz="2400" dirty="0"/>
+              <a:t>shell</a:t>
+            </a:r>
+            <a:r>
+              <a:rPr lang="zh-CN" altLang="en-US" sz="2400" dirty="0"/>
+              <a:t>扩展通配符以后，</a:t>
+            </a:r>
+            <a:r>
+              <a:rPr lang="en-US" altLang="zh-CN" sz="2400" dirty="0"/>
+              <a:t>-l</a:t>
+            </a:r>
+            <a:r>
+              <a:rPr lang="zh-CN" altLang="en-US" sz="2400" dirty="0"/>
+              <a:t>会被作为</a:t>
+            </a:r>
+            <a:r>
+              <a:rPr lang="en-US" altLang="zh-CN" sz="2400" dirty="0"/>
+              <a:t>ls</a:t>
+            </a:r>
+            <a:r>
+              <a:rPr lang="zh-CN" altLang="en-US" sz="2400" dirty="0"/>
+              <a:t>的参数，而不是文件名。</a:t>
             </a:r>
             <a:endParaRPr lang="en-US" altLang="zh-CN" sz="2400" dirty="0"/>
           </a:p>
           <a:p>
-            <a:endParaRPr lang="en-US" altLang="zh-CN" sz="2400" dirty="0"/>
-          </a:p>
-          <a:p>
+            <a:r>
+              <a:rPr lang="zh-CN" altLang="en-US" sz="2400" dirty="0"/>
+              <a:t>但是</a:t>
+            </a:r>
             <a:r>
               <a:rPr lang="en-US" altLang="zh-CN" sz="2400" dirty="0"/>
-              <a:t>.</a:t>
-            </a:r>
-            <a:r>
-              <a:rPr lang="en-US" altLang="zh-CN" sz="2400" dirty="0" err="1"/>
-              <a:t>bashrc</a:t>
+              <a:t>ls   ./* </a:t>
             </a:r>
             <a:r>
               <a:rPr lang="zh-CN" altLang="en-US" sz="2400" dirty="0"/>
-              <a:t>中通过</a:t>
+              <a:t>则不会有问题，因为</a:t>
             </a:r>
             <a:r>
               <a:rPr lang="en-US" altLang="zh-CN" sz="2400" dirty="0"/>
-              <a:t>alias</a:t>
+              <a:t>./-l</a:t>
             </a:r>
             <a:r>
               <a:rPr lang="zh-CN" altLang="en-US" sz="2400" dirty="0"/>
-              <a:t>可以为命令取别名：</a:t>
-            </a:r>
-            <a:r>
-              <a:rPr lang="en-US" altLang="zh-CN" sz="2400" dirty="0"/>
-              <a:t>alias  c=‘clear’</a:t>
-            </a:r>
-          </a:p>
-          <a:p>
-            <a:r>
-              <a:rPr lang="zh-CN" altLang="en-US" sz="2400" dirty="0"/>
-              <a:t>这样</a:t>
-            </a:r>
-            <a:r>
-              <a:rPr lang="en-US" altLang="zh-CN" sz="2400" dirty="0"/>
-              <a:t>bash</a:t>
-            </a:r>
-            <a:r>
-              <a:rPr lang="zh-CN" altLang="en-US" sz="2400" dirty="0"/>
-              <a:t>运行后输入</a:t>
-            </a:r>
-            <a:r>
-              <a:rPr lang="en-US" altLang="zh-CN" sz="2400" dirty="0"/>
-              <a:t>c</a:t>
-            </a:r>
-            <a:r>
-              <a:rPr lang="zh-CN" altLang="en-US" sz="2400" dirty="0"/>
-              <a:t>就会自动替换成</a:t>
-            </a:r>
-            <a:r>
-              <a:rPr lang="en-US" altLang="zh-CN" sz="2400" dirty="0"/>
-              <a:t>clear</a:t>
-            </a:r>
-            <a:r>
-              <a:rPr lang="zh-CN" altLang="en-US" sz="2400" dirty="0"/>
-              <a:t>。</a:t>
-            </a:r>
-            <a:endParaRPr lang="en-US" altLang="zh-CN" sz="2400" dirty="0"/>
-          </a:p>
-          <a:p>
+              <a:t>不会被认为是参数。</a:t>
+            </a:r>
             <a:endParaRPr lang="en-US" altLang="zh-CN" sz="2400" dirty="0"/>
           </a:p>
         </p:txBody>
@@ -8456,7 +8534,7 @@
     </p:spTree>
     <p:extLst>
       <p:ext uri="{BB962C8B-B14F-4D97-AF65-F5344CB8AC3E}">
-        <p14:creationId xmlns:p14="http://schemas.microsoft.com/office/powerpoint/2010/main" val="2756271315"/>
+        <p14:creationId xmlns:p14="http://schemas.microsoft.com/office/powerpoint/2010/main" val="3605215457"/>
       </p:ext>
     </p:extLst>
   </p:cSld>
@@ -8506,15 +8584,7 @@
           <a:p>
             <a:r>
               <a:rPr lang="zh-CN" altLang="en-US" dirty="0"/>
-              <a:t>当输入一条命令后，</a:t>
-            </a:r>
-            <a:r>
-              <a:rPr lang="en-US" altLang="zh-CN" dirty="0"/>
-              <a:t>shell</a:t>
-            </a:r>
-            <a:r>
-              <a:rPr lang="zh-CN" altLang="en-US" dirty="0"/>
-              <a:t>如何处理</a:t>
+              <a:t>命令替换</a:t>
             </a:r>
           </a:p>
         </p:txBody>
@@ -8537,180 +8607,110 @@
         </p:nvSpPr>
         <p:spPr/>
         <p:txBody>
-          <a:bodyPr/>
+          <a:bodyPr>
+            <a:normAutofit/>
+          </a:bodyPr>
           <a:lstStyle/>
           <a:p>
             <a:r>
               <a:rPr lang="zh-CN" altLang="en-US" sz="2400" dirty="0"/>
-              <a:t>输入一条命令并确认后，实际</a:t>
+              <a:t>其他常用替换：</a:t>
             </a:r>
             <a:r>
               <a:rPr lang="en-US" altLang="zh-CN" sz="2400" dirty="0"/>
-              <a:t>shell</a:t>
+              <a:t>bash</a:t>
             </a:r>
             <a:r>
               <a:rPr lang="zh-CN" altLang="en-US" sz="2400" dirty="0"/>
-              <a:t>获取的是一行字符串，</a:t>
+              <a:t>中，</a:t>
             </a:r>
             <a:r>
               <a:rPr lang="en-US" altLang="zh-CN" sz="2400" dirty="0"/>
-              <a:t>shell</a:t>
+              <a:t>~</a:t>
             </a:r>
             <a:r>
               <a:rPr lang="zh-CN" altLang="en-US" sz="2400" dirty="0"/>
-              <a:t>要对字符串进行解析，并确定命令名称，参数等信息。</a:t>
+              <a:t>表示用户主目录。</a:t>
+            </a:r>
+            <a:r>
+              <a:rPr lang="en-US" altLang="zh-CN" sz="2400" dirty="0"/>
+              <a:t>echo ~</a:t>
+            </a:r>
+            <a:r>
+              <a:rPr lang="zh-CN" altLang="en-US" sz="2400" dirty="0"/>
+              <a:t>输出的是用户主目录。</a:t>
             </a:r>
             <a:endParaRPr lang="en-US" altLang="zh-CN" sz="2400" dirty="0"/>
           </a:p>
           <a:p>
+            <a:endParaRPr lang="en-US" altLang="zh-CN" sz="2400" dirty="0"/>
+          </a:p>
+          <a:p>
+            <a:r>
+              <a:rPr lang="en-US" altLang="zh-CN" sz="2400" dirty="0"/>
+              <a:t>.</a:t>
+            </a:r>
+            <a:r>
+              <a:rPr lang="en-US" altLang="zh-CN" sz="2400" dirty="0" err="1"/>
+              <a:t>bashrc</a:t>
+            </a:r>
             <a:r>
               <a:rPr lang="zh-CN" altLang="en-US" sz="2400" dirty="0"/>
-              <a:t>然后，</a:t>
+              <a:t>中通过</a:t>
             </a:r>
             <a:r>
               <a:rPr lang="en-US" altLang="zh-CN" sz="2400" dirty="0"/>
-              <a:t>shell</a:t>
+              <a:t>alias</a:t>
             </a:r>
             <a:r>
               <a:rPr lang="zh-CN" altLang="en-US" sz="2400" dirty="0"/>
-              <a:t>要根据配置文件的搜索路径，从每个路径寻找命令，没有找到则提示错误信息，找到就调用</a:t>
+              <a:t>可以为命令取别名：</a:t>
             </a:r>
             <a:r>
               <a:rPr lang="en-US" altLang="zh-CN" sz="2400" dirty="0"/>
-              <a:t>Linux</a:t>
-            </a:r>
+              <a:t>alias  c=‘clear’</a:t>
+            </a:r>
+          </a:p>
+          <a:p>
             <a:r>
               <a:rPr lang="zh-CN" altLang="en-US" sz="2400" dirty="0"/>
-              <a:t>提供的系统调用运行命令。</a:t>
+              <a:t>这样</a:t>
+            </a:r>
+            <a:r>
+              <a:rPr lang="en-US" altLang="zh-CN" sz="2400" dirty="0"/>
+              <a:t>bash</a:t>
+            </a:r>
+            <a:r>
+              <a:rPr lang="zh-CN" altLang="en-US" sz="2400" dirty="0"/>
+              <a:t>运行后输入</a:t>
+            </a:r>
+            <a:r>
+              <a:rPr lang="en-US" altLang="zh-CN" sz="2400" dirty="0"/>
+              <a:t>c</a:t>
+            </a:r>
+            <a:r>
+              <a:rPr lang="zh-CN" altLang="en-US" sz="2400" dirty="0"/>
+              <a:t>就会自动替换成</a:t>
+            </a:r>
+            <a:r>
+              <a:rPr lang="en-US" altLang="zh-CN" sz="2400" dirty="0"/>
+              <a:t>clear</a:t>
+            </a:r>
+            <a:r>
+              <a:rPr lang="zh-CN" altLang="en-US" sz="2400" dirty="0"/>
+              <a:t>。</a:t>
             </a:r>
             <a:endParaRPr lang="en-US" altLang="zh-CN" sz="2400" dirty="0"/>
           </a:p>
           <a:p>
-            <a:r>
-              <a:rPr lang="zh-CN" altLang="en-US" sz="2400" dirty="0"/>
-              <a:t>比如：输入 </a:t>
-            </a:r>
-            <a:r>
-              <a:rPr lang="en-US" altLang="zh-CN" sz="2400" dirty="0"/>
-              <a:t>ls  -l,  shell</a:t>
-            </a:r>
-            <a:r>
-              <a:rPr lang="zh-CN" altLang="en-US" sz="2400" dirty="0"/>
-              <a:t>要解析成‘</a:t>
-            </a:r>
-            <a:r>
-              <a:rPr lang="en-US" altLang="zh-CN" sz="2400" dirty="0"/>
-              <a:t>ls</a:t>
-            </a:r>
-            <a:r>
-              <a:rPr lang="zh-CN" altLang="en-US" sz="2400" dirty="0"/>
-              <a:t>’ </a:t>
-            </a:r>
-            <a:r>
-              <a:rPr lang="en-US" altLang="zh-CN" sz="2400" dirty="0"/>
-              <a:t>, ‘-l’ </a:t>
-            </a:r>
-            <a:r>
-              <a:rPr lang="zh-CN" altLang="en-US" sz="2400" dirty="0"/>
-              <a:t>，</a:t>
-            </a:r>
-            <a:r>
-              <a:rPr lang="en-US" altLang="zh-CN" sz="2400" dirty="0"/>
-              <a:t>’ls’</a:t>
-            </a:r>
-            <a:r>
-              <a:rPr lang="zh-CN" altLang="en-US" sz="2400" dirty="0"/>
-              <a:t>就是命令名称，并在</a:t>
-            </a:r>
-            <a:r>
-              <a:rPr lang="en-US" altLang="zh-CN" sz="2400" dirty="0"/>
-              <a:t>PATH</a:t>
-            </a:r>
-            <a:r>
-              <a:rPr lang="zh-CN" altLang="en-US" sz="2400" dirty="0"/>
-              <a:t>设置的路径中寻找，找到</a:t>
-            </a:r>
-            <a:r>
-              <a:rPr lang="en-US" altLang="zh-CN" sz="2400" dirty="0"/>
-              <a:t>/bin/ls</a:t>
-            </a:r>
-            <a:r>
-              <a:rPr lang="zh-CN" altLang="en-US" sz="2400" dirty="0"/>
-              <a:t>这个命令，</a:t>
-            </a:r>
-            <a:r>
-              <a:rPr lang="en-US" altLang="zh-CN" sz="2400" dirty="0"/>
-              <a:t>fork</a:t>
-            </a:r>
-            <a:r>
-              <a:rPr lang="zh-CN" altLang="en-US" sz="2400" dirty="0"/>
-              <a:t>一个子进程调用</a:t>
-            </a:r>
-            <a:r>
-              <a:rPr lang="en-US" altLang="zh-CN" sz="2400" dirty="0" err="1"/>
-              <a:t>execv</a:t>
-            </a:r>
-            <a:r>
-              <a:rPr lang="zh-CN" altLang="en-US" sz="2400" dirty="0"/>
-              <a:t>等系统调用传递参数运行命令。并等待结束。</a:t>
-            </a:r>
             <a:endParaRPr lang="en-US" altLang="zh-CN" sz="2400" dirty="0"/>
-          </a:p>
-          <a:p>
-            <a:r>
-              <a:rPr lang="zh-CN" altLang="en-US" sz="2400" dirty="0"/>
-              <a:t>注意：真正运行命令的不是</a:t>
-            </a:r>
-            <a:r>
-              <a:rPr lang="en-US" altLang="zh-CN" sz="2400" dirty="0"/>
-              <a:t>shell</a:t>
-            </a:r>
-            <a:r>
-              <a:rPr lang="zh-CN" altLang="en-US" sz="2400" dirty="0"/>
-              <a:t>，而是内核，</a:t>
-            </a:r>
-            <a:r>
-              <a:rPr lang="en-US" altLang="zh-CN" sz="2400" dirty="0"/>
-              <a:t>shell</a:t>
-            </a:r>
-            <a:r>
-              <a:rPr lang="zh-CN" altLang="en-US" sz="2400" dirty="0"/>
-              <a:t>去调用内核提供的接口，</a:t>
-            </a:r>
-            <a:r>
-              <a:rPr lang="en-US" altLang="zh-CN" sz="2400" dirty="0"/>
-              <a:t>shell</a:t>
-            </a:r>
-            <a:r>
-              <a:rPr lang="zh-CN" altLang="en-US" sz="2400" dirty="0"/>
-              <a:t>是调用</a:t>
-            </a:r>
-            <a:r>
-              <a:rPr lang="en-US" altLang="zh-CN" sz="2400" dirty="0"/>
-              <a:t>fork</a:t>
-            </a:r>
-            <a:r>
-              <a:rPr lang="zh-CN" altLang="en-US" sz="2400" dirty="0"/>
-              <a:t>创建子进程去</a:t>
-            </a:r>
-            <a:r>
-              <a:rPr lang="zh-CN" altLang="en-US" sz="2400"/>
-              <a:t>运行命令，而所有的进程都是系统内核调度的。</a:t>
-            </a:r>
-            <a:endParaRPr lang="en-US" altLang="zh-CN" sz="2400" dirty="0"/>
-          </a:p>
-          <a:p>
-            <a:endParaRPr lang="en-US" altLang="zh-CN" sz="2400" dirty="0"/>
-          </a:p>
-          <a:p>
-            <a:endParaRPr lang="en-US" altLang="zh-CN" sz="2000" dirty="0"/>
           </a:p>
         </p:txBody>
       </p:sp>
     </p:spTree>
     <p:extLst>
       <p:ext uri="{BB962C8B-B14F-4D97-AF65-F5344CB8AC3E}">
-        <p14:creationId xmlns:p14="http://schemas.microsoft.com/office/powerpoint/2010/main" val="3466496868"/>
+        <p14:creationId xmlns:p14="http://schemas.microsoft.com/office/powerpoint/2010/main" val="2756271315"/>
       </p:ext>
     </p:extLst>
   </p:cSld>

--- a/materials/slides/ch11-how-does-shell-run-a-command.pptx
+++ b/materials/slides/ch11-how-does-shell-run-a-command.pptx
@@ -204,7 +204,7 @@
           <a:p>
             <a:fld id="{F43B6EE9-BDC9-469F-844A-ED2A9895708F}" type="datetimeFigureOut">
               <a:rPr lang="zh-CN" altLang="en-US" smtClean="0"/>
-              <a:t>2018/2/25</a:t>
+              <a:t>2018/2/27</a:t>
             </a:fld>
             <a:endParaRPr lang="zh-CN" altLang="en-US"/>
           </a:p>
@@ -710,7 +710,7 @@
           <a:p>
             <a:fld id="{02E60DA2-A0BC-48C9-AA88-75C78721B420}" type="datetimeFigureOut">
               <a:rPr lang="zh-CN" altLang="en-US" smtClean="0"/>
-              <a:t>2018/2/25</a:t>
+              <a:t>2018/2/27</a:t>
             </a:fld>
             <a:endParaRPr lang="zh-CN" altLang="en-US"/>
           </a:p>
@@ -932,7 +932,7 @@
           <a:p>
             <a:fld id="{02E60DA2-A0BC-48C9-AA88-75C78721B420}" type="datetimeFigureOut">
               <a:rPr lang="zh-CN" altLang="en-US" smtClean="0"/>
-              <a:t>2018/2/25</a:t>
+              <a:t>2018/2/27</a:t>
             </a:fld>
             <a:endParaRPr lang="zh-CN" altLang="en-US"/>
           </a:p>
@@ -1164,7 +1164,7 @@
           <a:p>
             <a:fld id="{02E60DA2-A0BC-48C9-AA88-75C78721B420}" type="datetimeFigureOut">
               <a:rPr lang="zh-CN" altLang="en-US" smtClean="0"/>
-              <a:t>2018/2/25</a:t>
+              <a:t>2018/2/27</a:t>
             </a:fld>
             <a:endParaRPr lang="zh-CN" altLang="en-US"/>
           </a:p>
@@ -1414,7 +1414,7 @@
           <a:p>
             <a:fld id="{02E60DA2-A0BC-48C9-AA88-75C78721B420}" type="datetimeFigureOut">
               <a:rPr lang="zh-CN" altLang="en-US" smtClean="0"/>
-              <a:t>2018/2/25</a:t>
+              <a:t>2018/2/27</a:t>
             </a:fld>
             <a:endParaRPr lang="zh-CN" altLang="en-US"/>
           </a:p>
@@ -1652,7 +1652,7 @@
           <a:p>
             <a:fld id="{02E60DA2-A0BC-48C9-AA88-75C78721B420}" type="datetimeFigureOut">
               <a:rPr lang="zh-CN" altLang="en-US" smtClean="0"/>
-              <a:t>2018/2/25</a:t>
+              <a:t>2018/2/27</a:t>
             </a:fld>
             <a:endParaRPr lang="zh-CN" altLang="en-US"/>
           </a:p>
@@ -1957,7 +1957,7 @@
           <a:p>
             <a:fld id="{02E60DA2-A0BC-48C9-AA88-75C78721B420}" type="datetimeFigureOut">
               <a:rPr lang="zh-CN" altLang="en-US" smtClean="0"/>
-              <a:t>2018/2/25</a:t>
+              <a:t>2018/2/27</a:t>
             </a:fld>
             <a:endParaRPr lang="zh-CN" altLang="en-US"/>
           </a:p>
@@ -2260,7 +2260,7 @@
           <a:p>
             <a:fld id="{02E60DA2-A0BC-48C9-AA88-75C78721B420}" type="datetimeFigureOut">
               <a:rPr lang="zh-CN" altLang="en-US" smtClean="0"/>
-              <a:t>2018/2/25</a:t>
+              <a:t>2018/2/27</a:t>
             </a:fld>
             <a:endParaRPr lang="zh-CN" altLang="en-US"/>
           </a:p>
@@ -2711,7 +2711,7 @@
           <a:p>
             <a:fld id="{02E60DA2-A0BC-48C9-AA88-75C78721B420}" type="datetimeFigureOut">
               <a:rPr lang="zh-CN" altLang="en-US" smtClean="0"/>
-              <a:t>2018/2/25</a:t>
+              <a:t>2018/2/27</a:t>
             </a:fld>
             <a:endParaRPr lang="zh-CN" altLang="en-US"/>
           </a:p>
@@ -2884,7 +2884,7 @@
           <a:p>
             <a:fld id="{02E60DA2-A0BC-48C9-AA88-75C78721B420}" type="datetimeFigureOut">
               <a:rPr lang="zh-CN" altLang="en-US" smtClean="0"/>
-              <a:t>2018/2/25</a:t>
+              <a:t>2018/2/27</a:t>
             </a:fld>
             <a:endParaRPr lang="zh-CN" altLang="en-US"/>
           </a:p>
@@ -3021,7 +3021,7 @@
           <a:p>
             <a:fld id="{02E60DA2-A0BC-48C9-AA88-75C78721B420}" type="datetimeFigureOut">
               <a:rPr lang="zh-CN" altLang="en-US" smtClean="0"/>
-              <a:t>2018/2/25</a:t>
+              <a:t>2018/2/27</a:t>
             </a:fld>
             <a:endParaRPr lang="zh-CN" altLang="en-US"/>
           </a:p>
@@ -3365,7 +3365,7 @@
           <a:p>
             <a:fld id="{02E60DA2-A0BC-48C9-AA88-75C78721B420}" type="datetimeFigureOut">
               <a:rPr lang="zh-CN" altLang="en-US" smtClean="0"/>
-              <a:t>2018/2/25</a:t>
+              <a:t>2018/2/27</a:t>
             </a:fld>
             <a:endParaRPr lang="zh-CN" altLang="en-US"/>
           </a:p>
@@ -3587,7 +3587,7 @@
           <a:p>
             <a:fld id="{02E60DA2-A0BC-48C9-AA88-75C78721B420}" type="datetimeFigureOut">
               <a:rPr lang="zh-CN" altLang="en-US" smtClean="0"/>
-              <a:t>2018/2/25</a:t>
+              <a:t>2018/2/27</a:t>
             </a:fld>
             <a:endParaRPr lang="zh-CN" altLang="en-US"/>
           </a:p>
@@ -3908,7 +3908,7 @@
           <a:p>
             <a:fld id="{02E60DA2-A0BC-48C9-AA88-75C78721B420}" type="datetimeFigureOut">
               <a:rPr lang="zh-CN" altLang="en-US" smtClean="0"/>
-              <a:t>2018/2/25</a:t>
+              <a:t>2018/2/27</a:t>
             </a:fld>
             <a:endParaRPr lang="zh-CN" altLang="en-US"/>
           </a:p>
@@ -4146,7 +4146,7 @@
           <a:p>
             <a:fld id="{02E60DA2-A0BC-48C9-AA88-75C78721B420}" type="datetimeFigureOut">
               <a:rPr lang="zh-CN" altLang="en-US" smtClean="0"/>
-              <a:t>2018/2/25</a:t>
+              <a:t>2018/2/27</a:t>
             </a:fld>
             <a:endParaRPr lang="zh-CN" altLang="en-US"/>
           </a:p>
@@ -4384,7 +4384,7 @@
           <a:p>
             <a:fld id="{02E60DA2-A0BC-48C9-AA88-75C78721B420}" type="datetimeFigureOut">
               <a:rPr lang="zh-CN" altLang="en-US" smtClean="0"/>
-              <a:t>2018/2/25</a:t>
+              <a:t>2018/2/27</a:t>
             </a:fld>
             <a:endParaRPr lang="zh-CN" altLang="en-US"/>
           </a:p>
@@ -4683,7 +4683,7 @@
           <a:p>
             <a:fld id="{02E60DA2-A0BC-48C9-AA88-75C78721B420}" type="datetimeFigureOut">
               <a:rPr lang="zh-CN" altLang="en-US" smtClean="0"/>
-              <a:t>2018/2/25</a:t>
+              <a:t>2018/2/27</a:t>
             </a:fld>
             <a:endParaRPr lang="zh-CN" altLang="en-US"/>
           </a:p>
@@ -4972,7 +4972,7 @@
           <a:p>
             <a:fld id="{02E60DA2-A0BC-48C9-AA88-75C78721B420}" type="datetimeFigureOut">
               <a:rPr lang="zh-CN" altLang="en-US" smtClean="0"/>
-              <a:t>2018/2/25</a:t>
+              <a:t>2018/2/27</a:t>
             </a:fld>
             <a:endParaRPr lang="zh-CN" altLang="en-US"/>
           </a:p>
@@ -5408,7 +5408,7 @@
           <a:p>
             <a:fld id="{02E60DA2-A0BC-48C9-AA88-75C78721B420}" type="datetimeFigureOut">
               <a:rPr lang="zh-CN" altLang="en-US" smtClean="0"/>
-              <a:t>2018/2/25</a:t>
+              <a:t>2018/2/27</a:t>
             </a:fld>
             <a:endParaRPr lang="zh-CN" altLang="en-US"/>
           </a:p>
@@ -5573,7 +5573,7 @@
           <a:p>
             <a:fld id="{02E60DA2-A0BC-48C9-AA88-75C78721B420}" type="datetimeFigureOut">
               <a:rPr lang="zh-CN" altLang="en-US" smtClean="0"/>
-              <a:t>2018/2/25</a:t>
+              <a:t>2018/2/27</a:t>
             </a:fld>
             <a:endParaRPr lang="zh-CN" altLang="en-US"/>
           </a:p>
@@ -5710,7 +5710,7 @@
           <a:p>
             <a:fld id="{02E60DA2-A0BC-48C9-AA88-75C78721B420}" type="datetimeFigureOut">
               <a:rPr lang="zh-CN" altLang="en-US" smtClean="0"/>
-              <a:t>2018/2/25</a:t>
+              <a:t>2018/2/27</a:t>
             </a:fld>
             <a:endParaRPr lang="zh-CN" altLang="en-US"/>
           </a:p>
@@ -6045,7 +6045,7 @@
           <a:p>
             <a:fld id="{02E60DA2-A0BC-48C9-AA88-75C78721B420}" type="datetimeFigureOut">
               <a:rPr lang="zh-CN" altLang="en-US" smtClean="0"/>
-              <a:t>2018/2/25</a:t>
+              <a:t>2018/2/27</a:t>
             </a:fld>
             <a:endParaRPr lang="zh-CN" altLang="en-US"/>
           </a:p>
@@ -6357,7 +6357,7 @@
           <a:p>
             <a:fld id="{02E60DA2-A0BC-48C9-AA88-75C78721B420}" type="datetimeFigureOut">
               <a:rPr lang="zh-CN" altLang="en-US" smtClean="0"/>
-              <a:t>2018/2/25</a:t>
+              <a:t>2018/2/27</a:t>
             </a:fld>
             <a:endParaRPr lang="zh-CN" altLang="en-US"/>
           </a:p>
@@ -7504,14 +7504,14 @@
           <a:lstStyle/>
           <a:p>
             <a:r>
-              <a:rPr lang="zh-CN" altLang="en-US" sz="3600" dirty="0">
+              <a:rPr lang="zh-CN" altLang="en-US" sz="3600">
                 <a:solidFill>
                   <a:schemeClr val="tx2">
                     <a:lumMod val="50000"/>
                   </a:schemeClr>
                 </a:solidFill>
               </a:rPr>
-              <a:t>第十二讲 </a:t>
+              <a:t>第十一讲 </a:t>
             </a:r>
             <a:r>
               <a:rPr lang="en-US" altLang="zh-CN" sz="3600" dirty="0">
@@ -7869,64 +7869,84 @@
           <a:lstStyle/>
           <a:p>
             <a:r>
-              <a:rPr lang="zh-CN" altLang="en-US" sz="2400" dirty="0"/>
+              <a:rPr lang="zh-CN" altLang="en-US" sz="2000" dirty="0"/>
               <a:t>当前</a:t>
             </a:r>
             <a:r>
-              <a:rPr lang="en-US" altLang="zh-CN" sz="2400" dirty="0"/>
+              <a:rPr lang="en-US" altLang="zh-CN" sz="2000" dirty="0"/>
               <a:t>shell</a:t>
             </a:r>
             <a:r>
-              <a:rPr lang="zh-CN" altLang="en-US" sz="2400" dirty="0"/>
+              <a:rPr lang="zh-CN" altLang="en-US" sz="2000" dirty="0"/>
               <a:t>运行时保存的信息，包括终端类型，当前目录，主目录，语言编码，默认命令搜索路径等信息。</a:t>
             </a:r>
-            <a:endParaRPr lang="en-US" altLang="zh-CN" sz="2400" dirty="0"/>
-          </a:p>
-          <a:p>
-            <a:r>
-              <a:rPr lang="zh-CN" altLang="en-US" sz="2400" dirty="0"/>
+            <a:endParaRPr lang="en-US" altLang="zh-CN" sz="2000" dirty="0"/>
+          </a:p>
+          <a:p>
+            <a:endParaRPr lang="en-US" altLang="zh-CN" sz="2000" dirty="0"/>
+          </a:p>
+          <a:p>
+            <a:r>
+              <a:rPr lang="zh-CN" altLang="en-US" sz="2000" dirty="0"/>
               <a:t>运行</a:t>
             </a:r>
             <a:r>
-              <a:rPr lang="en-US" altLang="zh-CN" sz="2400" dirty="0" err="1"/>
+              <a:rPr lang="en-US" altLang="zh-CN" sz="2000" dirty="0" err="1"/>
               <a:t>env</a:t>
             </a:r>
             <a:r>
-              <a:rPr lang="zh-CN" altLang="en-US" sz="2400" dirty="0"/>
+              <a:rPr lang="zh-CN" altLang="en-US" sz="2000" dirty="0"/>
               <a:t>命令可以查看当前环境变量。</a:t>
             </a:r>
-            <a:endParaRPr lang="en-US" altLang="zh-CN" sz="2400" dirty="0"/>
-          </a:p>
-          <a:p>
-            <a:r>
-              <a:rPr lang="zh-CN" altLang="en-US" sz="2400" dirty="0"/>
+            <a:endParaRPr lang="en-US" altLang="zh-CN" sz="2000" dirty="0"/>
+          </a:p>
+          <a:p>
+            <a:endParaRPr lang="en-US" altLang="zh-CN" sz="2000" dirty="0"/>
+          </a:p>
+          <a:p>
+            <a:r>
+              <a:rPr lang="zh-CN" altLang="en-US" sz="2000" dirty="0"/>
               <a:t>环境变量是一个名称和值的对应列表。一种是</a:t>
             </a:r>
             <a:r>
-              <a:rPr lang="en-US" altLang="zh-CN" sz="2400" dirty="0"/>
+              <a:rPr lang="en-US" altLang="zh-CN" sz="2000" dirty="0"/>
               <a:t>shell</a:t>
             </a:r>
             <a:r>
-              <a:rPr lang="zh-CN" altLang="en-US" sz="2400" dirty="0"/>
+              <a:rPr lang="zh-CN" altLang="en-US" sz="2000" dirty="0"/>
               <a:t>启动时解析配置文件生成，还有一种临时的环境变量是在</a:t>
             </a:r>
             <a:r>
-              <a:rPr lang="en-US" altLang="zh-CN" sz="2400" dirty="0"/>
+              <a:rPr lang="en-US" altLang="zh-CN" sz="2000" dirty="0"/>
               <a:t>shell</a:t>
             </a:r>
             <a:r>
-              <a:rPr lang="zh-CN" altLang="en-US" sz="2400" dirty="0"/>
+              <a:rPr lang="zh-CN" altLang="en-US" sz="2000" dirty="0"/>
               <a:t>中使用</a:t>
             </a:r>
             <a:r>
-              <a:rPr lang="en-US" altLang="zh-CN" sz="2400" dirty="0"/>
+              <a:rPr lang="en-US" altLang="zh-CN" sz="2000" dirty="0"/>
               <a:t>export</a:t>
             </a:r>
             <a:r>
-              <a:rPr lang="zh-CN" altLang="en-US" sz="2400" dirty="0"/>
+              <a:rPr lang="zh-CN" altLang="en-US" sz="2000" dirty="0"/>
               <a:t>生成。</a:t>
             </a:r>
-            <a:endParaRPr lang="en-US" altLang="zh-CN" sz="2400" dirty="0"/>
+            <a:endParaRPr lang="en-US" altLang="zh-CN" sz="2000" dirty="0"/>
+          </a:p>
+          <a:p>
+            <a:endParaRPr lang="en-US" altLang="zh-CN" sz="2000" dirty="0"/>
+          </a:p>
+          <a:p>
+            <a:r>
+              <a:rPr lang="en-US" altLang="zh-CN" sz="2000" dirty="0"/>
+              <a:t>PATH</a:t>
+            </a:r>
+            <a:r>
+              <a:rPr lang="zh-CN" altLang="en-US" sz="2000" dirty="0"/>
+              <a:t>变量记录了要查找命令的路径顺序。</a:t>
+            </a:r>
+            <a:endParaRPr lang="en-US" altLang="zh-CN" sz="2000" dirty="0"/>
           </a:p>
         </p:txBody>
       </p:sp>
@@ -8018,163 +8038,168 @@
           <a:lstStyle/>
           <a:p>
             <a:r>
-              <a:rPr lang="zh-CN" altLang="en-US" sz="2400" dirty="0"/>
+              <a:rPr lang="zh-CN" altLang="en-US" sz="2000" dirty="0"/>
               <a:t>输入一条命令并确认后，实际</a:t>
             </a:r>
             <a:r>
-              <a:rPr lang="en-US" altLang="zh-CN" sz="2400" dirty="0"/>
+              <a:rPr lang="en-US" altLang="zh-CN" sz="2000" dirty="0"/>
               <a:t>shell</a:t>
             </a:r>
             <a:r>
-              <a:rPr lang="zh-CN" altLang="en-US" sz="2400" dirty="0"/>
+              <a:rPr lang="zh-CN" altLang="en-US" sz="2000" dirty="0"/>
               <a:t>获取的是一行字符串，</a:t>
             </a:r>
             <a:r>
-              <a:rPr lang="en-US" altLang="zh-CN" sz="2400" dirty="0"/>
+              <a:rPr lang="en-US" altLang="zh-CN" sz="2000" dirty="0"/>
               <a:t>shell</a:t>
             </a:r>
             <a:r>
-              <a:rPr lang="zh-CN" altLang="en-US" sz="2400" dirty="0"/>
+              <a:rPr lang="zh-CN" altLang="en-US" sz="2000" dirty="0"/>
               <a:t>要对字符串进行解析，并确定命令名称，参数等信息。</a:t>
             </a:r>
-            <a:endParaRPr lang="en-US" altLang="zh-CN" sz="2400" dirty="0"/>
-          </a:p>
-          <a:p>
-            <a:r>
-              <a:rPr lang="zh-CN" altLang="en-US" sz="2400" dirty="0"/>
+            <a:endParaRPr lang="en-US" altLang="zh-CN" sz="2000" dirty="0"/>
+          </a:p>
+          <a:p>
+            <a:endParaRPr lang="en-US" altLang="zh-CN" sz="2000" dirty="0"/>
+          </a:p>
+          <a:p>
+            <a:r>
+              <a:rPr lang="zh-CN" altLang="en-US" sz="2000" dirty="0"/>
               <a:t>然后，</a:t>
             </a:r>
             <a:r>
-              <a:rPr lang="en-US" altLang="zh-CN" sz="2400" dirty="0"/>
+              <a:rPr lang="en-US" altLang="zh-CN" sz="2000" dirty="0"/>
               <a:t>shell</a:t>
             </a:r>
             <a:r>
-              <a:rPr lang="zh-CN" altLang="en-US" sz="2400" dirty="0"/>
+              <a:rPr lang="zh-CN" altLang="en-US" sz="2000" dirty="0"/>
               <a:t>要根据配置文件的搜索路径，从每个路径寻找命令，没有找到则提示错误信息，找到就调用</a:t>
             </a:r>
             <a:r>
-              <a:rPr lang="en-US" altLang="zh-CN" sz="2400" dirty="0"/>
+              <a:rPr lang="en-US" altLang="zh-CN" sz="2000" dirty="0"/>
               <a:t>Linux</a:t>
             </a:r>
             <a:r>
-              <a:rPr lang="zh-CN" altLang="en-US" sz="2400" dirty="0"/>
+              <a:rPr lang="zh-CN" altLang="en-US" sz="2000" dirty="0"/>
               <a:t>提供的系统调用运行命令。</a:t>
             </a:r>
-            <a:endParaRPr lang="en-US" altLang="zh-CN" sz="2400" dirty="0"/>
-          </a:p>
-          <a:p>
-            <a:r>
-              <a:rPr lang="zh-CN" altLang="en-US" sz="2400" dirty="0"/>
+            <a:endParaRPr lang="en-US" altLang="zh-CN" sz="2000" dirty="0"/>
+          </a:p>
+          <a:p>
+            <a:endParaRPr lang="en-US" altLang="zh-CN" sz="2000" dirty="0"/>
+          </a:p>
+          <a:p>
+            <a:r>
+              <a:rPr lang="zh-CN" altLang="en-US" sz="2000" dirty="0"/>
               <a:t>比如：输入 </a:t>
             </a:r>
             <a:r>
-              <a:rPr lang="en-US" altLang="zh-CN" sz="2400" dirty="0"/>
+              <a:rPr lang="en-US" altLang="zh-CN" sz="2000" dirty="0"/>
               <a:t>ls  -l,  shell</a:t>
             </a:r>
             <a:r>
-              <a:rPr lang="zh-CN" altLang="en-US" sz="2400" dirty="0"/>
+              <a:rPr lang="zh-CN" altLang="en-US" sz="2000" dirty="0"/>
               <a:t>要解析成‘</a:t>
             </a:r>
             <a:r>
-              <a:rPr lang="en-US" altLang="zh-CN" sz="2400" dirty="0"/>
+              <a:rPr lang="en-US" altLang="zh-CN" sz="2000" dirty="0"/>
               <a:t>ls</a:t>
             </a:r>
             <a:r>
-              <a:rPr lang="zh-CN" altLang="en-US" sz="2400" dirty="0"/>
+              <a:rPr lang="zh-CN" altLang="en-US" sz="2000" dirty="0"/>
               <a:t>’ </a:t>
             </a:r>
             <a:r>
-              <a:rPr lang="en-US" altLang="zh-CN" sz="2400" dirty="0"/>
+              <a:rPr lang="en-US" altLang="zh-CN" sz="2000" dirty="0"/>
               <a:t>, ‘-l’ </a:t>
             </a:r>
             <a:r>
-              <a:rPr lang="zh-CN" altLang="en-US" sz="2400" dirty="0"/>
+              <a:rPr lang="zh-CN" altLang="en-US" sz="2000" dirty="0"/>
               <a:t>，</a:t>
             </a:r>
             <a:r>
-              <a:rPr lang="en-US" altLang="zh-CN" sz="2400" dirty="0"/>
+              <a:rPr lang="en-US" altLang="zh-CN" sz="2000" dirty="0"/>
               <a:t>’ls’</a:t>
             </a:r>
             <a:r>
-              <a:rPr lang="zh-CN" altLang="en-US" sz="2400" dirty="0"/>
+              <a:rPr lang="zh-CN" altLang="en-US" sz="2000" dirty="0"/>
               <a:t>就是命令名称，并在</a:t>
             </a:r>
             <a:r>
-              <a:rPr lang="en-US" altLang="zh-CN" sz="2400" dirty="0"/>
+              <a:rPr lang="en-US" altLang="zh-CN" sz="2000" dirty="0"/>
               <a:t>PATH</a:t>
             </a:r>
             <a:r>
-              <a:rPr lang="zh-CN" altLang="en-US" sz="2400" dirty="0"/>
+              <a:rPr lang="zh-CN" altLang="en-US" sz="2000" dirty="0"/>
               <a:t>设置的路径中寻找，找到</a:t>
             </a:r>
             <a:r>
-              <a:rPr lang="en-US" altLang="zh-CN" sz="2400" dirty="0"/>
+              <a:rPr lang="en-US" altLang="zh-CN" sz="2000" dirty="0"/>
               <a:t>/bin/ls</a:t>
             </a:r>
             <a:r>
-              <a:rPr lang="zh-CN" altLang="en-US" sz="2400" dirty="0"/>
+              <a:rPr lang="zh-CN" altLang="en-US" sz="2000" dirty="0"/>
               <a:t>这个命令，</a:t>
             </a:r>
             <a:r>
-              <a:rPr lang="en-US" altLang="zh-CN" sz="2400" dirty="0"/>
+              <a:rPr lang="en-US" altLang="zh-CN" sz="2000" dirty="0"/>
               <a:t>fork</a:t>
             </a:r>
             <a:r>
-              <a:rPr lang="zh-CN" altLang="en-US" sz="2400" dirty="0"/>
+              <a:rPr lang="zh-CN" altLang="en-US" sz="2000" dirty="0"/>
               <a:t>一个子进程调用</a:t>
             </a:r>
             <a:r>
-              <a:rPr lang="en-US" altLang="zh-CN" sz="2400" dirty="0" err="1"/>
+              <a:rPr lang="en-US" altLang="zh-CN" sz="2000" dirty="0" err="1"/>
               <a:t>execv</a:t>
             </a:r>
             <a:r>
-              <a:rPr lang="zh-CN" altLang="en-US" sz="2400" dirty="0"/>
+              <a:rPr lang="zh-CN" altLang="en-US" sz="2000" dirty="0"/>
               <a:t>等系统调用传递参数运行命令。并等待结束。</a:t>
             </a:r>
-            <a:endParaRPr lang="en-US" altLang="zh-CN" sz="2400" dirty="0"/>
-          </a:p>
-          <a:p>
-            <a:r>
-              <a:rPr lang="zh-CN" altLang="en-US" sz="2400" dirty="0"/>
+            <a:endParaRPr lang="en-US" altLang="zh-CN" sz="2000" dirty="0"/>
+          </a:p>
+          <a:p>
+            <a:endParaRPr lang="en-US" altLang="zh-CN" sz="2000" dirty="0"/>
+          </a:p>
+          <a:p>
+            <a:r>
+              <a:rPr lang="zh-CN" altLang="en-US" sz="2000" dirty="0"/>
               <a:t>注意：真正运行命令的不是</a:t>
             </a:r>
             <a:r>
-              <a:rPr lang="en-US" altLang="zh-CN" sz="2400" dirty="0"/>
+              <a:rPr lang="en-US" altLang="zh-CN" sz="2000" dirty="0"/>
               <a:t>shell</a:t>
             </a:r>
             <a:r>
-              <a:rPr lang="zh-CN" altLang="en-US" sz="2400" dirty="0"/>
+              <a:rPr lang="zh-CN" altLang="en-US" sz="2000" dirty="0"/>
               <a:t>，而是内核，</a:t>
             </a:r>
             <a:r>
-              <a:rPr lang="en-US" altLang="zh-CN" sz="2400" dirty="0"/>
+              <a:rPr lang="en-US" altLang="zh-CN" sz="2000" dirty="0"/>
               <a:t>shell</a:t>
             </a:r>
             <a:r>
-              <a:rPr lang="zh-CN" altLang="en-US" sz="2400" dirty="0"/>
+              <a:rPr lang="zh-CN" altLang="en-US" sz="2000" dirty="0"/>
               <a:t>去调用内核提供的接口，</a:t>
             </a:r>
             <a:r>
-              <a:rPr lang="en-US" altLang="zh-CN" sz="2400" dirty="0"/>
+              <a:rPr lang="en-US" altLang="zh-CN" sz="2000" dirty="0"/>
               <a:t>shell</a:t>
             </a:r>
             <a:r>
-              <a:rPr lang="zh-CN" altLang="en-US" sz="2400" dirty="0"/>
+              <a:rPr lang="zh-CN" altLang="en-US" sz="2000" dirty="0"/>
               <a:t>是调用</a:t>
             </a:r>
             <a:r>
-              <a:rPr lang="en-US" altLang="zh-CN" sz="2400" dirty="0"/>
+              <a:rPr lang="en-US" altLang="zh-CN" sz="2000" dirty="0"/>
               <a:t>fork</a:t>
             </a:r>
             <a:r>
-              <a:rPr lang="zh-CN" altLang="en-US" sz="2400" dirty="0"/>
-              <a:t>创建子进程去</a:t>
-            </a:r>
-            <a:r>
-              <a:rPr lang="zh-CN" altLang="en-US" sz="2400"/>
-              <a:t>运行命令，而所有的进程都是系统内核调度的。</a:t>
-            </a:r>
-            <a:endParaRPr lang="en-US" altLang="zh-CN" sz="2400" dirty="0"/>
+              <a:rPr lang="zh-CN" altLang="en-US" sz="2000" dirty="0"/>
+              <a:t>创建子进程去运行命令，而所有的进程都是系统内核调度的。</a:t>
+            </a:r>
+            <a:endParaRPr lang="en-US" altLang="zh-CN" sz="2000" dirty="0"/>
           </a:p>
           <a:p>
             <a:endParaRPr lang="en-US" altLang="zh-CN" sz="2400" dirty="0"/>
@@ -8268,95 +8293,104 @@
           <a:lstStyle/>
           <a:p>
             <a:r>
-              <a:rPr lang="en-US" altLang="zh-CN" sz="2400" dirty="0"/>
+              <a:rPr lang="en-US" altLang="zh-CN" sz="2000" dirty="0"/>
               <a:t>shell</a:t>
             </a:r>
             <a:r>
-              <a:rPr lang="zh-CN" altLang="en-US" sz="2400" dirty="0"/>
+              <a:rPr lang="zh-CN" altLang="en-US" sz="2000" dirty="0"/>
               <a:t>支持通配符，使用*表示匹配任意长度的字符，</a:t>
             </a:r>
             <a:r>
-              <a:rPr lang="en-US" altLang="zh-CN" sz="2400" dirty="0"/>
+              <a:rPr lang="en-US" altLang="zh-CN" sz="2000" dirty="0"/>
               <a:t>?</a:t>
             </a:r>
             <a:r>
-              <a:rPr lang="zh-CN" altLang="en-US" sz="2400"/>
+              <a:rPr lang="zh-CN" altLang="en-US" sz="2000" dirty="0"/>
               <a:t>匹配任意一个字符。</a:t>
             </a:r>
-            <a:endParaRPr lang="en-US" altLang="zh-CN" sz="2400" dirty="0"/>
-          </a:p>
-          <a:p>
-            <a:r>
-              <a:rPr lang="en-US" altLang="zh-CN" sz="2400" dirty="0"/>
+            <a:endParaRPr lang="en-US" altLang="zh-CN" sz="2000" dirty="0"/>
+          </a:p>
+          <a:p>
+            <a:endParaRPr lang="en-US" altLang="zh-CN" sz="2000" dirty="0"/>
+          </a:p>
+          <a:p>
+            <a:r>
+              <a:rPr lang="en-US" altLang="zh-CN" sz="2000" dirty="0"/>
               <a:t>shell</a:t>
             </a:r>
             <a:r>
-              <a:rPr lang="zh-CN" altLang="en-US" sz="2400" dirty="0"/>
+              <a:rPr lang="zh-CN" altLang="en-US" sz="2000" dirty="0"/>
               <a:t>在遇到通配符会进行扩展，比如输入</a:t>
             </a:r>
             <a:r>
-              <a:rPr lang="en-US" altLang="zh-CN" sz="2400" dirty="0"/>
+              <a:rPr lang="en-US" altLang="zh-CN" sz="2000" dirty="0"/>
               <a:t>ls  ./a*</a:t>
             </a:r>
             <a:r>
-              <a:rPr lang="zh-CN" altLang="en-US" sz="2400" dirty="0"/>
+              <a:rPr lang="zh-CN" altLang="en-US" sz="2000" dirty="0"/>
               <a:t>，会匹配</a:t>
             </a:r>
             <a:r>
-              <a:rPr lang="en-US" altLang="zh-CN" sz="2400" dirty="0"/>
+              <a:rPr lang="en-US" altLang="zh-CN" sz="2000" dirty="0"/>
               <a:t>a</a:t>
             </a:r>
             <a:r>
-              <a:rPr lang="zh-CN" altLang="en-US" sz="2400" dirty="0"/>
+              <a:rPr lang="zh-CN" altLang="en-US" sz="2000" dirty="0"/>
               <a:t>开头的所有文件并显示，如果存在</a:t>
             </a:r>
             <a:r>
-              <a:rPr lang="en-US" altLang="zh-CN" sz="2400" dirty="0"/>
+              <a:rPr lang="en-US" altLang="zh-CN" sz="2000" dirty="0"/>
               <a:t>ab.txt</a:t>
             </a:r>
             <a:r>
-              <a:rPr lang="zh-CN" altLang="en-US" sz="2400" dirty="0"/>
+              <a:rPr lang="zh-CN" altLang="en-US" sz="2000" dirty="0"/>
               <a:t>，</a:t>
             </a:r>
             <a:r>
-              <a:rPr lang="en-US" altLang="zh-CN" sz="2400" dirty="0"/>
+              <a:rPr lang="en-US" altLang="zh-CN" sz="2000" dirty="0"/>
               <a:t>ac.txt</a:t>
             </a:r>
             <a:r>
-              <a:rPr lang="zh-CN" altLang="en-US" sz="2400" dirty="0"/>
+              <a:rPr lang="zh-CN" altLang="en-US" sz="2000" dirty="0"/>
               <a:t>，则会扩展成</a:t>
             </a:r>
             <a:r>
-              <a:rPr lang="en-US" altLang="zh-CN" sz="2400" dirty="0"/>
+              <a:rPr lang="en-US" altLang="zh-CN" sz="2000" dirty="0"/>
               <a:t>ls  ./ab.txt  ./ac.txt</a:t>
             </a:r>
             <a:r>
-              <a:rPr lang="zh-CN" altLang="en-US" sz="2400" dirty="0"/>
+              <a:rPr lang="zh-CN" altLang="en-US" sz="2000" dirty="0"/>
               <a:t>。</a:t>
             </a:r>
-            <a:endParaRPr lang="en-US" altLang="zh-CN" sz="2400" dirty="0"/>
-          </a:p>
-          <a:p>
-            <a:r>
-              <a:rPr lang="zh-CN" altLang="en-US" sz="2400" dirty="0"/>
+            <a:endParaRPr lang="en-US" altLang="zh-CN" sz="2000" dirty="0"/>
+          </a:p>
+          <a:p>
+            <a:endParaRPr lang="en-US" altLang="zh-CN" sz="2000" dirty="0"/>
+          </a:p>
+          <a:p>
+            <a:r>
+              <a:rPr lang="zh-CN" altLang="en-US" sz="2000" dirty="0"/>
               <a:t>注意：扩展通配符的是</a:t>
             </a:r>
             <a:r>
-              <a:rPr lang="en-US" altLang="zh-CN" sz="2400" dirty="0"/>
+              <a:rPr lang="en-US" altLang="zh-CN" sz="2000" dirty="0"/>
               <a:t>shell</a:t>
             </a:r>
             <a:r>
-              <a:rPr lang="zh-CN" altLang="en-US" sz="2400" dirty="0"/>
-              <a:t>，不是命令自身，如果是命令本身实现的，那就每个命令都要实现，这重工作量是不可想象的。</a:t>
-            </a:r>
-            <a:endParaRPr lang="en-US" altLang="zh-CN" sz="2400" dirty="0"/>
-          </a:p>
-          <a:p>
-            <a:r>
-              <a:rPr lang="zh-CN" altLang="en-US" sz="2400" dirty="0"/>
+              <a:rPr lang="zh-CN" altLang="en-US" sz="2000" dirty="0"/>
+              <a:t>，不是命令自身，如果是命令本身实现的，那就每个命令都要实现。</a:t>
+            </a:r>
+            <a:endParaRPr lang="en-US" altLang="zh-CN" sz="2000" dirty="0"/>
+          </a:p>
+          <a:p>
+            <a:endParaRPr lang="en-US" altLang="zh-CN" sz="2000" dirty="0"/>
+          </a:p>
+          <a:p>
+            <a:r>
+              <a:rPr lang="zh-CN" altLang="en-US" sz="2000" dirty="0"/>
               <a:t>通配符在使用时会带来很多便利，但是有些特殊情况也要注意。</a:t>
             </a:r>
-            <a:endParaRPr lang="en-US" altLang="zh-CN" sz="2400" dirty="0"/>
+            <a:endParaRPr lang="en-US" altLang="zh-CN" sz="2000" dirty="0"/>
           </a:p>
           <a:p>
             <a:endParaRPr lang="en-US" altLang="zh-CN" sz="2000" dirty="0"/>
@@ -8445,89 +8479,92 @@
           <a:lstStyle/>
           <a:p>
             <a:r>
-              <a:rPr lang="zh-CN" altLang="en-US" sz="2400" dirty="0"/>
+              <a:rPr lang="zh-CN" altLang="en-US" sz="2000" dirty="0"/>
               <a:t>如果在当前目录存在一个</a:t>
             </a:r>
             <a:r>
-              <a:rPr lang="en-US" altLang="zh-CN" sz="2400" dirty="0"/>
+              <a:rPr lang="en-US" altLang="zh-CN" sz="2000" dirty="0"/>
               <a:t>-l</a:t>
             </a:r>
             <a:r>
-              <a:rPr lang="zh-CN" altLang="en-US" sz="2400" dirty="0"/>
+              <a:rPr lang="zh-CN" altLang="en-US" sz="2000" dirty="0"/>
               <a:t>文件，这时候</a:t>
             </a:r>
             <a:r>
-              <a:rPr lang="en-US" altLang="zh-CN" sz="2400" dirty="0"/>
+              <a:rPr lang="en-US" altLang="zh-CN" sz="2000" dirty="0"/>
               <a:t>ls  * </a:t>
             </a:r>
             <a:r>
-              <a:rPr lang="zh-CN" altLang="en-US" sz="2400" dirty="0"/>
+              <a:rPr lang="zh-CN" altLang="en-US" sz="2000" dirty="0"/>
               <a:t>显示格式是加入了</a:t>
             </a:r>
             <a:r>
-              <a:rPr lang="en-US" altLang="zh-CN" sz="2400" dirty="0"/>
+              <a:rPr lang="en-US" altLang="zh-CN" sz="2000" dirty="0"/>
               <a:t>-l</a:t>
             </a:r>
             <a:r>
-              <a:rPr lang="zh-CN" altLang="en-US" sz="2400" dirty="0"/>
+              <a:rPr lang="zh-CN" altLang="en-US" sz="2000" dirty="0"/>
               <a:t>参数的形式，但是没有</a:t>
             </a:r>
             <a:r>
-              <a:rPr lang="en-US" altLang="zh-CN" sz="2400" dirty="0"/>
+              <a:rPr lang="en-US" altLang="zh-CN" sz="2000" dirty="0"/>
               <a:t>-l</a:t>
             </a:r>
             <a:r>
-              <a:rPr lang="zh-CN" altLang="en-US" sz="2400" dirty="0"/>
+              <a:rPr lang="zh-CN" altLang="en-US" sz="2000" dirty="0"/>
               <a:t>文件，原因就在于</a:t>
             </a:r>
             <a:r>
-              <a:rPr lang="en-US" altLang="zh-CN" sz="2400" dirty="0"/>
+              <a:rPr lang="en-US" altLang="zh-CN" sz="2000" dirty="0"/>
               <a:t>shell</a:t>
             </a:r>
             <a:r>
-              <a:rPr lang="zh-CN" altLang="en-US" sz="2400" dirty="0"/>
+              <a:rPr lang="zh-CN" altLang="en-US" sz="2000" dirty="0"/>
               <a:t>扩展通配符以后，</a:t>
             </a:r>
             <a:r>
-              <a:rPr lang="en-US" altLang="zh-CN" sz="2400" dirty="0"/>
+              <a:rPr lang="en-US" altLang="zh-CN" sz="2000" dirty="0"/>
               <a:t>-l</a:t>
             </a:r>
             <a:r>
-              <a:rPr lang="zh-CN" altLang="en-US" sz="2400" dirty="0"/>
+              <a:rPr lang="zh-CN" altLang="en-US" sz="2000" dirty="0"/>
               <a:t>会被作为</a:t>
             </a:r>
             <a:r>
-              <a:rPr lang="en-US" altLang="zh-CN" sz="2400" dirty="0"/>
+              <a:rPr lang="en-US" altLang="zh-CN" sz="2000" dirty="0"/>
               <a:t>ls</a:t>
             </a:r>
             <a:r>
-              <a:rPr lang="zh-CN" altLang="en-US" sz="2400" dirty="0"/>
+              <a:rPr lang="zh-CN" altLang="en-US" sz="2000" dirty="0"/>
               <a:t>的参数，而不是文件名。</a:t>
             </a:r>
-            <a:endParaRPr lang="en-US" altLang="zh-CN" sz="2400" dirty="0"/>
-          </a:p>
-          <a:p>
-            <a:r>
-              <a:rPr lang="zh-CN" altLang="en-US" sz="2400" dirty="0"/>
+            <a:endParaRPr lang="en-US" altLang="zh-CN" sz="2000" dirty="0"/>
+          </a:p>
+          <a:p>
+            <a:endParaRPr lang="en-US" altLang="zh-CN" sz="2000" dirty="0"/>
+          </a:p>
+          <a:p>
+            <a:r>
+              <a:rPr lang="zh-CN" altLang="en-US" sz="2000" dirty="0"/>
               <a:t>但是</a:t>
             </a:r>
             <a:r>
-              <a:rPr lang="en-US" altLang="zh-CN" sz="2400" dirty="0"/>
+              <a:rPr lang="en-US" altLang="zh-CN" sz="2000" dirty="0"/>
               <a:t>ls   ./* </a:t>
             </a:r>
             <a:r>
-              <a:rPr lang="zh-CN" altLang="en-US" sz="2400" dirty="0"/>
+              <a:rPr lang="zh-CN" altLang="en-US" sz="2000" dirty="0"/>
               <a:t>则不会有问题，因为</a:t>
             </a:r>
             <a:r>
-              <a:rPr lang="en-US" altLang="zh-CN" sz="2400" dirty="0"/>
+              <a:rPr lang="en-US" altLang="zh-CN" sz="2000" dirty="0"/>
               <a:t>./-l</a:t>
             </a:r>
             <a:r>
-              <a:rPr lang="zh-CN" altLang="en-US" sz="2400" dirty="0"/>
+              <a:rPr lang="zh-CN" altLang="en-US" sz="2000" dirty="0"/>
               <a:t>不会被认为是参数。</a:t>
             </a:r>
-            <a:endParaRPr lang="en-US" altLang="zh-CN" sz="2400" dirty="0"/>
+            <a:endParaRPr lang="en-US" altLang="zh-CN" sz="2000" dirty="0"/>
           </a:p>
         </p:txBody>
       </p:sp>
@@ -8583,9 +8620,10 @@
           <a:lstStyle/>
           <a:p>
             <a:r>
-              <a:rPr lang="zh-CN" altLang="en-US" dirty="0"/>
-              <a:t>命令替换</a:t>
-            </a:r>
+              <a:rPr lang="zh-CN" altLang="en-US"/>
+              <a:t>命令别名</a:t>
+            </a:r>
+            <a:endParaRPr lang="zh-CN" altLang="en-US" dirty="0"/>
           </a:p>
         </p:txBody>
       </p:sp>
@@ -8613,94 +8651,97 @@
           <a:lstStyle/>
           <a:p>
             <a:r>
-              <a:rPr lang="zh-CN" altLang="en-US" sz="2400" dirty="0"/>
+              <a:rPr lang="zh-CN" altLang="en-US" sz="2000" dirty="0"/>
               <a:t>其他常用替换：</a:t>
             </a:r>
             <a:r>
-              <a:rPr lang="en-US" altLang="zh-CN" sz="2400" dirty="0"/>
+              <a:rPr lang="en-US" altLang="zh-CN" sz="2000" dirty="0"/>
               <a:t>bash</a:t>
             </a:r>
             <a:r>
-              <a:rPr lang="zh-CN" altLang="en-US" sz="2400" dirty="0"/>
+              <a:rPr lang="zh-CN" altLang="en-US" sz="2000" dirty="0"/>
               <a:t>中，</a:t>
             </a:r>
             <a:r>
-              <a:rPr lang="en-US" altLang="zh-CN" sz="2400" dirty="0"/>
+              <a:rPr lang="en-US" altLang="zh-CN" sz="2000" dirty="0"/>
               <a:t>~</a:t>
             </a:r>
             <a:r>
-              <a:rPr lang="zh-CN" altLang="en-US" sz="2400" dirty="0"/>
+              <a:rPr lang="zh-CN" altLang="en-US" sz="2000" dirty="0"/>
               <a:t>表示用户主目录。</a:t>
             </a:r>
             <a:r>
-              <a:rPr lang="en-US" altLang="zh-CN" sz="2400" dirty="0"/>
+              <a:rPr lang="en-US" altLang="zh-CN" sz="2000" dirty="0"/>
               <a:t>echo ~</a:t>
             </a:r>
             <a:r>
-              <a:rPr lang="zh-CN" altLang="en-US" sz="2400" dirty="0"/>
+              <a:rPr lang="zh-CN" altLang="en-US" sz="2000" dirty="0"/>
               <a:t>输出的是用户主目录。</a:t>
             </a:r>
-            <a:endParaRPr lang="en-US" altLang="zh-CN" sz="2400" dirty="0"/>
-          </a:p>
-          <a:p>
-            <a:endParaRPr lang="en-US" altLang="zh-CN" sz="2400" dirty="0"/>
-          </a:p>
-          <a:p>
-            <a:r>
-              <a:rPr lang="en-US" altLang="zh-CN" sz="2400" dirty="0"/>
+            <a:endParaRPr lang="en-US" altLang="zh-CN" sz="2000" dirty="0"/>
+          </a:p>
+          <a:p>
+            <a:endParaRPr lang="en-US" altLang="zh-CN" sz="2000" dirty="0"/>
+          </a:p>
+          <a:p>
+            <a:r>
+              <a:rPr lang="en-US" altLang="zh-CN" sz="2000" dirty="0"/>
               <a:t>.</a:t>
             </a:r>
             <a:r>
-              <a:rPr lang="en-US" altLang="zh-CN" sz="2400" dirty="0" err="1"/>
+              <a:rPr lang="en-US" altLang="zh-CN" sz="2000" dirty="0" err="1"/>
               <a:t>bashrc</a:t>
             </a:r>
             <a:r>
-              <a:rPr lang="zh-CN" altLang="en-US" sz="2400" dirty="0"/>
+              <a:rPr lang="zh-CN" altLang="en-US" sz="2000" dirty="0"/>
               <a:t>中通过</a:t>
             </a:r>
             <a:r>
-              <a:rPr lang="en-US" altLang="zh-CN" sz="2400" dirty="0"/>
+              <a:rPr lang="en-US" altLang="zh-CN" sz="2000" dirty="0"/>
               <a:t>alias</a:t>
             </a:r>
             <a:r>
-              <a:rPr lang="zh-CN" altLang="en-US" sz="2400" dirty="0"/>
+              <a:rPr lang="zh-CN" altLang="en-US" sz="2000" dirty="0"/>
               <a:t>可以为命令取别名：</a:t>
             </a:r>
             <a:r>
-              <a:rPr lang="en-US" altLang="zh-CN" sz="2400" dirty="0"/>
+              <a:rPr lang="en-US" altLang="zh-CN" sz="2000" dirty="0"/>
               <a:t>alias  c=‘clear’</a:t>
             </a:r>
           </a:p>
           <a:p>
-            <a:r>
-              <a:rPr lang="zh-CN" altLang="en-US" sz="2400" dirty="0"/>
+            <a:endParaRPr lang="en-US" altLang="zh-CN" sz="2000" dirty="0"/>
+          </a:p>
+          <a:p>
+            <a:r>
+              <a:rPr lang="zh-CN" altLang="en-US" sz="2000" dirty="0"/>
               <a:t>这样</a:t>
             </a:r>
             <a:r>
-              <a:rPr lang="en-US" altLang="zh-CN" sz="2400" dirty="0"/>
+              <a:rPr lang="en-US" altLang="zh-CN" sz="2000" dirty="0"/>
               <a:t>bash</a:t>
             </a:r>
             <a:r>
-              <a:rPr lang="zh-CN" altLang="en-US" sz="2400" dirty="0"/>
+              <a:rPr lang="zh-CN" altLang="en-US" sz="2000" dirty="0"/>
               <a:t>运行后输入</a:t>
             </a:r>
             <a:r>
-              <a:rPr lang="en-US" altLang="zh-CN" sz="2400" dirty="0"/>
+              <a:rPr lang="en-US" altLang="zh-CN" sz="2000" dirty="0"/>
               <a:t>c</a:t>
             </a:r>
             <a:r>
-              <a:rPr lang="zh-CN" altLang="en-US" sz="2400" dirty="0"/>
+              <a:rPr lang="zh-CN" altLang="en-US" sz="2000" dirty="0"/>
               <a:t>就会自动替换成</a:t>
             </a:r>
             <a:r>
-              <a:rPr lang="en-US" altLang="zh-CN" sz="2400" dirty="0"/>
+              <a:rPr lang="en-US" altLang="zh-CN" sz="2000" dirty="0"/>
               <a:t>clear</a:t>
             </a:r>
             <a:r>
-              <a:rPr lang="zh-CN" altLang="en-US" sz="2400" dirty="0"/>
+              <a:rPr lang="zh-CN" altLang="en-US" sz="2000" dirty="0"/>
               <a:t>。</a:t>
             </a:r>
-            <a:endParaRPr lang="en-US" altLang="zh-CN" sz="2400" dirty="0"/>
+            <a:endParaRPr lang="en-US" altLang="zh-CN" sz="2000" dirty="0"/>
           </a:p>
           <a:p>
             <a:endParaRPr lang="en-US" altLang="zh-CN" sz="2400" dirty="0"/>

--- a/materials/slides/ch11-how-does-shell-run-a-command.pptx
+++ b/materials/slides/ch11-how-does-shell-run-a-command.pptx
@@ -204,7 +204,7 @@
           <a:p>
             <a:fld id="{F43B6EE9-BDC9-469F-844A-ED2A9895708F}" type="datetimeFigureOut">
               <a:rPr lang="zh-CN" altLang="en-US" smtClean="0"/>
-              <a:t>2018/2/27</a:t>
+              <a:t>2018/3/3</a:t>
             </a:fld>
             <a:endParaRPr lang="zh-CN" altLang="en-US"/>
           </a:p>
@@ -710,7 +710,7 @@
           <a:p>
             <a:fld id="{02E60DA2-A0BC-48C9-AA88-75C78721B420}" type="datetimeFigureOut">
               <a:rPr lang="zh-CN" altLang="en-US" smtClean="0"/>
-              <a:t>2018/2/27</a:t>
+              <a:t>2018/3/3</a:t>
             </a:fld>
             <a:endParaRPr lang="zh-CN" altLang="en-US"/>
           </a:p>
@@ -932,7 +932,7 @@
           <a:p>
             <a:fld id="{02E60DA2-A0BC-48C9-AA88-75C78721B420}" type="datetimeFigureOut">
               <a:rPr lang="zh-CN" altLang="en-US" smtClean="0"/>
-              <a:t>2018/2/27</a:t>
+              <a:t>2018/3/3</a:t>
             </a:fld>
             <a:endParaRPr lang="zh-CN" altLang="en-US"/>
           </a:p>
@@ -1164,7 +1164,7 @@
           <a:p>
             <a:fld id="{02E60DA2-A0BC-48C9-AA88-75C78721B420}" type="datetimeFigureOut">
               <a:rPr lang="zh-CN" altLang="en-US" smtClean="0"/>
-              <a:t>2018/2/27</a:t>
+              <a:t>2018/3/3</a:t>
             </a:fld>
             <a:endParaRPr lang="zh-CN" altLang="en-US"/>
           </a:p>
@@ -1414,7 +1414,7 @@
           <a:p>
             <a:fld id="{02E60DA2-A0BC-48C9-AA88-75C78721B420}" type="datetimeFigureOut">
               <a:rPr lang="zh-CN" altLang="en-US" smtClean="0"/>
-              <a:t>2018/2/27</a:t>
+              <a:t>2018/3/3</a:t>
             </a:fld>
             <a:endParaRPr lang="zh-CN" altLang="en-US"/>
           </a:p>
@@ -1652,7 +1652,7 @@
           <a:p>
             <a:fld id="{02E60DA2-A0BC-48C9-AA88-75C78721B420}" type="datetimeFigureOut">
               <a:rPr lang="zh-CN" altLang="en-US" smtClean="0"/>
-              <a:t>2018/2/27</a:t>
+              <a:t>2018/3/3</a:t>
             </a:fld>
             <a:endParaRPr lang="zh-CN" altLang="en-US"/>
           </a:p>
@@ -1957,7 +1957,7 @@
           <a:p>
             <a:fld id="{02E60DA2-A0BC-48C9-AA88-75C78721B420}" type="datetimeFigureOut">
               <a:rPr lang="zh-CN" altLang="en-US" smtClean="0"/>
-              <a:t>2018/2/27</a:t>
+              <a:t>2018/3/3</a:t>
             </a:fld>
             <a:endParaRPr lang="zh-CN" altLang="en-US"/>
           </a:p>
@@ -2260,7 +2260,7 @@
           <a:p>
             <a:fld id="{02E60DA2-A0BC-48C9-AA88-75C78721B420}" type="datetimeFigureOut">
               <a:rPr lang="zh-CN" altLang="en-US" smtClean="0"/>
-              <a:t>2018/2/27</a:t>
+              <a:t>2018/3/3</a:t>
             </a:fld>
             <a:endParaRPr lang="zh-CN" altLang="en-US"/>
           </a:p>
@@ -2711,7 +2711,7 @@
           <a:p>
             <a:fld id="{02E60DA2-A0BC-48C9-AA88-75C78721B420}" type="datetimeFigureOut">
               <a:rPr lang="zh-CN" altLang="en-US" smtClean="0"/>
-              <a:t>2018/2/27</a:t>
+              <a:t>2018/3/3</a:t>
             </a:fld>
             <a:endParaRPr lang="zh-CN" altLang="en-US"/>
           </a:p>
@@ -2884,7 +2884,7 @@
           <a:p>
             <a:fld id="{02E60DA2-A0BC-48C9-AA88-75C78721B420}" type="datetimeFigureOut">
               <a:rPr lang="zh-CN" altLang="en-US" smtClean="0"/>
-              <a:t>2018/2/27</a:t>
+              <a:t>2018/3/3</a:t>
             </a:fld>
             <a:endParaRPr lang="zh-CN" altLang="en-US"/>
           </a:p>
@@ -3021,7 +3021,7 @@
           <a:p>
             <a:fld id="{02E60DA2-A0BC-48C9-AA88-75C78721B420}" type="datetimeFigureOut">
               <a:rPr lang="zh-CN" altLang="en-US" smtClean="0"/>
-              <a:t>2018/2/27</a:t>
+              <a:t>2018/3/3</a:t>
             </a:fld>
             <a:endParaRPr lang="zh-CN" altLang="en-US"/>
           </a:p>
@@ -3365,7 +3365,7 @@
           <a:p>
             <a:fld id="{02E60DA2-A0BC-48C9-AA88-75C78721B420}" type="datetimeFigureOut">
               <a:rPr lang="zh-CN" altLang="en-US" smtClean="0"/>
-              <a:t>2018/2/27</a:t>
+              <a:t>2018/3/3</a:t>
             </a:fld>
             <a:endParaRPr lang="zh-CN" altLang="en-US"/>
           </a:p>
@@ -3587,7 +3587,7 @@
           <a:p>
             <a:fld id="{02E60DA2-A0BC-48C9-AA88-75C78721B420}" type="datetimeFigureOut">
               <a:rPr lang="zh-CN" altLang="en-US" smtClean="0"/>
-              <a:t>2018/2/27</a:t>
+              <a:t>2018/3/3</a:t>
             </a:fld>
             <a:endParaRPr lang="zh-CN" altLang="en-US"/>
           </a:p>
@@ -3908,7 +3908,7 @@
           <a:p>
             <a:fld id="{02E60DA2-A0BC-48C9-AA88-75C78721B420}" type="datetimeFigureOut">
               <a:rPr lang="zh-CN" altLang="en-US" smtClean="0"/>
-              <a:t>2018/2/27</a:t>
+              <a:t>2018/3/3</a:t>
             </a:fld>
             <a:endParaRPr lang="zh-CN" altLang="en-US"/>
           </a:p>
@@ -4146,7 +4146,7 @@
           <a:p>
             <a:fld id="{02E60DA2-A0BC-48C9-AA88-75C78721B420}" type="datetimeFigureOut">
               <a:rPr lang="zh-CN" altLang="en-US" smtClean="0"/>
-              <a:t>2018/2/27</a:t>
+              <a:t>2018/3/3</a:t>
             </a:fld>
             <a:endParaRPr lang="zh-CN" altLang="en-US"/>
           </a:p>
@@ -4384,7 +4384,7 @@
           <a:p>
             <a:fld id="{02E60DA2-A0BC-48C9-AA88-75C78721B420}" type="datetimeFigureOut">
               <a:rPr lang="zh-CN" altLang="en-US" smtClean="0"/>
-              <a:t>2018/2/27</a:t>
+              <a:t>2018/3/3</a:t>
             </a:fld>
             <a:endParaRPr lang="zh-CN" altLang="en-US"/>
           </a:p>
@@ -4683,7 +4683,7 @@
           <a:p>
             <a:fld id="{02E60DA2-A0BC-48C9-AA88-75C78721B420}" type="datetimeFigureOut">
               <a:rPr lang="zh-CN" altLang="en-US" smtClean="0"/>
-              <a:t>2018/2/27</a:t>
+              <a:t>2018/3/3</a:t>
             </a:fld>
             <a:endParaRPr lang="zh-CN" altLang="en-US"/>
           </a:p>
@@ -4972,7 +4972,7 @@
           <a:p>
             <a:fld id="{02E60DA2-A0BC-48C9-AA88-75C78721B420}" type="datetimeFigureOut">
               <a:rPr lang="zh-CN" altLang="en-US" smtClean="0"/>
-              <a:t>2018/2/27</a:t>
+              <a:t>2018/3/3</a:t>
             </a:fld>
             <a:endParaRPr lang="zh-CN" altLang="en-US"/>
           </a:p>
@@ -5408,7 +5408,7 @@
           <a:p>
             <a:fld id="{02E60DA2-A0BC-48C9-AA88-75C78721B420}" type="datetimeFigureOut">
               <a:rPr lang="zh-CN" altLang="en-US" smtClean="0"/>
-              <a:t>2018/2/27</a:t>
+              <a:t>2018/3/3</a:t>
             </a:fld>
             <a:endParaRPr lang="zh-CN" altLang="en-US"/>
           </a:p>
@@ -5573,7 +5573,7 @@
           <a:p>
             <a:fld id="{02E60DA2-A0BC-48C9-AA88-75C78721B420}" type="datetimeFigureOut">
               <a:rPr lang="zh-CN" altLang="en-US" smtClean="0"/>
-              <a:t>2018/2/27</a:t>
+              <a:t>2018/3/3</a:t>
             </a:fld>
             <a:endParaRPr lang="zh-CN" altLang="en-US"/>
           </a:p>
@@ -5710,7 +5710,7 @@
           <a:p>
             <a:fld id="{02E60DA2-A0BC-48C9-AA88-75C78721B420}" type="datetimeFigureOut">
               <a:rPr lang="zh-CN" altLang="en-US" smtClean="0"/>
-              <a:t>2018/2/27</a:t>
+              <a:t>2018/3/3</a:t>
             </a:fld>
             <a:endParaRPr lang="zh-CN" altLang="en-US"/>
           </a:p>
@@ -6045,7 +6045,7 @@
           <a:p>
             <a:fld id="{02E60DA2-A0BC-48C9-AA88-75C78721B420}" type="datetimeFigureOut">
               <a:rPr lang="zh-CN" altLang="en-US" smtClean="0"/>
-              <a:t>2018/2/27</a:t>
+              <a:t>2018/3/3</a:t>
             </a:fld>
             <a:endParaRPr lang="zh-CN" altLang="en-US"/>
           </a:p>
@@ -6357,7 +6357,7 @@
           <a:p>
             <a:fld id="{02E60DA2-A0BC-48C9-AA88-75C78721B420}" type="datetimeFigureOut">
               <a:rPr lang="zh-CN" altLang="en-US" smtClean="0"/>
-              <a:t>2018/2/27</a:t>
+              <a:t>2018/3/3</a:t>
             </a:fld>
             <a:endParaRPr lang="zh-CN" altLang="en-US"/>
           </a:p>
@@ -7504,10 +7504,11 @@
           <a:lstStyle/>
           <a:p>
             <a:r>
-              <a:rPr lang="zh-CN" altLang="en-US" sz="3600">
+              <a:rPr lang="zh-CN" altLang="en-US" sz="3600" dirty="0">
                 <a:solidFill>
-                  <a:schemeClr val="tx2">
-                    <a:lumMod val="50000"/>
+                  <a:schemeClr val="tx1">
+                    <a:lumMod val="95000"/>
+                    <a:lumOff val="5000"/>
                   </a:schemeClr>
                 </a:solidFill>
               </a:rPr>
@@ -7516,7 +7517,10 @@
             <a:r>
               <a:rPr lang="en-US" altLang="zh-CN" sz="3600" dirty="0">
                 <a:solidFill>
-                  <a:srgbClr val="C00000"/>
+                  <a:schemeClr val="tx1">
+                    <a:lumMod val="95000"/>
+                    <a:lumOff val="5000"/>
+                  </a:schemeClr>
                 </a:solidFill>
               </a:rPr>
               <a:t>shell</a:t>
@@ -7524,7 +7528,10 @@
             <a:r>
               <a:rPr lang="zh-CN" altLang="en-US" sz="3600" dirty="0">
                 <a:solidFill>
-                  <a:srgbClr val="C00000"/>
+                  <a:schemeClr val="tx1">
+                    <a:lumMod val="95000"/>
+                    <a:lumOff val="5000"/>
+                  </a:schemeClr>
                 </a:solidFill>
               </a:rPr>
               <a:t>运行命令的过程</a:t>
@@ -7618,168 +7625,180 @@
           <a:lstStyle/>
           <a:p>
             <a:r>
-              <a:rPr lang="en-US" altLang="zh-CN" sz="2400" dirty="0"/>
+              <a:rPr lang="en-US" altLang="zh-CN" sz="2000" dirty="0"/>
               <a:t>shell</a:t>
             </a:r>
             <a:r>
-              <a:rPr lang="zh-CN" altLang="en-US" sz="2400" dirty="0"/>
+              <a:rPr lang="zh-CN" altLang="en-US" sz="2000" dirty="0"/>
+              <a:t>是用户和系统交互的桥梁：</a:t>
+            </a:r>
+            <a:endParaRPr lang="en-US" altLang="zh-CN" sz="2000" dirty="0"/>
+          </a:p>
+          <a:p>
+            <a:pPr lvl="1"/>
+            <a:r>
+              <a:rPr lang="en-US" altLang="zh-CN" sz="1800" dirty="0"/>
+              <a:t>shell</a:t>
+            </a:r>
+            <a:r>
+              <a:rPr lang="zh-CN" altLang="en-US" sz="1800" dirty="0"/>
               <a:t>是</a:t>
             </a:r>
             <a:r>
-              <a:rPr lang="en-US" altLang="zh-CN" sz="2400" dirty="0"/>
+              <a:rPr lang="en-US" altLang="zh-CN" sz="1800" dirty="0"/>
               <a:t>Linux</a:t>
             </a:r>
             <a:r>
-              <a:rPr lang="zh-CN" altLang="en-US" sz="2400" dirty="0"/>
+              <a:rPr lang="zh-CN" altLang="en-US" sz="1800" dirty="0"/>
               <a:t>的一个程序，实现也不止一种。</a:t>
             </a:r>
-            <a:endParaRPr lang="en-US" altLang="zh-CN" sz="2400" dirty="0"/>
-          </a:p>
-          <a:p>
-            <a:r>
-              <a:rPr lang="en-US" altLang="zh-CN" sz="2400" dirty="0"/>
+            <a:r>
+              <a:rPr lang="en-US" altLang="zh-CN" sz="1800" dirty="0"/>
               <a:t>shell</a:t>
             </a:r>
             <a:r>
-              <a:rPr lang="zh-CN" altLang="en-US" sz="2400" dirty="0"/>
+              <a:rPr lang="zh-CN" altLang="en-US" sz="1800" dirty="0"/>
               <a:t>的主要工作就是运行命令。</a:t>
             </a:r>
-            <a:endParaRPr lang="en-US" altLang="zh-CN" sz="2400" dirty="0"/>
-          </a:p>
-          <a:p>
-            <a:r>
-              <a:rPr lang="zh-CN" altLang="en-US" sz="2400" dirty="0"/>
+            <a:endParaRPr lang="en-US" altLang="zh-CN" sz="1800" dirty="0"/>
+          </a:p>
+          <a:p>
+            <a:pPr marL="0" indent="0">
+              <a:buNone/>
+            </a:pPr>
+            <a:endParaRPr lang="en-US" altLang="zh-CN" sz="1800" dirty="0"/>
+          </a:p>
+          <a:p>
+            <a:pPr lvl="1"/>
+            <a:r>
+              <a:rPr lang="en-US" altLang="zh-CN" sz="1800" dirty="0" err="1"/>
+              <a:t>sh</a:t>
+            </a:r>
+            <a:r>
+              <a:rPr lang="zh-CN" altLang="en-US" sz="1800" dirty="0"/>
+              <a:t>是</a:t>
+            </a:r>
+            <a:r>
+              <a:rPr lang="en-US" altLang="zh-CN" sz="1800" dirty="0"/>
+              <a:t>shell</a:t>
+            </a:r>
+            <a:r>
+              <a:rPr lang="zh-CN" altLang="en-US" sz="1800" dirty="0"/>
+              <a:t>的简写，</a:t>
+            </a:r>
+            <a:r>
+              <a:rPr lang="en-US" altLang="zh-CN" sz="1800" dirty="0"/>
+              <a:t>shell</a:t>
+            </a:r>
+            <a:r>
+              <a:rPr lang="zh-CN" altLang="en-US" sz="1800" dirty="0"/>
+              <a:t>的实现类型有：</a:t>
+            </a:r>
+            <a:r>
+              <a:rPr lang="en-US" altLang="zh-CN" sz="1800" dirty="0" err="1"/>
+              <a:t>sh</a:t>
+            </a:r>
+            <a:r>
+              <a:rPr lang="zh-CN" altLang="en-US" sz="1800" dirty="0"/>
+              <a:t>，</a:t>
+            </a:r>
+            <a:r>
+              <a:rPr lang="en-US" altLang="zh-CN" sz="1800" dirty="0"/>
+              <a:t>bash</a:t>
+            </a:r>
+            <a:r>
+              <a:rPr lang="zh-CN" altLang="en-US" sz="1800" dirty="0"/>
+              <a:t>，</a:t>
+            </a:r>
+            <a:r>
+              <a:rPr lang="en-US" altLang="zh-CN" sz="1800" dirty="0" err="1"/>
+              <a:t>csh</a:t>
+            </a:r>
+            <a:r>
+              <a:rPr lang="zh-CN" altLang="en-US" sz="1800" dirty="0"/>
+              <a:t>，</a:t>
+            </a:r>
+            <a:r>
+              <a:rPr lang="en-US" altLang="zh-CN" sz="1800" dirty="0" err="1"/>
+              <a:t>tcsh</a:t>
+            </a:r>
+            <a:r>
+              <a:rPr lang="zh-CN" altLang="en-US" sz="1800" dirty="0"/>
+              <a:t>。</a:t>
+            </a:r>
+            <a:endParaRPr lang="en-US" altLang="zh-CN" sz="1800" dirty="0"/>
+          </a:p>
+          <a:p>
+            <a:pPr lvl="1"/>
+            <a:endParaRPr lang="en-US" altLang="zh-CN" sz="1800" dirty="0"/>
+          </a:p>
+          <a:p>
+            <a:pPr lvl="1"/>
+            <a:r>
+              <a:rPr lang="zh-CN" altLang="en-US" sz="1800" dirty="0"/>
+              <a:t>多数</a:t>
+            </a:r>
+            <a:r>
+              <a:rPr lang="en-US" altLang="zh-CN" sz="1800" dirty="0"/>
+              <a:t>Linux</a:t>
+            </a:r>
+            <a:r>
+              <a:rPr lang="zh-CN" altLang="en-US" sz="1800" dirty="0"/>
+              <a:t>默认的</a:t>
+            </a:r>
+            <a:r>
+              <a:rPr lang="en-US" altLang="zh-CN" sz="1800" dirty="0"/>
+              <a:t>shell</a:t>
+            </a:r>
+            <a:r>
+              <a:rPr lang="zh-CN" altLang="en-US" sz="1800" dirty="0"/>
+              <a:t>是</a:t>
+            </a:r>
+            <a:r>
+              <a:rPr lang="en-US" altLang="zh-CN" sz="1800" dirty="0"/>
+              <a:t>bash</a:t>
+            </a:r>
+            <a:r>
+              <a:rPr lang="zh-CN" altLang="en-US" sz="1800" dirty="0"/>
+              <a:t>。</a:t>
+            </a:r>
+            <a:r>
+              <a:rPr lang="en-US" altLang="zh-CN" sz="1800" dirty="0"/>
+              <a:t>Linux</a:t>
+            </a:r>
+            <a:r>
+              <a:rPr lang="zh-CN" altLang="en-US" sz="1800" dirty="0"/>
+              <a:t>启动登录以后，会运行一个</a:t>
+            </a:r>
+            <a:r>
+              <a:rPr lang="en-US" altLang="zh-CN" sz="1800" dirty="0"/>
+              <a:t>shell</a:t>
+            </a:r>
+            <a:r>
+              <a:rPr lang="zh-CN" altLang="en-US" sz="1800" dirty="0"/>
+              <a:t>等待用户输入命令。</a:t>
+            </a:r>
+            <a:endParaRPr lang="en-US" altLang="zh-CN" sz="1800" dirty="0"/>
+          </a:p>
+          <a:p>
+            <a:pPr lvl="1"/>
+            <a:endParaRPr lang="en-US" altLang="zh-CN" sz="1800" dirty="0"/>
+          </a:p>
+          <a:p>
+            <a:pPr lvl="1"/>
+            <a:r>
+              <a:rPr lang="zh-CN" altLang="en-US" sz="1800" dirty="0"/>
               <a:t>用户通过</a:t>
             </a:r>
             <a:r>
-              <a:rPr lang="en-US" altLang="zh-CN" sz="2400" dirty="0"/>
+              <a:rPr lang="en-US" altLang="zh-CN" sz="1800" dirty="0"/>
               <a:t>shell</a:t>
             </a:r>
             <a:r>
-              <a:rPr lang="zh-CN" altLang="en-US" sz="2400" dirty="0"/>
+              <a:rPr lang="zh-CN" altLang="en-US" sz="1800" dirty="0"/>
               <a:t>和系统交互。</a:t>
             </a:r>
-            <a:endParaRPr lang="en-US" altLang="zh-CN" sz="2400" dirty="0"/>
-          </a:p>
-          <a:p>
-            <a:r>
-              <a:rPr lang="en-US" altLang="zh-CN" sz="2400" dirty="0" err="1"/>
-              <a:t>sh</a:t>
-            </a:r>
-            <a:r>
-              <a:rPr lang="zh-CN" altLang="en-US" sz="2400" dirty="0"/>
-              <a:t>是</a:t>
-            </a:r>
-            <a:r>
-              <a:rPr lang="en-US" altLang="zh-CN" sz="2400" dirty="0"/>
-              <a:t>shell</a:t>
-            </a:r>
-            <a:r>
-              <a:rPr lang="zh-CN" altLang="en-US" sz="2400" dirty="0"/>
-              <a:t>的简写，</a:t>
-            </a:r>
-            <a:r>
-              <a:rPr lang="en-US" altLang="zh-CN" sz="2400" dirty="0"/>
-              <a:t>shell</a:t>
-            </a:r>
-            <a:r>
-              <a:rPr lang="zh-CN" altLang="en-US" sz="2400" dirty="0"/>
-              <a:t>的实现类型有：</a:t>
-            </a:r>
-            <a:r>
-              <a:rPr lang="en-US" altLang="zh-CN" sz="2400" dirty="0" err="1"/>
-              <a:t>sh</a:t>
-            </a:r>
-            <a:r>
-              <a:rPr lang="zh-CN" altLang="en-US" sz="2400" dirty="0"/>
-              <a:t>，</a:t>
-            </a:r>
-            <a:r>
-              <a:rPr lang="en-US" altLang="zh-CN" sz="2400" dirty="0"/>
-              <a:t>bash</a:t>
-            </a:r>
-            <a:r>
-              <a:rPr lang="zh-CN" altLang="en-US" sz="2400" dirty="0"/>
-              <a:t>，</a:t>
-            </a:r>
-            <a:r>
-              <a:rPr lang="en-US" altLang="zh-CN" sz="2400" dirty="0" err="1"/>
-              <a:t>csh</a:t>
-            </a:r>
-            <a:r>
-              <a:rPr lang="zh-CN" altLang="en-US" sz="2400" dirty="0"/>
-              <a:t>，</a:t>
-            </a:r>
-            <a:r>
-              <a:rPr lang="en-US" altLang="zh-CN" sz="2400" dirty="0" err="1"/>
-              <a:t>tcsh</a:t>
-            </a:r>
-            <a:r>
-              <a:rPr lang="zh-CN" altLang="en-US" sz="2400" dirty="0"/>
-              <a:t>。</a:t>
-            </a:r>
-            <a:endParaRPr lang="en-US" altLang="zh-CN" sz="2400" dirty="0"/>
-          </a:p>
-          <a:p>
-            <a:r>
-              <a:rPr lang="zh-CN" altLang="en-US" sz="2400" dirty="0"/>
-              <a:t>多数</a:t>
-            </a:r>
-            <a:r>
-              <a:rPr lang="en-US" altLang="zh-CN" sz="2400" dirty="0"/>
-              <a:t>Linux</a:t>
-            </a:r>
-            <a:r>
-              <a:rPr lang="zh-CN" altLang="en-US" sz="2400" dirty="0"/>
-              <a:t>默认的</a:t>
-            </a:r>
-            <a:r>
-              <a:rPr lang="en-US" altLang="zh-CN" sz="2400" dirty="0"/>
-              <a:t>shell</a:t>
-            </a:r>
-            <a:r>
-              <a:rPr lang="zh-CN" altLang="en-US" sz="2400" dirty="0"/>
-              <a:t>是</a:t>
-            </a:r>
-            <a:r>
-              <a:rPr lang="en-US" altLang="zh-CN" sz="2400" dirty="0"/>
-              <a:t>bash</a:t>
-            </a:r>
-            <a:r>
-              <a:rPr lang="zh-CN" altLang="en-US" sz="2400" dirty="0"/>
-              <a:t>。</a:t>
-            </a:r>
-            <a:endParaRPr lang="en-US" altLang="zh-CN" sz="2400" dirty="0"/>
-          </a:p>
-          <a:p>
-            <a:r>
-              <a:rPr lang="en-US" altLang="zh-CN" sz="2400" dirty="0"/>
-              <a:t>Linux</a:t>
-            </a:r>
-            <a:r>
-              <a:rPr lang="zh-CN" altLang="en-US" sz="2400" dirty="0"/>
-              <a:t>启动登录以后，会运行一个</a:t>
-            </a:r>
-            <a:r>
-              <a:rPr lang="en-US" altLang="zh-CN" sz="2400" dirty="0"/>
-              <a:t>shell</a:t>
-            </a:r>
-            <a:r>
-              <a:rPr lang="zh-CN" altLang="en-US" sz="2400" dirty="0"/>
-              <a:t>等待用户输入命令。</a:t>
-            </a:r>
-            <a:endParaRPr lang="en-US" altLang="zh-CN" sz="2400" dirty="0"/>
-          </a:p>
-          <a:p>
-            <a:r>
-              <a:rPr lang="en-US" altLang="zh-CN" sz="2400" dirty="0"/>
-              <a:t>shell</a:t>
-            </a:r>
-            <a:r>
-              <a:rPr lang="zh-CN" altLang="en-US" sz="2400" dirty="0"/>
-              <a:t>是用户和系统交互的桥梁。</a:t>
-            </a:r>
-            <a:endParaRPr lang="en-US" altLang="zh-CN" sz="2400" dirty="0"/>
+            <a:endParaRPr lang="en-US" altLang="zh-CN" sz="1800" dirty="0"/>
           </a:p>
         </p:txBody>
       </p:sp>

--- a/materials/slides/ch11-how-does-shell-run-a-command.pptx
+++ b/materials/slides/ch11-how-does-shell-run-a-command.pptx
@@ -6,16 +6,17 @@
     <p:sldMasterId id="2147483660" r:id="rId2"/>
   </p:sldMasterIdLst>
   <p:notesMasterIdLst>
-    <p:notesMasterId r:id="rId10"/>
+    <p:notesMasterId r:id="rId11"/>
   </p:notesMasterIdLst>
   <p:sldIdLst>
     <p:sldId id="260" r:id="rId3"/>
     <p:sldId id="261" r:id="rId4"/>
     <p:sldId id="269" r:id="rId5"/>
-    <p:sldId id="265" r:id="rId6"/>
-    <p:sldId id="266" r:id="rId7"/>
-    <p:sldId id="267" r:id="rId8"/>
-    <p:sldId id="268" r:id="rId9"/>
+    <p:sldId id="270" r:id="rId6"/>
+    <p:sldId id="265" r:id="rId7"/>
+    <p:sldId id="266" r:id="rId8"/>
+    <p:sldId id="267" r:id="rId9"/>
+    <p:sldId id="268" r:id="rId10"/>
   </p:sldIdLst>
   <p:sldSz cx="12192000" cy="6858000"/>
   <p:notesSz cx="6858000" cy="9144000"/>
@@ -536,7 +537,7 @@
           <a:p>
             <a:fld id="{276E9A1B-E411-497C-B930-07D9B41A1C3B}" type="slidenum">
               <a:rPr lang="zh-CN" altLang="en-US" smtClean="0"/>
-              <a:t>4</a:t>
+              <a:t>5</a:t>
             </a:fld>
             <a:endParaRPr lang="zh-CN" altLang="en-US"/>
           </a:p>
@@ -8021,217 +8022,698 @@
           <a:lstStyle/>
           <a:p>
             <a:r>
-              <a:rPr lang="zh-CN" altLang="en-US" dirty="0"/>
-              <a:t>当输入一条命令后，</a:t>
-            </a:r>
-            <a:r>
               <a:rPr lang="en-US" altLang="zh-CN" dirty="0"/>
               <a:t>shell</a:t>
             </a:r>
             <a:r>
               <a:rPr lang="zh-CN" altLang="en-US" dirty="0"/>
-              <a:t>如何处理</a:t>
-            </a:r>
-          </a:p>
-        </p:txBody>
-      </p:sp>
-      <p:sp>
-        <p:nvSpPr>
-          <p:cNvPr id="3" name="内容占位符 2">
-            <a:extLst>
-              <a:ext uri="{FF2B5EF4-FFF2-40B4-BE49-F238E27FC236}">
-                <a16:creationId xmlns:a16="http://schemas.microsoft.com/office/drawing/2014/main" id="{0A1C6B17-780B-4799-8193-E52FD817AC0E}"/>
-              </a:ext>
-            </a:extLst>
-          </p:cNvPr>
-          <p:cNvSpPr>
-            <a:spLocks noGrp="1"/>
-          </p:cNvSpPr>
-          <p:nvPr>
-            <p:ph idx="1"/>
-          </p:nvPr>
-        </p:nvSpPr>
-        <p:spPr/>
-        <p:txBody>
-          <a:bodyPr/>
-          <a:lstStyle/>
-          <a:p>
-            <a:r>
-              <a:rPr lang="zh-CN" altLang="en-US" sz="2000" dirty="0"/>
-              <a:t>输入一条命令并确认后，实际</a:t>
-            </a:r>
-            <a:r>
-              <a:rPr lang="en-US" altLang="zh-CN" sz="2000" dirty="0"/>
-              <a:t>shell</a:t>
-            </a:r>
-            <a:r>
-              <a:rPr lang="zh-CN" altLang="en-US" sz="2000" dirty="0"/>
-              <a:t>获取的是一行字符串，</a:t>
-            </a:r>
-            <a:r>
-              <a:rPr lang="en-US" altLang="zh-CN" sz="2000" dirty="0"/>
-              <a:t>shell</a:t>
-            </a:r>
-            <a:r>
-              <a:rPr lang="zh-CN" altLang="en-US" sz="2000" dirty="0"/>
-              <a:t>要对字符串进行解析，并确定命令名称，参数等信息。</a:t>
-            </a:r>
-            <a:endParaRPr lang="en-US" altLang="zh-CN" sz="2000" dirty="0"/>
-          </a:p>
-          <a:p>
-            <a:endParaRPr lang="en-US" altLang="zh-CN" sz="2000" dirty="0"/>
-          </a:p>
-          <a:p>
-            <a:r>
-              <a:rPr lang="zh-CN" altLang="en-US" sz="2000" dirty="0"/>
-              <a:t>然后，</a:t>
-            </a:r>
-            <a:r>
-              <a:rPr lang="en-US" altLang="zh-CN" sz="2000" dirty="0"/>
-              <a:t>shell</a:t>
-            </a:r>
-            <a:r>
-              <a:rPr lang="zh-CN" altLang="en-US" sz="2000" dirty="0"/>
-              <a:t>要根据配置文件的搜索路径，从每个路径寻找命令，没有找到则提示错误信息，找到就调用</a:t>
-            </a:r>
-            <a:r>
-              <a:rPr lang="en-US" altLang="zh-CN" sz="2000" dirty="0"/>
-              <a:t>Linux</a:t>
-            </a:r>
-            <a:r>
-              <a:rPr lang="zh-CN" altLang="en-US" sz="2000" dirty="0"/>
-              <a:t>提供的系统调用运行命令。</a:t>
-            </a:r>
-            <a:endParaRPr lang="en-US" altLang="zh-CN" sz="2000" dirty="0"/>
-          </a:p>
-          <a:p>
-            <a:endParaRPr lang="en-US" altLang="zh-CN" sz="2000" dirty="0"/>
-          </a:p>
-          <a:p>
-            <a:r>
-              <a:rPr lang="zh-CN" altLang="en-US" sz="2000" dirty="0"/>
-              <a:t>比如：输入 </a:t>
-            </a:r>
-            <a:r>
-              <a:rPr lang="en-US" altLang="zh-CN" sz="2000" dirty="0"/>
-              <a:t>ls  -l,  shell</a:t>
-            </a:r>
-            <a:r>
-              <a:rPr lang="zh-CN" altLang="en-US" sz="2000" dirty="0"/>
-              <a:t>要解析成‘</a:t>
-            </a:r>
-            <a:r>
-              <a:rPr lang="en-US" altLang="zh-CN" sz="2000" dirty="0"/>
-              <a:t>ls</a:t>
-            </a:r>
-            <a:r>
-              <a:rPr lang="zh-CN" altLang="en-US" sz="2000" dirty="0"/>
-              <a:t>’ </a:t>
-            </a:r>
-            <a:r>
-              <a:rPr lang="en-US" altLang="zh-CN" sz="2000" dirty="0"/>
-              <a:t>, ‘-l’ </a:t>
-            </a:r>
-            <a:r>
-              <a:rPr lang="zh-CN" altLang="en-US" sz="2000" dirty="0"/>
-              <a:t>，</a:t>
-            </a:r>
-            <a:r>
-              <a:rPr lang="en-US" altLang="zh-CN" sz="2000" dirty="0"/>
-              <a:t>’ls’</a:t>
-            </a:r>
-            <a:r>
-              <a:rPr lang="zh-CN" altLang="en-US" sz="2000" dirty="0"/>
-              <a:t>就是命令名称，并在</a:t>
-            </a:r>
-            <a:r>
-              <a:rPr lang="en-US" altLang="zh-CN" sz="2000" dirty="0"/>
+              <a:t>运行命令的基本过程</a:t>
+            </a:r>
+          </a:p>
+        </p:txBody>
+      </p:sp>
+      <p:sp>
+        <p:nvSpPr>
+          <p:cNvPr id="7" name="矩形 6">
+            <a:extLst>
+              <a:ext uri="{FF2B5EF4-FFF2-40B4-BE49-F238E27FC236}">
+                <a16:creationId xmlns:a16="http://schemas.microsoft.com/office/drawing/2014/main" id="{D9E414A1-8DD8-4DB9-96CB-38D1139D3BD7}"/>
+              </a:ext>
+            </a:extLst>
+          </p:cNvPr>
+          <p:cNvSpPr/>
+          <p:nvPr/>
+        </p:nvSpPr>
+        <p:spPr>
+          <a:xfrm>
+            <a:off x="838200" y="1828800"/>
+            <a:ext cx="2505807" cy="360485"/>
+          </a:xfrm>
+          <a:prstGeom prst="rect">
+            <a:avLst/>
+          </a:prstGeom>
+          <a:solidFill>
+            <a:schemeClr val="bg1"/>
+          </a:solidFill>
+        </p:spPr>
+        <p:style>
+          <a:lnRef idx="2">
+            <a:schemeClr val="accent1">
+              <a:shade val="50000"/>
+            </a:schemeClr>
+          </a:lnRef>
+          <a:fillRef idx="1">
+            <a:schemeClr val="accent1"/>
+          </a:fillRef>
+          <a:effectRef idx="0">
+            <a:schemeClr val="accent1"/>
+          </a:effectRef>
+          <a:fontRef idx="minor">
+            <a:schemeClr val="lt1"/>
+          </a:fontRef>
+        </p:style>
+        <p:txBody>
+          <a:bodyPr rtlCol="0" anchor="ctr"/>
+          <a:lstStyle/>
+          <a:p>
+            <a:pPr algn="ctr"/>
+            <a:r>
+              <a:rPr lang="zh-CN" altLang="en-US" dirty="0">
+                <a:solidFill>
+                  <a:schemeClr val="tx1">
+                    <a:lumMod val="95000"/>
+                    <a:lumOff val="5000"/>
+                  </a:schemeClr>
+                </a:solidFill>
+              </a:rPr>
+              <a:t>从键盘或文件获取输入</a:t>
+            </a:r>
+          </a:p>
+        </p:txBody>
+      </p:sp>
+      <p:cxnSp>
+        <p:nvCxnSpPr>
+          <p:cNvPr id="9" name="直接箭头连接符 8">
+            <a:extLst>
+              <a:ext uri="{FF2B5EF4-FFF2-40B4-BE49-F238E27FC236}">
+                <a16:creationId xmlns:a16="http://schemas.microsoft.com/office/drawing/2014/main" id="{A85DD9C2-A50F-4334-A9B0-82057A6F0DEB}"/>
+              </a:ext>
+            </a:extLst>
+          </p:cNvPr>
+          <p:cNvCxnSpPr>
+            <a:cxnSpLocks/>
+            <a:stCxn id="7" idx="3"/>
+          </p:cNvCxnSpPr>
+          <p:nvPr/>
+        </p:nvCxnSpPr>
+        <p:spPr>
+          <a:xfrm flipV="1">
+            <a:off x="3344007" y="2009042"/>
+            <a:ext cx="700455" cy="1"/>
+          </a:xfrm>
+          <a:prstGeom prst="straightConnector1">
+            <a:avLst/>
+          </a:prstGeom>
+          <a:ln>
+            <a:solidFill>
+              <a:schemeClr val="tx1">
+                <a:lumMod val="95000"/>
+                <a:lumOff val="5000"/>
+              </a:schemeClr>
+            </a:solidFill>
+            <a:tailEnd type="triangle"/>
+          </a:ln>
+        </p:spPr>
+        <p:style>
+          <a:lnRef idx="1">
+            <a:schemeClr val="accent1"/>
+          </a:lnRef>
+          <a:fillRef idx="0">
+            <a:schemeClr val="accent1"/>
+          </a:fillRef>
+          <a:effectRef idx="0">
+            <a:schemeClr val="accent1"/>
+          </a:effectRef>
+          <a:fontRef idx="minor">
+            <a:schemeClr val="tx1"/>
+          </a:fontRef>
+        </p:style>
+      </p:cxnSp>
+      <p:sp>
+        <p:nvSpPr>
+          <p:cNvPr id="11" name="矩形 10">
+            <a:extLst>
+              <a:ext uri="{FF2B5EF4-FFF2-40B4-BE49-F238E27FC236}">
+                <a16:creationId xmlns:a16="http://schemas.microsoft.com/office/drawing/2014/main" id="{BB8C4E82-5848-442E-B6D9-E567BEED765C}"/>
+              </a:ext>
+            </a:extLst>
+          </p:cNvPr>
+          <p:cNvSpPr/>
+          <p:nvPr/>
+        </p:nvSpPr>
+        <p:spPr>
+          <a:xfrm>
+            <a:off x="4044462" y="1839058"/>
+            <a:ext cx="3121270" cy="360482"/>
+          </a:xfrm>
+          <a:prstGeom prst="rect">
+            <a:avLst/>
+          </a:prstGeom>
+          <a:solidFill>
+            <a:schemeClr val="bg1"/>
+          </a:solidFill>
+        </p:spPr>
+        <p:style>
+          <a:lnRef idx="2">
+            <a:schemeClr val="accent1">
+              <a:shade val="50000"/>
+            </a:schemeClr>
+          </a:lnRef>
+          <a:fillRef idx="1">
+            <a:schemeClr val="accent1"/>
+          </a:fillRef>
+          <a:effectRef idx="0">
+            <a:schemeClr val="accent1"/>
+          </a:effectRef>
+          <a:fontRef idx="minor">
+            <a:schemeClr val="lt1"/>
+          </a:fontRef>
+        </p:style>
+        <p:txBody>
+          <a:bodyPr rtlCol="0" anchor="ctr"/>
+          <a:lstStyle/>
+          <a:p>
+            <a:pPr algn="ctr"/>
+            <a:r>
+              <a:rPr lang="zh-CN" altLang="en-US" dirty="0">
+                <a:solidFill>
+                  <a:schemeClr val="tx1">
+                    <a:lumMod val="95000"/>
+                    <a:lumOff val="5000"/>
+                  </a:schemeClr>
+                </a:solidFill>
+              </a:rPr>
+              <a:t>解析文本得到命令参数信息</a:t>
+            </a:r>
+          </a:p>
+        </p:txBody>
+      </p:sp>
+      <p:cxnSp>
+        <p:nvCxnSpPr>
+          <p:cNvPr id="14" name="直接箭头连接符 13">
+            <a:extLst>
+              <a:ext uri="{FF2B5EF4-FFF2-40B4-BE49-F238E27FC236}">
+                <a16:creationId xmlns:a16="http://schemas.microsoft.com/office/drawing/2014/main" id="{591A6EB5-3270-4CAD-AE34-300ED5D716C6}"/>
+              </a:ext>
+            </a:extLst>
+          </p:cNvPr>
+          <p:cNvCxnSpPr>
+            <a:cxnSpLocks/>
+          </p:cNvCxnSpPr>
+          <p:nvPr/>
+        </p:nvCxnSpPr>
+        <p:spPr>
+          <a:xfrm flipV="1">
+            <a:off x="7165732" y="2026627"/>
+            <a:ext cx="712176" cy="1"/>
+          </a:xfrm>
+          <a:prstGeom prst="straightConnector1">
+            <a:avLst/>
+          </a:prstGeom>
+          <a:ln>
+            <a:solidFill>
+              <a:schemeClr val="tx1">
+                <a:lumMod val="95000"/>
+                <a:lumOff val="5000"/>
+              </a:schemeClr>
+            </a:solidFill>
+            <a:tailEnd type="triangle"/>
+          </a:ln>
+        </p:spPr>
+        <p:style>
+          <a:lnRef idx="1">
+            <a:schemeClr val="accent1"/>
+          </a:lnRef>
+          <a:fillRef idx="0">
+            <a:schemeClr val="accent1"/>
+          </a:fillRef>
+          <a:effectRef idx="0">
+            <a:schemeClr val="accent1"/>
+          </a:effectRef>
+          <a:fontRef idx="minor">
+            <a:schemeClr val="tx1"/>
+          </a:fontRef>
+        </p:style>
+      </p:cxnSp>
+      <p:sp>
+        <p:nvSpPr>
+          <p:cNvPr id="19" name="矩形 18">
+            <a:extLst>
+              <a:ext uri="{FF2B5EF4-FFF2-40B4-BE49-F238E27FC236}">
+                <a16:creationId xmlns:a16="http://schemas.microsoft.com/office/drawing/2014/main" id="{EACE3CEC-4CD6-4EB8-ABEB-104152432DE1}"/>
+              </a:ext>
+            </a:extLst>
+          </p:cNvPr>
+          <p:cNvSpPr/>
+          <p:nvPr/>
+        </p:nvSpPr>
+        <p:spPr>
+          <a:xfrm>
+            <a:off x="7877908" y="1641234"/>
+            <a:ext cx="3121270" cy="1116611"/>
+          </a:xfrm>
+          <a:prstGeom prst="rect">
+            <a:avLst/>
+          </a:prstGeom>
+          <a:solidFill>
+            <a:schemeClr val="bg1"/>
+          </a:solidFill>
+        </p:spPr>
+        <p:style>
+          <a:lnRef idx="2">
+            <a:schemeClr val="accent1">
+              <a:shade val="50000"/>
+            </a:schemeClr>
+          </a:lnRef>
+          <a:fillRef idx="1">
+            <a:schemeClr val="accent1"/>
+          </a:fillRef>
+          <a:effectRef idx="0">
+            <a:schemeClr val="accent1"/>
+          </a:effectRef>
+          <a:fontRef idx="minor">
+            <a:schemeClr val="lt1"/>
+          </a:fontRef>
+        </p:style>
+        <p:txBody>
+          <a:bodyPr rtlCol="0" anchor="ctr"/>
+          <a:lstStyle/>
+          <a:p>
+            <a:pPr algn="ctr"/>
+            <a:r>
+              <a:rPr lang="zh-CN" altLang="en-US" dirty="0">
+                <a:solidFill>
+                  <a:schemeClr val="tx1">
+                    <a:lumMod val="95000"/>
+                    <a:lumOff val="5000"/>
+                  </a:schemeClr>
+                </a:solidFill>
+              </a:rPr>
+              <a:t>根据输入的命令名称从</a:t>
+            </a:r>
+            <a:r>
+              <a:rPr lang="en-US" altLang="zh-CN" dirty="0">
+                <a:solidFill>
+                  <a:schemeClr val="tx1">
+                    <a:lumMod val="95000"/>
+                    <a:lumOff val="5000"/>
+                  </a:schemeClr>
+                </a:solidFill>
+              </a:rPr>
               <a:t>PATH</a:t>
             </a:r>
             <a:r>
-              <a:rPr lang="zh-CN" altLang="en-US" sz="2000" dirty="0"/>
-              <a:t>设置的路径中寻找，找到</a:t>
-            </a:r>
-            <a:r>
-              <a:rPr lang="en-US" altLang="zh-CN" sz="2000" dirty="0"/>
-              <a:t>/bin/ls</a:t>
-            </a:r>
-            <a:r>
-              <a:rPr lang="zh-CN" altLang="en-US" sz="2000" dirty="0"/>
-              <a:t>这个命令，</a:t>
-            </a:r>
-            <a:r>
-              <a:rPr lang="en-US" altLang="zh-CN" sz="2000" dirty="0"/>
-              <a:t>fork</a:t>
-            </a:r>
-            <a:r>
-              <a:rPr lang="zh-CN" altLang="en-US" sz="2000" dirty="0"/>
-              <a:t>一个子进程调用</a:t>
-            </a:r>
-            <a:r>
-              <a:rPr lang="en-US" altLang="zh-CN" sz="2000" dirty="0" err="1"/>
-              <a:t>execv</a:t>
-            </a:r>
-            <a:r>
-              <a:rPr lang="zh-CN" altLang="en-US" sz="2000" dirty="0"/>
-              <a:t>等系统调用传递参数运行命令。并等待结束。</a:t>
-            </a:r>
-            <a:endParaRPr lang="en-US" altLang="zh-CN" sz="2000" dirty="0"/>
-          </a:p>
-          <a:p>
-            <a:endParaRPr lang="en-US" altLang="zh-CN" sz="2000" dirty="0"/>
-          </a:p>
-          <a:p>
-            <a:r>
-              <a:rPr lang="zh-CN" altLang="en-US" sz="2000" dirty="0"/>
-              <a:t>注意：真正运行命令的不是</a:t>
-            </a:r>
-            <a:r>
-              <a:rPr lang="en-US" altLang="zh-CN" sz="2000" dirty="0"/>
-              <a:t>shell</a:t>
-            </a:r>
-            <a:r>
-              <a:rPr lang="zh-CN" altLang="en-US" sz="2000" dirty="0"/>
-              <a:t>，而是内核，</a:t>
-            </a:r>
-            <a:r>
-              <a:rPr lang="en-US" altLang="zh-CN" sz="2000" dirty="0"/>
-              <a:t>shell</a:t>
-            </a:r>
-            <a:r>
-              <a:rPr lang="zh-CN" altLang="en-US" sz="2000" dirty="0"/>
-              <a:t>去调用内核提供的接口，</a:t>
-            </a:r>
-            <a:r>
-              <a:rPr lang="en-US" altLang="zh-CN" sz="2000" dirty="0"/>
-              <a:t>shell</a:t>
-            </a:r>
-            <a:r>
-              <a:rPr lang="zh-CN" altLang="en-US" sz="2000" dirty="0"/>
-              <a:t>是调用</a:t>
-            </a:r>
-            <a:r>
-              <a:rPr lang="en-US" altLang="zh-CN" sz="2000" dirty="0"/>
-              <a:t>fork</a:t>
-            </a:r>
-            <a:r>
-              <a:rPr lang="zh-CN" altLang="en-US" sz="2000" dirty="0"/>
-              <a:t>创建子进程去运行命令，而所有的进程都是系统内核调度的。</a:t>
-            </a:r>
-            <a:endParaRPr lang="en-US" altLang="zh-CN" sz="2000" dirty="0"/>
-          </a:p>
-          <a:p>
-            <a:endParaRPr lang="en-US" altLang="zh-CN" sz="2400" dirty="0"/>
-          </a:p>
-          <a:p>
-            <a:endParaRPr lang="en-US" altLang="zh-CN" sz="2000" dirty="0"/>
+              <a:rPr lang="zh-CN" altLang="en-US" dirty="0">
+                <a:solidFill>
+                  <a:schemeClr val="tx1">
+                    <a:lumMod val="95000"/>
+                    <a:lumOff val="5000"/>
+                  </a:schemeClr>
+                </a:solidFill>
+              </a:rPr>
+              <a:t>环境变量设置的搜索路径搜索程序</a:t>
+            </a:r>
+          </a:p>
+        </p:txBody>
+      </p:sp>
+      <p:cxnSp>
+        <p:nvCxnSpPr>
+          <p:cNvPr id="20" name="直接箭头连接符 19">
+            <a:extLst>
+              <a:ext uri="{FF2B5EF4-FFF2-40B4-BE49-F238E27FC236}">
+                <a16:creationId xmlns:a16="http://schemas.microsoft.com/office/drawing/2014/main" id="{CA8EC419-6245-4811-9F99-6F5928ABAB30}"/>
+              </a:ext>
+            </a:extLst>
+          </p:cNvPr>
+          <p:cNvCxnSpPr>
+            <a:cxnSpLocks/>
+          </p:cNvCxnSpPr>
+          <p:nvPr/>
+        </p:nvCxnSpPr>
+        <p:spPr>
+          <a:xfrm flipH="1">
+            <a:off x="7069015" y="3852495"/>
+            <a:ext cx="1628045" cy="0"/>
+          </a:xfrm>
+          <a:prstGeom prst="straightConnector1">
+            <a:avLst/>
+          </a:prstGeom>
+          <a:ln>
+            <a:solidFill>
+              <a:schemeClr val="tx1">
+                <a:lumMod val="95000"/>
+                <a:lumOff val="5000"/>
+              </a:schemeClr>
+            </a:solidFill>
+            <a:tailEnd type="triangle"/>
+          </a:ln>
+        </p:spPr>
+        <p:style>
+          <a:lnRef idx="1">
+            <a:schemeClr val="accent1"/>
+          </a:lnRef>
+          <a:fillRef idx="0">
+            <a:schemeClr val="accent1"/>
+          </a:fillRef>
+          <a:effectRef idx="0">
+            <a:schemeClr val="accent1"/>
+          </a:effectRef>
+          <a:fontRef idx="minor">
+            <a:schemeClr val="tx1"/>
+          </a:fontRef>
+        </p:style>
+      </p:cxnSp>
+      <p:cxnSp>
+        <p:nvCxnSpPr>
+          <p:cNvPr id="22" name="直接箭头连接符 21">
+            <a:extLst>
+              <a:ext uri="{FF2B5EF4-FFF2-40B4-BE49-F238E27FC236}">
+                <a16:creationId xmlns:a16="http://schemas.microsoft.com/office/drawing/2014/main" id="{215545C5-2A30-45FC-9CBF-EEB9A90E0120}"/>
+              </a:ext>
+            </a:extLst>
+          </p:cNvPr>
+          <p:cNvCxnSpPr>
+            <a:cxnSpLocks/>
+          </p:cNvCxnSpPr>
+          <p:nvPr/>
+        </p:nvCxnSpPr>
+        <p:spPr>
+          <a:xfrm>
+            <a:off x="9996853" y="2757845"/>
+            <a:ext cx="0" cy="970093"/>
+          </a:xfrm>
+          <a:prstGeom prst="straightConnector1">
+            <a:avLst/>
+          </a:prstGeom>
+          <a:ln>
+            <a:solidFill>
+              <a:schemeClr val="tx1">
+                <a:lumMod val="95000"/>
+                <a:lumOff val="5000"/>
+              </a:schemeClr>
+            </a:solidFill>
+            <a:tailEnd type="triangle"/>
+          </a:ln>
+        </p:spPr>
+        <p:style>
+          <a:lnRef idx="1">
+            <a:schemeClr val="accent1"/>
+          </a:lnRef>
+          <a:fillRef idx="0">
+            <a:schemeClr val="accent1"/>
+          </a:fillRef>
+          <a:effectRef idx="0">
+            <a:schemeClr val="accent1"/>
+          </a:effectRef>
+          <a:fontRef idx="minor">
+            <a:schemeClr val="tx1"/>
+          </a:fontRef>
+        </p:style>
+      </p:cxnSp>
+      <p:cxnSp>
+        <p:nvCxnSpPr>
+          <p:cNvPr id="26" name="直接连接符 25">
+            <a:extLst>
+              <a:ext uri="{FF2B5EF4-FFF2-40B4-BE49-F238E27FC236}">
+                <a16:creationId xmlns:a16="http://schemas.microsoft.com/office/drawing/2014/main" id="{75D2BED6-EA90-466A-AAB3-B008BB53FA3A}"/>
+              </a:ext>
+            </a:extLst>
+          </p:cNvPr>
+          <p:cNvCxnSpPr/>
+          <p:nvPr/>
+        </p:nvCxnSpPr>
+        <p:spPr>
+          <a:xfrm>
+            <a:off x="8704385" y="2757845"/>
+            <a:ext cx="0" cy="1093186"/>
+          </a:xfrm>
+          <a:prstGeom prst="line">
+            <a:avLst/>
+          </a:prstGeom>
+          <a:ln>
+            <a:solidFill>
+              <a:schemeClr val="tx1">
+                <a:lumMod val="95000"/>
+                <a:lumOff val="5000"/>
+              </a:schemeClr>
+            </a:solidFill>
+          </a:ln>
+        </p:spPr>
+        <p:style>
+          <a:lnRef idx="1">
+            <a:schemeClr val="accent1"/>
+          </a:lnRef>
+          <a:fillRef idx="0">
+            <a:schemeClr val="accent1"/>
+          </a:fillRef>
+          <a:effectRef idx="0">
+            <a:schemeClr val="accent1"/>
+          </a:effectRef>
+          <a:fontRef idx="minor">
+            <a:schemeClr val="tx1"/>
+          </a:fontRef>
+        </p:style>
+      </p:cxnSp>
+      <p:sp>
+        <p:nvSpPr>
+          <p:cNvPr id="28" name="矩形 27">
+            <a:extLst>
+              <a:ext uri="{FF2B5EF4-FFF2-40B4-BE49-F238E27FC236}">
+                <a16:creationId xmlns:a16="http://schemas.microsoft.com/office/drawing/2014/main" id="{18A93B0E-50BE-451A-872D-5D6337C225DF}"/>
+              </a:ext>
+            </a:extLst>
+          </p:cNvPr>
+          <p:cNvSpPr/>
+          <p:nvPr/>
+        </p:nvSpPr>
+        <p:spPr>
+          <a:xfrm>
+            <a:off x="10078917" y="3002541"/>
+            <a:ext cx="920262" cy="360482"/>
+          </a:xfrm>
+          <a:prstGeom prst="rect">
+            <a:avLst/>
+          </a:prstGeom>
+          <a:solidFill>
+            <a:schemeClr val="bg1"/>
+          </a:solidFill>
+          <a:ln>
+            <a:solidFill>
+              <a:schemeClr val="bg1"/>
+            </a:solidFill>
+          </a:ln>
+        </p:spPr>
+        <p:style>
+          <a:lnRef idx="2">
+            <a:schemeClr val="accent1">
+              <a:shade val="50000"/>
+            </a:schemeClr>
+          </a:lnRef>
+          <a:fillRef idx="1">
+            <a:schemeClr val="accent1"/>
+          </a:fillRef>
+          <a:effectRef idx="0">
+            <a:schemeClr val="accent1"/>
+          </a:effectRef>
+          <a:fontRef idx="minor">
+            <a:schemeClr val="lt1"/>
+          </a:fontRef>
+        </p:style>
+        <p:txBody>
+          <a:bodyPr rtlCol="0" anchor="ctr"/>
+          <a:lstStyle/>
+          <a:p>
+            <a:pPr algn="ctr"/>
+            <a:r>
+              <a:rPr lang="zh-CN" altLang="en-US" dirty="0">
+                <a:solidFill>
+                  <a:schemeClr val="tx1">
+                    <a:lumMod val="95000"/>
+                    <a:lumOff val="5000"/>
+                  </a:schemeClr>
+                </a:solidFill>
+              </a:rPr>
+              <a:t>未发现</a:t>
+            </a:r>
+          </a:p>
+        </p:txBody>
+      </p:sp>
+      <p:sp>
+        <p:nvSpPr>
+          <p:cNvPr id="29" name="矩形 28">
+            <a:extLst>
+              <a:ext uri="{FF2B5EF4-FFF2-40B4-BE49-F238E27FC236}">
+                <a16:creationId xmlns:a16="http://schemas.microsoft.com/office/drawing/2014/main" id="{7C3DCF21-8C85-4D2D-8E50-F8DD5AE73FE8}"/>
+              </a:ext>
+            </a:extLst>
+          </p:cNvPr>
+          <p:cNvSpPr/>
+          <p:nvPr/>
+        </p:nvSpPr>
+        <p:spPr>
+          <a:xfrm>
+            <a:off x="9068537" y="3732314"/>
+            <a:ext cx="2020759" cy="631534"/>
+          </a:xfrm>
+          <a:prstGeom prst="rect">
+            <a:avLst/>
+          </a:prstGeom>
+          <a:solidFill>
+            <a:schemeClr val="bg1"/>
+          </a:solidFill>
+        </p:spPr>
+        <p:style>
+          <a:lnRef idx="2">
+            <a:schemeClr val="accent1">
+              <a:shade val="50000"/>
+            </a:schemeClr>
+          </a:lnRef>
+          <a:fillRef idx="1">
+            <a:schemeClr val="accent1"/>
+          </a:fillRef>
+          <a:effectRef idx="0">
+            <a:schemeClr val="accent1"/>
+          </a:effectRef>
+          <a:fontRef idx="minor">
+            <a:schemeClr val="lt1"/>
+          </a:fontRef>
+        </p:style>
+        <p:txBody>
+          <a:bodyPr rtlCol="0" anchor="ctr"/>
+          <a:lstStyle/>
+          <a:p>
+            <a:pPr algn="ctr"/>
+            <a:r>
+              <a:rPr lang="zh-CN" altLang="en-US" dirty="0">
+                <a:solidFill>
+                  <a:schemeClr val="tx1">
+                    <a:lumMod val="95000"/>
+                    <a:lumOff val="5000"/>
+                  </a:schemeClr>
+                </a:solidFill>
+              </a:rPr>
+              <a:t>输出错误提示信息</a:t>
+            </a:r>
+          </a:p>
+        </p:txBody>
+      </p:sp>
+      <p:sp>
+        <p:nvSpPr>
+          <p:cNvPr id="30" name="矩形 29">
+            <a:extLst>
+              <a:ext uri="{FF2B5EF4-FFF2-40B4-BE49-F238E27FC236}">
+                <a16:creationId xmlns:a16="http://schemas.microsoft.com/office/drawing/2014/main" id="{9658F369-4B38-468A-A016-82E9A02E4DA7}"/>
+              </a:ext>
+            </a:extLst>
+          </p:cNvPr>
+          <p:cNvSpPr/>
+          <p:nvPr/>
+        </p:nvSpPr>
+        <p:spPr>
+          <a:xfrm>
+            <a:off x="7455875" y="3068518"/>
+            <a:ext cx="1166447" cy="360482"/>
+          </a:xfrm>
+          <a:prstGeom prst="rect">
+            <a:avLst/>
+          </a:prstGeom>
+          <a:solidFill>
+            <a:schemeClr val="bg1"/>
+          </a:solidFill>
+          <a:ln>
+            <a:solidFill>
+              <a:schemeClr val="bg1"/>
+            </a:solidFill>
+          </a:ln>
+        </p:spPr>
+        <p:style>
+          <a:lnRef idx="2">
+            <a:schemeClr val="accent1">
+              <a:shade val="50000"/>
+            </a:schemeClr>
+          </a:lnRef>
+          <a:fillRef idx="1">
+            <a:schemeClr val="accent1"/>
+          </a:fillRef>
+          <a:effectRef idx="0">
+            <a:schemeClr val="accent1"/>
+          </a:effectRef>
+          <a:fontRef idx="minor">
+            <a:schemeClr val="lt1"/>
+          </a:fontRef>
+        </p:style>
+        <p:txBody>
+          <a:bodyPr rtlCol="0" anchor="ctr"/>
+          <a:lstStyle/>
+          <a:p>
+            <a:pPr algn="ctr"/>
+            <a:r>
+              <a:rPr lang="zh-CN" altLang="en-US" dirty="0">
+                <a:solidFill>
+                  <a:schemeClr val="tx1">
+                    <a:lumMod val="95000"/>
+                    <a:lumOff val="5000"/>
+                  </a:schemeClr>
+                </a:solidFill>
+              </a:rPr>
+              <a:t>找到程序</a:t>
+            </a:r>
+          </a:p>
+        </p:txBody>
+      </p:sp>
+      <p:sp>
+        <p:nvSpPr>
+          <p:cNvPr id="33" name="矩形 32">
+            <a:extLst>
+              <a:ext uri="{FF2B5EF4-FFF2-40B4-BE49-F238E27FC236}">
+                <a16:creationId xmlns:a16="http://schemas.microsoft.com/office/drawing/2014/main" id="{C87698C1-BC8B-4176-B9D6-AE9048F78C41}"/>
+              </a:ext>
+            </a:extLst>
+          </p:cNvPr>
+          <p:cNvSpPr/>
+          <p:nvPr/>
+        </p:nvSpPr>
+        <p:spPr>
+          <a:xfrm>
+            <a:off x="2944691" y="3231108"/>
+            <a:ext cx="4125057" cy="1241225"/>
+          </a:xfrm>
+          <a:prstGeom prst="rect">
+            <a:avLst/>
+          </a:prstGeom>
+          <a:solidFill>
+            <a:schemeClr val="bg1"/>
+          </a:solidFill>
+        </p:spPr>
+        <p:style>
+          <a:lnRef idx="2">
+            <a:schemeClr val="accent1">
+              <a:shade val="50000"/>
+            </a:schemeClr>
+          </a:lnRef>
+          <a:fillRef idx="1">
+            <a:schemeClr val="accent1"/>
+          </a:fillRef>
+          <a:effectRef idx="0">
+            <a:schemeClr val="accent1"/>
+          </a:effectRef>
+          <a:fontRef idx="minor">
+            <a:schemeClr val="lt1"/>
+          </a:fontRef>
+        </p:style>
+        <p:txBody>
+          <a:bodyPr rtlCol="0" anchor="ctr"/>
+          <a:lstStyle/>
+          <a:p>
+            <a:pPr algn="ctr"/>
+            <a:r>
+              <a:rPr lang="zh-CN" altLang="en-US" dirty="0">
+                <a:solidFill>
+                  <a:schemeClr val="tx1">
+                    <a:lumMod val="95000"/>
+                    <a:lumOff val="5000"/>
+                  </a:schemeClr>
+                </a:solidFill>
+              </a:rPr>
+              <a:t>通过内核提供的系统调用创建子进程运行命令。</a:t>
+            </a:r>
           </a:p>
         </p:txBody>
       </p:sp>
     </p:spTree>
     <p:extLst>
       <p:ext uri="{BB962C8B-B14F-4D97-AF65-F5344CB8AC3E}">
-        <p14:creationId xmlns:p14="http://schemas.microsoft.com/office/powerpoint/2010/main" val="3466496868"/>
+        <p14:creationId xmlns:p14="http://schemas.microsoft.com/office/powerpoint/2010/main" val="378892727"/>
       </p:ext>
     </p:extLst>
   </p:cSld>
@@ -8285,7 +8767,7 @@
             </a:r>
             <a:r>
               <a:rPr lang="zh-CN" altLang="en-US" dirty="0"/>
-              <a:t>中的通配符</a:t>
+              <a:t>运行命令的文字描述</a:t>
             </a:r>
           </a:p>
         </p:txBody>
@@ -8311,55 +8793,89 @@
           <a:bodyPr/>
           <a:lstStyle/>
           <a:p>
+            <a:r>
+              <a:rPr lang="zh-CN" altLang="en-US" sz="2000" dirty="0"/>
+              <a:t>输入一条命令并确认后，实际</a:t>
+            </a:r>
             <a:r>
               <a:rPr lang="en-US" altLang="zh-CN" sz="2000" dirty="0"/>
               <a:t>shell</a:t>
             </a:r>
             <a:r>
               <a:rPr lang="zh-CN" altLang="en-US" sz="2000" dirty="0"/>
-              <a:t>支持通配符，使用*表示匹配任意长度的字符，</a:t>
-            </a:r>
-            <a:r>
-              <a:rPr lang="en-US" altLang="zh-CN" sz="2000" dirty="0"/>
-              <a:t>?</a:t>
-            </a:r>
-            <a:r>
-              <a:rPr lang="zh-CN" altLang="en-US" sz="2000" dirty="0"/>
-              <a:t>匹配任意一个字符。</a:t>
-            </a:r>
-            <a:endParaRPr lang="en-US" altLang="zh-CN" sz="2000" dirty="0"/>
-          </a:p>
-          <a:p>
-            <a:endParaRPr lang="en-US" altLang="zh-CN" sz="2000" dirty="0"/>
-          </a:p>
-          <a:p>
+              <a:t>获取的是一行字符串，</a:t>
+            </a:r>
             <a:r>
               <a:rPr lang="en-US" altLang="zh-CN" sz="2000" dirty="0"/>
               <a:t>shell</a:t>
             </a:r>
             <a:r>
               <a:rPr lang="zh-CN" altLang="en-US" sz="2000" dirty="0"/>
-              <a:t>在遇到通配符会进行扩展，比如输入</a:t>
+              <a:t>要对字符串进行解析，并确定命令名称，参数等信息。</a:t>
             </a:r>
             <a:r>
               <a:rPr lang="en-US" altLang="zh-CN" sz="2000" dirty="0"/>
-              <a:t>ls  ./a*</a:t>
+              <a:t>shell</a:t>
             </a:r>
             <a:r>
               <a:rPr lang="zh-CN" altLang="en-US" sz="2000" dirty="0"/>
-              <a:t>，会匹配</a:t>
+              <a:t>支持从文件读取文本逐条解释执行。</a:t>
+            </a:r>
+            <a:endParaRPr lang="en-US" altLang="zh-CN" sz="2000" dirty="0"/>
+          </a:p>
+          <a:p>
+            <a:endParaRPr lang="en-US" altLang="zh-CN" sz="2000" dirty="0"/>
+          </a:p>
+          <a:p>
+            <a:r>
+              <a:rPr lang="zh-CN" altLang="en-US" sz="2000" dirty="0"/>
+              <a:t>然后，</a:t>
             </a:r>
             <a:r>
               <a:rPr lang="en-US" altLang="zh-CN" sz="2000" dirty="0"/>
-              <a:t>a</a:t>
+              <a:t>shell</a:t>
             </a:r>
             <a:r>
               <a:rPr lang="zh-CN" altLang="en-US" sz="2000" dirty="0"/>
-              <a:t>开头的所有文件并显示，如果存在</a:t>
+              <a:t>要根据配置文件的搜索路径，从每个路径寻找命令，没有找到则提示错误信息，找到就调用</a:t>
             </a:r>
             <a:r>
               <a:rPr lang="en-US" altLang="zh-CN" sz="2000" dirty="0"/>
-              <a:t>ab.txt</a:t>
+              <a:t>Linux</a:t>
+            </a:r>
+            <a:r>
+              <a:rPr lang="zh-CN" altLang="en-US" sz="2000" dirty="0"/>
+              <a:t>提供的系统调用运行命令。</a:t>
+            </a:r>
+            <a:endParaRPr lang="en-US" altLang="zh-CN" sz="2000" dirty="0"/>
+          </a:p>
+          <a:p>
+            <a:endParaRPr lang="en-US" altLang="zh-CN" sz="2000" dirty="0"/>
+          </a:p>
+          <a:p>
+            <a:r>
+              <a:rPr lang="zh-CN" altLang="en-US" sz="2000" dirty="0"/>
+              <a:t>比如：输入 </a:t>
+            </a:r>
+            <a:r>
+              <a:rPr lang="en-US" altLang="zh-CN" sz="2000" dirty="0"/>
+              <a:t>ls  -l,  shell</a:t>
+            </a:r>
+            <a:r>
+              <a:rPr lang="zh-CN" altLang="en-US" sz="2000" dirty="0"/>
+              <a:t>要解析成‘</a:t>
+            </a:r>
+            <a:r>
+              <a:rPr lang="en-US" altLang="zh-CN" sz="2000" dirty="0"/>
+              <a:t>ls</a:t>
+            </a:r>
+            <a:r>
+              <a:rPr lang="zh-CN" altLang="en-US" sz="2000" dirty="0"/>
+              <a:t>’ </a:t>
+            </a:r>
+            <a:r>
+              <a:rPr lang="en-US" altLang="zh-CN" sz="2000" dirty="0"/>
+              <a:t>, ‘-l’ </a:t>
             </a:r>
             <a:r>
               <a:rPr lang="zh-CN" altLang="en-US" sz="2000" dirty="0"/>
@@ -8367,19 +8883,43 @@
             </a:r>
             <a:r>
               <a:rPr lang="en-US" altLang="zh-CN" sz="2000" dirty="0"/>
-              <a:t>ac.txt</a:t>
+              <a:t>’ls’</a:t>
             </a:r>
             <a:r>
               <a:rPr lang="zh-CN" altLang="en-US" sz="2000" dirty="0"/>
-              <a:t>，则会扩展成</a:t>
+              <a:t>就是命令名称，并在</a:t>
             </a:r>
             <a:r>
               <a:rPr lang="en-US" altLang="zh-CN" sz="2000" dirty="0"/>
-              <a:t>ls  ./ab.txt  ./ac.txt</a:t>
+              <a:t>PATH</a:t>
             </a:r>
             <a:r>
               <a:rPr lang="zh-CN" altLang="en-US" sz="2000" dirty="0"/>
-              <a:t>。</a:t>
+              <a:t>设置的路径中寻找，找到</a:t>
+            </a:r>
+            <a:r>
+              <a:rPr lang="en-US" altLang="zh-CN" sz="2000" dirty="0"/>
+              <a:t>/bin/ls</a:t>
+            </a:r>
+            <a:r>
+              <a:rPr lang="zh-CN" altLang="en-US" sz="2000" dirty="0"/>
+              <a:t>这个命令，</a:t>
+            </a:r>
+            <a:r>
+              <a:rPr lang="en-US" altLang="zh-CN" sz="2000" dirty="0"/>
+              <a:t>fork</a:t>
+            </a:r>
+            <a:r>
+              <a:rPr lang="zh-CN" altLang="en-US" sz="2000" dirty="0"/>
+              <a:t>一个子进程调用</a:t>
+            </a:r>
+            <a:r>
+              <a:rPr lang="en-US" altLang="zh-CN" sz="2000" dirty="0" err="1"/>
+              <a:t>execv</a:t>
+            </a:r>
+            <a:r>
+              <a:rPr lang="zh-CN" altLang="en-US" sz="2000" dirty="0"/>
+              <a:t>等系统调用传递参数运行命令。并等待结束。</a:t>
             </a:r>
             <a:endParaRPr lang="en-US" altLang="zh-CN" sz="2000" dirty="0"/>
           </a:p>
@@ -8389,7 +8929,7 @@
           <a:p>
             <a:r>
               <a:rPr lang="zh-CN" altLang="en-US" sz="2000" dirty="0"/>
-              <a:t>注意：扩展通配符的是</a:t>
+              <a:t>注意：真正运行命令的不是</a:t>
             </a:r>
             <a:r>
               <a:rPr lang="en-US" altLang="zh-CN" sz="2000" dirty="0"/>
@@ -8397,19 +8937,36 @@
             </a:r>
             <a:r>
               <a:rPr lang="zh-CN" altLang="en-US" sz="2000" dirty="0"/>
-              <a:t>，不是命令自身，如果是命令本身实现的，那就每个命令都要实现。</a:t>
+              <a:t>，而是内核，</a:t>
+            </a:r>
+            <a:r>
+              <a:rPr lang="en-US" altLang="zh-CN" sz="2000" dirty="0"/>
+              <a:t>shell</a:t>
+            </a:r>
+            <a:r>
+              <a:rPr lang="zh-CN" altLang="en-US" sz="2000" dirty="0"/>
+              <a:t>去调用内核提供的接口，</a:t>
+            </a:r>
+            <a:r>
+              <a:rPr lang="en-US" altLang="zh-CN" sz="2000" dirty="0"/>
+              <a:t>shell</a:t>
+            </a:r>
+            <a:r>
+              <a:rPr lang="zh-CN" altLang="en-US" sz="2000" dirty="0"/>
+              <a:t>是调用</a:t>
+            </a:r>
+            <a:r>
+              <a:rPr lang="en-US" altLang="zh-CN" sz="2000" dirty="0"/>
+              <a:t>fork</a:t>
+            </a:r>
+            <a:r>
+              <a:rPr lang="zh-CN" altLang="en-US" sz="2000" dirty="0"/>
+              <a:t>创建子进程去运行命令。</a:t>
             </a:r>
             <a:endParaRPr lang="en-US" altLang="zh-CN" sz="2000" dirty="0"/>
           </a:p>
           <a:p>
-            <a:endParaRPr lang="en-US" altLang="zh-CN" sz="2000" dirty="0"/>
-          </a:p>
-          <a:p>
-            <a:r>
-              <a:rPr lang="zh-CN" altLang="en-US" sz="2000" dirty="0"/>
-              <a:t>通配符在使用时会带来很多便利，但是有些特殊情况也要注意。</a:t>
-            </a:r>
-            <a:endParaRPr lang="en-US" altLang="zh-CN" sz="2000" dirty="0"/>
+            <a:endParaRPr lang="en-US" altLang="zh-CN" sz="2400" dirty="0"/>
           </a:p>
           <a:p>
             <a:endParaRPr lang="en-US" altLang="zh-CN" sz="2000" dirty="0"/>
@@ -8419,7 +8976,7 @@
     </p:spTree>
     <p:extLst>
       <p:ext uri="{BB962C8B-B14F-4D97-AF65-F5344CB8AC3E}">
-        <p14:creationId xmlns:p14="http://schemas.microsoft.com/office/powerpoint/2010/main" val="3129173604"/>
+        <p14:creationId xmlns:p14="http://schemas.microsoft.com/office/powerpoint/2010/main" val="3466496868"/>
       </p:ext>
     </p:extLst>
   </p:cSld>
@@ -8468,6 +9025,194 @@
           <a:lstStyle/>
           <a:p>
             <a:r>
+              <a:rPr lang="en-US" altLang="zh-CN" dirty="0"/>
+              <a:t>shell</a:t>
+            </a:r>
+            <a:r>
+              <a:rPr lang="zh-CN" altLang="en-US" dirty="0"/>
+              <a:t>中的通配符</a:t>
+            </a:r>
+          </a:p>
+        </p:txBody>
+      </p:sp>
+      <p:sp>
+        <p:nvSpPr>
+          <p:cNvPr id="3" name="内容占位符 2">
+            <a:extLst>
+              <a:ext uri="{FF2B5EF4-FFF2-40B4-BE49-F238E27FC236}">
+                <a16:creationId xmlns:a16="http://schemas.microsoft.com/office/drawing/2014/main" id="{0A1C6B17-780B-4799-8193-E52FD817AC0E}"/>
+              </a:ext>
+            </a:extLst>
+          </p:cNvPr>
+          <p:cNvSpPr>
+            <a:spLocks noGrp="1"/>
+          </p:cNvSpPr>
+          <p:nvPr>
+            <p:ph idx="1"/>
+          </p:nvPr>
+        </p:nvSpPr>
+        <p:spPr/>
+        <p:txBody>
+          <a:bodyPr/>
+          <a:lstStyle/>
+          <a:p>
+            <a:r>
+              <a:rPr lang="en-US" altLang="zh-CN" sz="2000" dirty="0"/>
+              <a:t>shell</a:t>
+            </a:r>
+            <a:r>
+              <a:rPr lang="zh-CN" altLang="en-US" sz="2000" dirty="0"/>
+              <a:t>支持通配符，使用*表示匹配任意长度的字符，</a:t>
+            </a:r>
+            <a:r>
+              <a:rPr lang="en-US" altLang="zh-CN" sz="2000" dirty="0"/>
+              <a:t>?</a:t>
+            </a:r>
+            <a:r>
+              <a:rPr lang="zh-CN" altLang="en-US" sz="2000" dirty="0"/>
+              <a:t>匹配任意一个字符。</a:t>
+            </a:r>
+            <a:endParaRPr lang="en-US" altLang="zh-CN" sz="2000" dirty="0"/>
+          </a:p>
+          <a:p>
+            <a:endParaRPr lang="en-US" altLang="zh-CN" sz="2000" dirty="0"/>
+          </a:p>
+          <a:p>
+            <a:r>
+              <a:rPr lang="en-US" altLang="zh-CN" sz="2000" dirty="0"/>
+              <a:t>shell</a:t>
+            </a:r>
+            <a:r>
+              <a:rPr lang="zh-CN" altLang="en-US" sz="2000" dirty="0"/>
+              <a:t>在遇到通配符会进行扩展，比如输入</a:t>
+            </a:r>
+            <a:r>
+              <a:rPr lang="en-US" altLang="zh-CN" sz="2000" dirty="0"/>
+              <a:t>ls  ./a*</a:t>
+            </a:r>
+            <a:r>
+              <a:rPr lang="zh-CN" altLang="en-US" sz="2000" dirty="0"/>
+              <a:t>，会匹配</a:t>
+            </a:r>
+            <a:r>
+              <a:rPr lang="en-US" altLang="zh-CN" sz="2000" dirty="0"/>
+              <a:t>a</a:t>
+            </a:r>
+            <a:r>
+              <a:rPr lang="zh-CN" altLang="en-US" sz="2000" dirty="0"/>
+              <a:t>开头的所有文件并显示，如果存在</a:t>
+            </a:r>
+            <a:r>
+              <a:rPr lang="en-US" altLang="zh-CN" sz="2000" dirty="0"/>
+              <a:t>ab.txt</a:t>
+            </a:r>
+            <a:r>
+              <a:rPr lang="zh-CN" altLang="en-US" sz="2000" dirty="0"/>
+              <a:t>，</a:t>
+            </a:r>
+            <a:r>
+              <a:rPr lang="en-US" altLang="zh-CN" sz="2000" dirty="0"/>
+              <a:t>ac.txt</a:t>
+            </a:r>
+            <a:r>
+              <a:rPr lang="zh-CN" altLang="en-US" sz="2000" dirty="0"/>
+              <a:t>，则会扩展成</a:t>
+            </a:r>
+            <a:r>
+              <a:rPr lang="en-US" altLang="zh-CN" sz="2000" dirty="0"/>
+              <a:t>ls  ./ab.txt  ./ac.txt</a:t>
+            </a:r>
+            <a:r>
+              <a:rPr lang="zh-CN" altLang="en-US" sz="2000" dirty="0"/>
+              <a:t>。</a:t>
+            </a:r>
+            <a:endParaRPr lang="en-US" altLang="zh-CN" sz="2000" dirty="0"/>
+          </a:p>
+          <a:p>
+            <a:endParaRPr lang="en-US" altLang="zh-CN" sz="2000" dirty="0"/>
+          </a:p>
+          <a:p>
+            <a:r>
+              <a:rPr lang="zh-CN" altLang="en-US" sz="2000" dirty="0"/>
+              <a:t>注意：扩展通配符的是</a:t>
+            </a:r>
+            <a:r>
+              <a:rPr lang="en-US" altLang="zh-CN" sz="2000" dirty="0"/>
+              <a:t>shell</a:t>
+            </a:r>
+            <a:r>
+              <a:rPr lang="zh-CN" altLang="en-US" sz="2000" dirty="0"/>
+              <a:t>，不是命令自身，如果是命令本身实现的，那就每个命令都要实现。</a:t>
+            </a:r>
+            <a:endParaRPr lang="en-US" altLang="zh-CN" sz="2000" dirty="0"/>
+          </a:p>
+          <a:p>
+            <a:endParaRPr lang="en-US" altLang="zh-CN" sz="2000" dirty="0"/>
+          </a:p>
+          <a:p>
+            <a:r>
+              <a:rPr lang="zh-CN" altLang="en-US" sz="2000" dirty="0"/>
+              <a:t>通配符在使用时会带来很多便利，但是有些特殊情况也要注意。</a:t>
+            </a:r>
+            <a:endParaRPr lang="en-US" altLang="zh-CN" sz="2000" dirty="0"/>
+          </a:p>
+          <a:p>
+            <a:endParaRPr lang="en-US" altLang="zh-CN" sz="2000" dirty="0"/>
+          </a:p>
+        </p:txBody>
+      </p:sp>
+    </p:spTree>
+    <p:extLst>
+      <p:ext uri="{BB962C8B-B14F-4D97-AF65-F5344CB8AC3E}">
+        <p14:creationId xmlns:p14="http://schemas.microsoft.com/office/powerpoint/2010/main" val="3129173604"/>
+      </p:ext>
+    </p:extLst>
+  </p:cSld>
+  <p:clrMapOvr>
+    <a:masterClrMapping/>
+  </p:clrMapOvr>
+</p:sld>
+</file>
+
+<file path=ppt/slides/slide7.xml><?xml version="1.0" encoding="utf-8"?>
+<p:sld xmlns:a="http://schemas.openxmlformats.org/drawingml/2006/main" xmlns:r="http://schemas.openxmlformats.org/officeDocument/2006/relationships" xmlns:p="http://schemas.openxmlformats.org/presentationml/2006/main">
+  <p:cSld>
+    <p:spTree>
+      <p:nvGrpSpPr>
+        <p:cNvPr id="1" name=""/>
+        <p:cNvGrpSpPr/>
+        <p:nvPr/>
+      </p:nvGrpSpPr>
+      <p:grpSpPr>
+        <a:xfrm>
+          <a:off x="0" y="0"/>
+          <a:ext cx="0" cy="0"/>
+          <a:chOff x="0" y="0"/>
+          <a:chExt cx="0" cy="0"/>
+        </a:xfrm>
+      </p:grpSpPr>
+      <p:sp>
+        <p:nvSpPr>
+          <p:cNvPr id="2" name="标题 1">
+            <a:extLst>
+              <a:ext uri="{FF2B5EF4-FFF2-40B4-BE49-F238E27FC236}">
+                <a16:creationId xmlns:a16="http://schemas.microsoft.com/office/drawing/2014/main" id="{8B88BACC-24DE-4087-9AB3-A099CF573089}"/>
+              </a:ext>
+            </a:extLst>
+          </p:cNvPr>
+          <p:cNvSpPr>
+            <a:spLocks noGrp="1"/>
+          </p:cNvSpPr>
+          <p:nvPr>
+            <p:ph type="title"/>
+          </p:nvPr>
+        </p:nvSpPr>
+        <p:spPr/>
+        <p:txBody>
+          <a:bodyPr/>
+          <a:lstStyle/>
+          <a:p>
+            <a:r>
               <a:rPr lang="zh-CN" altLang="en-US" dirty="0"/>
               <a:t>通配符引起的问题</a:t>
             </a:r>
@@ -8600,7 +9345,7 @@
 </p:sld>
 </file>
 
-<file path=ppt/slides/slide7.xml><?xml version="1.0" encoding="utf-8"?>
+<file path=ppt/slides/slide8.xml><?xml version="1.0" encoding="utf-8"?>
 <p:sld xmlns:a="http://schemas.openxmlformats.org/drawingml/2006/main" xmlns:r="http://schemas.openxmlformats.org/officeDocument/2006/relationships" xmlns:p="http://schemas.openxmlformats.org/presentationml/2006/main">
   <p:cSld>
     <p:spTree>

--- a/materials/slides/ch11-how-does-shell-run-a-command.pptx
+++ b/materials/slides/ch11-how-does-shell-run-a-command.pptx
@@ -205,7 +205,7 @@
           <a:p>
             <a:fld id="{F43B6EE9-BDC9-469F-844A-ED2A9895708F}" type="datetimeFigureOut">
               <a:rPr lang="zh-CN" altLang="en-US" smtClean="0"/>
-              <a:t>2018/3/3</a:t>
+              <a:t>2018/4/20</a:t>
             </a:fld>
             <a:endParaRPr lang="zh-CN" altLang="en-US"/>
           </a:p>
@@ -711,7 +711,7 @@
           <a:p>
             <a:fld id="{02E60DA2-A0BC-48C9-AA88-75C78721B420}" type="datetimeFigureOut">
               <a:rPr lang="zh-CN" altLang="en-US" smtClean="0"/>
-              <a:t>2018/3/3</a:t>
+              <a:t>2018/4/20</a:t>
             </a:fld>
             <a:endParaRPr lang="zh-CN" altLang="en-US"/>
           </a:p>
@@ -933,7 +933,7 @@
           <a:p>
             <a:fld id="{02E60DA2-A0BC-48C9-AA88-75C78721B420}" type="datetimeFigureOut">
               <a:rPr lang="zh-CN" altLang="en-US" smtClean="0"/>
-              <a:t>2018/3/3</a:t>
+              <a:t>2018/4/20</a:t>
             </a:fld>
             <a:endParaRPr lang="zh-CN" altLang="en-US"/>
           </a:p>
@@ -1165,7 +1165,7 @@
           <a:p>
             <a:fld id="{02E60DA2-A0BC-48C9-AA88-75C78721B420}" type="datetimeFigureOut">
               <a:rPr lang="zh-CN" altLang="en-US" smtClean="0"/>
-              <a:t>2018/3/3</a:t>
+              <a:t>2018/4/20</a:t>
             </a:fld>
             <a:endParaRPr lang="zh-CN" altLang="en-US"/>
           </a:p>
@@ -1415,7 +1415,7 @@
           <a:p>
             <a:fld id="{02E60DA2-A0BC-48C9-AA88-75C78721B420}" type="datetimeFigureOut">
               <a:rPr lang="zh-CN" altLang="en-US" smtClean="0"/>
-              <a:t>2018/3/3</a:t>
+              <a:t>2018/4/20</a:t>
             </a:fld>
             <a:endParaRPr lang="zh-CN" altLang="en-US"/>
           </a:p>
@@ -1653,7 +1653,7 @@
           <a:p>
             <a:fld id="{02E60DA2-A0BC-48C9-AA88-75C78721B420}" type="datetimeFigureOut">
               <a:rPr lang="zh-CN" altLang="en-US" smtClean="0"/>
-              <a:t>2018/3/3</a:t>
+              <a:t>2018/4/20</a:t>
             </a:fld>
             <a:endParaRPr lang="zh-CN" altLang="en-US"/>
           </a:p>
@@ -1958,7 +1958,7 @@
           <a:p>
             <a:fld id="{02E60DA2-A0BC-48C9-AA88-75C78721B420}" type="datetimeFigureOut">
               <a:rPr lang="zh-CN" altLang="en-US" smtClean="0"/>
-              <a:t>2018/3/3</a:t>
+              <a:t>2018/4/20</a:t>
             </a:fld>
             <a:endParaRPr lang="zh-CN" altLang="en-US"/>
           </a:p>
@@ -2261,7 +2261,7 @@
           <a:p>
             <a:fld id="{02E60DA2-A0BC-48C9-AA88-75C78721B420}" type="datetimeFigureOut">
               <a:rPr lang="zh-CN" altLang="en-US" smtClean="0"/>
-              <a:t>2018/3/3</a:t>
+              <a:t>2018/4/20</a:t>
             </a:fld>
             <a:endParaRPr lang="zh-CN" altLang="en-US"/>
           </a:p>
@@ -2712,7 +2712,7 @@
           <a:p>
             <a:fld id="{02E60DA2-A0BC-48C9-AA88-75C78721B420}" type="datetimeFigureOut">
               <a:rPr lang="zh-CN" altLang="en-US" smtClean="0"/>
-              <a:t>2018/3/3</a:t>
+              <a:t>2018/4/20</a:t>
             </a:fld>
             <a:endParaRPr lang="zh-CN" altLang="en-US"/>
           </a:p>
@@ -2885,7 +2885,7 @@
           <a:p>
             <a:fld id="{02E60DA2-A0BC-48C9-AA88-75C78721B420}" type="datetimeFigureOut">
               <a:rPr lang="zh-CN" altLang="en-US" smtClean="0"/>
-              <a:t>2018/3/3</a:t>
+              <a:t>2018/4/20</a:t>
             </a:fld>
             <a:endParaRPr lang="zh-CN" altLang="en-US"/>
           </a:p>
@@ -3022,7 +3022,7 @@
           <a:p>
             <a:fld id="{02E60DA2-A0BC-48C9-AA88-75C78721B420}" type="datetimeFigureOut">
               <a:rPr lang="zh-CN" altLang="en-US" smtClean="0"/>
-              <a:t>2018/3/3</a:t>
+              <a:t>2018/4/20</a:t>
             </a:fld>
             <a:endParaRPr lang="zh-CN" altLang="en-US"/>
           </a:p>
@@ -3366,7 +3366,7 @@
           <a:p>
             <a:fld id="{02E60DA2-A0BC-48C9-AA88-75C78721B420}" type="datetimeFigureOut">
               <a:rPr lang="zh-CN" altLang="en-US" smtClean="0"/>
-              <a:t>2018/3/3</a:t>
+              <a:t>2018/4/20</a:t>
             </a:fld>
             <a:endParaRPr lang="zh-CN" altLang="en-US"/>
           </a:p>
@@ -3588,7 +3588,7 @@
           <a:p>
             <a:fld id="{02E60DA2-A0BC-48C9-AA88-75C78721B420}" type="datetimeFigureOut">
               <a:rPr lang="zh-CN" altLang="en-US" smtClean="0"/>
-              <a:t>2018/3/3</a:t>
+              <a:t>2018/4/20</a:t>
             </a:fld>
             <a:endParaRPr lang="zh-CN" altLang="en-US"/>
           </a:p>
@@ -3909,7 +3909,7 @@
           <a:p>
             <a:fld id="{02E60DA2-A0BC-48C9-AA88-75C78721B420}" type="datetimeFigureOut">
               <a:rPr lang="zh-CN" altLang="en-US" smtClean="0"/>
-              <a:t>2018/3/3</a:t>
+              <a:t>2018/4/20</a:t>
             </a:fld>
             <a:endParaRPr lang="zh-CN" altLang="en-US"/>
           </a:p>
@@ -4147,7 +4147,7 @@
           <a:p>
             <a:fld id="{02E60DA2-A0BC-48C9-AA88-75C78721B420}" type="datetimeFigureOut">
               <a:rPr lang="zh-CN" altLang="en-US" smtClean="0"/>
-              <a:t>2018/3/3</a:t>
+              <a:t>2018/4/20</a:t>
             </a:fld>
             <a:endParaRPr lang="zh-CN" altLang="en-US"/>
           </a:p>
@@ -4385,7 +4385,7 @@
           <a:p>
             <a:fld id="{02E60DA2-A0BC-48C9-AA88-75C78721B420}" type="datetimeFigureOut">
               <a:rPr lang="zh-CN" altLang="en-US" smtClean="0"/>
-              <a:t>2018/3/3</a:t>
+              <a:t>2018/4/20</a:t>
             </a:fld>
             <a:endParaRPr lang="zh-CN" altLang="en-US"/>
           </a:p>
@@ -4684,7 +4684,7 @@
           <a:p>
             <a:fld id="{02E60DA2-A0BC-48C9-AA88-75C78721B420}" type="datetimeFigureOut">
               <a:rPr lang="zh-CN" altLang="en-US" smtClean="0"/>
-              <a:t>2018/3/3</a:t>
+              <a:t>2018/4/20</a:t>
             </a:fld>
             <a:endParaRPr lang="zh-CN" altLang="en-US"/>
           </a:p>
@@ -4973,7 +4973,7 @@
           <a:p>
             <a:fld id="{02E60DA2-A0BC-48C9-AA88-75C78721B420}" type="datetimeFigureOut">
               <a:rPr lang="zh-CN" altLang="en-US" smtClean="0"/>
-              <a:t>2018/3/3</a:t>
+              <a:t>2018/4/20</a:t>
             </a:fld>
             <a:endParaRPr lang="zh-CN" altLang="en-US"/>
           </a:p>
@@ -5409,7 +5409,7 @@
           <a:p>
             <a:fld id="{02E60DA2-A0BC-48C9-AA88-75C78721B420}" type="datetimeFigureOut">
               <a:rPr lang="zh-CN" altLang="en-US" smtClean="0"/>
-              <a:t>2018/3/3</a:t>
+              <a:t>2018/4/20</a:t>
             </a:fld>
             <a:endParaRPr lang="zh-CN" altLang="en-US"/>
           </a:p>
@@ -5574,7 +5574,7 @@
           <a:p>
             <a:fld id="{02E60DA2-A0BC-48C9-AA88-75C78721B420}" type="datetimeFigureOut">
               <a:rPr lang="zh-CN" altLang="en-US" smtClean="0"/>
-              <a:t>2018/3/3</a:t>
+              <a:t>2018/4/20</a:t>
             </a:fld>
             <a:endParaRPr lang="zh-CN" altLang="en-US"/>
           </a:p>
@@ -5711,7 +5711,7 @@
           <a:p>
             <a:fld id="{02E60DA2-A0BC-48C9-AA88-75C78721B420}" type="datetimeFigureOut">
               <a:rPr lang="zh-CN" altLang="en-US" smtClean="0"/>
-              <a:t>2018/3/3</a:t>
+              <a:t>2018/4/20</a:t>
             </a:fld>
             <a:endParaRPr lang="zh-CN" altLang="en-US"/>
           </a:p>
@@ -6046,7 +6046,7 @@
           <a:p>
             <a:fld id="{02E60DA2-A0BC-48C9-AA88-75C78721B420}" type="datetimeFigureOut">
               <a:rPr lang="zh-CN" altLang="en-US" smtClean="0"/>
-              <a:t>2018/3/3</a:t>
+              <a:t>2018/4/20</a:t>
             </a:fld>
             <a:endParaRPr lang="zh-CN" altLang="en-US"/>
           </a:p>
@@ -6358,7 +6358,7 @@
           <a:p>
             <a:fld id="{02E60DA2-A0BC-48C9-AA88-75C78721B420}" type="datetimeFigureOut">
               <a:rPr lang="zh-CN" altLang="en-US" smtClean="0"/>
-              <a:t>2018/3/3</a:t>
+              <a:t>2018/4/20</a:t>
             </a:fld>
             <a:endParaRPr lang="zh-CN" altLang="en-US"/>
           </a:p>
@@ -7626,180 +7626,180 @@
           <a:lstStyle/>
           <a:p>
             <a:r>
-              <a:rPr lang="en-US" altLang="zh-CN" sz="2000" dirty="0"/>
+              <a:rPr lang="en-US" altLang="zh-CN" sz="2400" dirty="0"/>
               <a:t>shell</a:t>
             </a:r>
             <a:r>
-              <a:rPr lang="zh-CN" altLang="en-US" sz="2000" dirty="0"/>
+              <a:rPr lang="zh-CN" altLang="en-US" sz="2400" dirty="0"/>
               <a:t>是用户和系统交互的桥梁：</a:t>
             </a:r>
-            <a:endParaRPr lang="en-US" altLang="zh-CN" sz="2000" dirty="0"/>
+            <a:endParaRPr lang="en-US" altLang="zh-CN" sz="2400" dirty="0"/>
           </a:p>
           <a:p>
             <a:pPr lvl="1"/>
             <a:r>
-              <a:rPr lang="en-US" altLang="zh-CN" sz="1800" dirty="0"/>
+              <a:rPr lang="en-US" altLang="zh-CN" dirty="0"/>
               <a:t>shell</a:t>
             </a:r>
             <a:r>
-              <a:rPr lang="zh-CN" altLang="en-US" sz="1800" dirty="0"/>
+              <a:rPr lang="zh-CN" altLang="en-US" dirty="0"/>
               <a:t>是</a:t>
             </a:r>
             <a:r>
-              <a:rPr lang="en-US" altLang="zh-CN" sz="1800" dirty="0"/>
+              <a:rPr lang="en-US" altLang="zh-CN" dirty="0"/>
               <a:t>Linux</a:t>
             </a:r>
             <a:r>
-              <a:rPr lang="zh-CN" altLang="en-US" sz="1800" dirty="0"/>
+              <a:rPr lang="zh-CN" altLang="en-US" dirty="0"/>
               <a:t>的一个程序，实现也不止一种。</a:t>
             </a:r>
             <a:r>
-              <a:rPr lang="en-US" altLang="zh-CN" sz="1800" dirty="0"/>
+              <a:rPr lang="en-US" altLang="zh-CN" dirty="0"/>
               <a:t>shell</a:t>
             </a:r>
             <a:r>
-              <a:rPr lang="zh-CN" altLang="en-US" sz="1800" dirty="0"/>
+              <a:rPr lang="zh-CN" altLang="en-US" dirty="0"/>
               <a:t>的主要工作就是运行命令。</a:t>
             </a:r>
-            <a:endParaRPr lang="en-US" altLang="zh-CN" sz="1800" dirty="0"/>
+            <a:endParaRPr lang="en-US" altLang="zh-CN" dirty="0"/>
           </a:p>
           <a:p>
             <a:pPr marL="0" indent="0">
               <a:buNone/>
             </a:pPr>
-            <a:endParaRPr lang="en-US" altLang="zh-CN" sz="1800" dirty="0"/>
+            <a:endParaRPr lang="en-US" altLang="zh-CN" sz="2400" dirty="0"/>
           </a:p>
           <a:p>
             <a:pPr lvl="1"/>
             <a:r>
-              <a:rPr lang="en-US" altLang="zh-CN" sz="1800" dirty="0" err="1"/>
+              <a:rPr lang="en-US" altLang="zh-CN" dirty="0" err="1"/>
               <a:t>sh</a:t>
             </a:r>
             <a:r>
-              <a:rPr lang="zh-CN" altLang="en-US" sz="1800" dirty="0"/>
+              <a:rPr lang="zh-CN" altLang="en-US" dirty="0"/>
               <a:t>是</a:t>
             </a:r>
             <a:r>
-              <a:rPr lang="en-US" altLang="zh-CN" sz="1800" dirty="0"/>
+              <a:rPr lang="en-US" altLang="zh-CN" dirty="0"/>
               <a:t>shell</a:t>
             </a:r>
             <a:r>
-              <a:rPr lang="zh-CN" altLang="en-US" sz="1800" dirty="0"/>
+              <a:rPr lang="zh-CN" altLang="en-US" dirty="0"/>
               <a:t>的简写，</a:t>
             </a:r>
             <a:r>
-              <a:rPr lang="en-US" altLang="zh-CN" sz="1800" dirty="0"/>
+              <a:rPr lang="en-US" altLang="zh-CN" dirty="0"/>
               <a:t>shell</a:t>
             </a:r>
             <a:r>
-              <a:rPr lang="zh-CN" altLang="en-US" sz="1800" dirty="0"/>
+              <a:rPr lang="zh-CN" altLang="en-US" dirty="0"/>
               <a:t>的实现类型有：</a:t>
             </a:r>
             <a:r>
-              <a:rPr lang="en-US" altLang="zh-CN" sz="1800" dirty="0" err="1"/>
+              <a:rPr lang="en-US" altLang="zh-CN" dirty="0" err="1"/>
               <a:t>sh</a:t>
             </a:r>
             <a:r>
-              <a:rPr lang="zh-CN" altLang="en-US" sz="1800" dirty="0"/>
+              <a:rPr lang="zh-CN" altLang="en-US" dirty="0"/>
               <a:t>，</a:t>
             </a:r>
             <a:r>
-              <a:rPr lang="en-US" altLang="zh-CN" sz="1800" dirty="0"/>
+              <a:rPr lang="en-US" altLang="zh-CN" dirty="0"/>
               <a:t>bash</a:t>
             </a:r>
             <a:r>
-              <a:rPr lang="zh-CN" altLang="en-US" sz="1800" dirty="0"/>
+              <a:rPr lang="zh-CN" altLang="en-US" dirty="0"/>
               <a:t>，</a:t>
             </a:r>
             <a:r>
-              <a:rPr lang="en-US" altLang="zh-CN" sz="1800" dirty="0" err="1"/>
+              <a:rPr lang="en-US" altLang="zh-CN" dirty="0" err="1"/>
               <a:t>csh</a:t>
             </a:r>
             <a:r>
-              <a:rPr lang="zh-CN" altLang="en-US" sz="1800" dirty="0"/>
+              <a:rPr lang="zh-CN" altLang="en-US" dirty="0"/>
               <a:t>，</a:t>
             </a:r>
             <a:r>
-              <a:rPr lang="en-US" altLang="zh-CN" sz="1800" dirty="0" err="1"/>
+              <a:rPr lang="en-US" altLang="zh-CN" dirty="0" err="1"/>
               <a:t>tcsh</a:t>
             </a:r>
             <a:r>
-              <a:rPr lang="zh-CN" altLang="en-US" sz="1800" dirty="0"/>
+              <a:rPr lang="zh-CN" altLang="en-US" dirty="0"/>
               <a:t>。</a:t>
             </a:r>
-            <a:endParaRPr lang="en-US" altLang="zh-CN" sz="1800" dirty="0"/>
+            <a:endParaRPr lang="en-US" altLang="zh-CN" dirty="0"/>
           </a:p>
           <a:p>
             <a:pPr lvl="1"/>
-            <a:endParaRPr lang="en-US" altLang="zh-CN" sz="1800" dirty="0"/>
+            <a:endParaRPr lang="en-US" altLang="zh-CN" dirty="0"/>
           </a:p>
           <a:p>
             <a:pPr lvl="1"/>
             <a:r>
-              <a:rPr lang="zh-CN" altLang="en-US" sz="1800" dirty="0"/>
+              <a:rPr lang="zh-CN" altLang="en-US" dirty="0"/>
               <a:t>多数</a:t>
             </a:r>
             <a:r>
-              <a:rPr lang="en-US" altLang="zh-CN" sz="1800" dirty="0"/>
+              <a:rPr lang="en-US" altLang="zh-CN" dirty="0"/>
               <a:t>Linux</a:t>
             </a:r>
             <a:r>
-              <a:rPr lang="zh-CN" altLang="en-US" sz="1800" dirty="0"/>
+              <a:rPr lang="zh-CN" altLang="en-US" dirty="0"/>
               <a:t>默认的</a:t>
             </a:r>
             <a:r>
-              <a:rPr lang="en-US" altLang="zh-CN" sz="1800" dirty="0"/>
+              <a:rPr lang="en-US" altLang="zh-CN" dirty="0"/>
               <a:t>shell</a:t>
             </a:r>
             <a:r>
-              <a:rPr lang="zh-CN" altLang="en-US" sz="1800" dirty="0"/>
+              <a:rPr lang="zh-CN" altLang="en-US" dirty="0"/>
               <a:t>是</a:t>
             </a:r>
             <a:r>
-              <a:rPr lang="en-US" altLang="zh-CN" sz="1800" dirty="0"/>
+              <a:rPr lang="en-US" altLang="zh-CN" dirty="0"/>
               <a:t>bash</a:t>
             </a:r>
             <a:r>
-              <a:rPr lang="zh-CN" altLang="en-US" sz="1800" dirty="0"/>
+              <a:rPr lang="zh-CN" altLang="en-US" dirty="0"/>
               <a:t>。</a:t>
             </a:r>
             <a:r>
-              <a:rPr lang="en-US" altLang="zh-CN" sz="1800" dirty="0"/>
+              <a:rPr lang="en-US" altLang="zh-CN" dirty="0"/>
               <a:t>Linux</a:t>
             </a:r>
             <a:r>
-              <a:rPr lang="zh-CN" altLang="en-US" sz="1800" dirty="0"/>
+              <a:rPr lang="zh-CN" altLang="en-US" dirty="0"/>
               <a:t>启动登录以后，会运行一个</a:t>
             </a:r>
             <a:r>
-              <a:rPr lang="en-US" altLang="zh-CN" sz="1800" dirty="0"/>
+              <a:rPr lang="en-US" altLang="zh-CN" dirty="0"/>
               <a:t>shell</a:t>
             </a:r>
             <a:r>
-              <a:rPr lang="zh-CN" altLang="en-US" sz="1800" dirty="0"/>
+              <a:rPr lang="zh-CN" altLang="en-US" dirty="0"/>
               <a:t>等待用户输入命令。</a:t>
             </a:r>
-            <a:endParaRPr lang="en-US" altLang="zh-CN" sz="1800" dirty="0"/>
+            <a:endParaRPr lang="en-US" altLang="zh-CN" dirty="0"/>
           </a:p>
           <a:p>
             <a:pPr lvl="1"/>
-            <a:endParaRPr lang="en-US" altLang="zh-CN" sz="1800" dirty="0"/>
+            <a:endParaRPr lang="en-US" altLang="zh-CN" dirty="0"/>
           </a:p>
           <a:p>
             <a:pPr lvl="1"/>
             <a:r>
-              <a:rPr lang="zh-CN" altLang="en-US" sz="1800" dirty="0"/>
+              <a:rPr lang="zh-CN" altLang="en-US" dirty="0"/>
               <a:t>用户通过</a:t>
             </a:r>
             <a:r>
-              <a:rPr lang="en-US" altLang="zh-CN" sz="1800" dirty="0"/>
+              <a:rPr lang="en-US" altLang="zh-CN" dirty="0"/>
               <a:t>shell</a:t>
             </a:r>
             <a:r>
-              <a:rPr lang="zh-CN" altLang="en-US" sz="1800" dirty="0"/>
+              <a:rPr lang="zh-CN" altLang="en-US" dirty="0"/>
               <a:t>和系统交互。</a:t>
             </a:r>
-            <a:endParaRPr lang="en-US" altLang="zh-CN" sz="1800" dirty="0"/>
+            <a:endParaRPr lang="en-US" altLang="zh-CN" dirty="0"/>
           </a:p>
         </p:txBody>
       </p:sp>
@@ -7889,84 +7889,84 @@
           <a:lstStyle/>
           <a:p>
             <a:r>
-              <a:rPr lang="zh-CN" altLang="en-US" sz="2000" dirty="0"/>
+              <a:rPr lang="zh-CN" altLang="en-US" sz="2400" dirty="0"/>
               <a:t>当前</a:t>
             </a:r>
             <a:r>
-              <a:rPr lang="en-US" altLang="zh-CN" sz="2000" dirty="0"/>
+              <a:rPr lang="en-US" altLang="zh-CN" sz="2400" dirty="0"/>
               <a:t>shell</a:t>
             </a:r>
             <a:r>
-              <a:rPr lang="zh-CN" altLang="en-US" sz="2000" dirty="0"/>
+              <a:rPr lang="zh-CN" altLang="en-US" sz="2400" dirty="0"/>
               <a:t>运行时保存的信息，包括终端类型，当前目录，主目录，语言编码，默认命令搜索路径等信息。</a:t>
             </a:r>
-            <a:endParaRPr lang="en-US" altLang="zh-CN" sz="2000" dirty="0"/>
-          </a:p>
-          <a:p>
-            <a:endParaRPr lang="en-US" altLang="zh-CN" sz="2000" dirty="0"/>
-          </a:p>
-          <a:p>
-            <a:r>
-              <a:rPr lang="zh-CN" altLang="en-US" sz="2000" dirty="0"/>
+            <a:endParaRPr lang="en-US" altLang="zh-CN" sz="2400" dirty="0"/>
+          </a:p>
+          <a:p>
+            <a:endParaRPr lang="en-US" altLang="zh-CN" sz="2400" dirty="0"/>
+          </a:p>
+          <a:p>
+            <a:r>
+              <a:rPr lang="zh-CN" altLang="en-US" sz="2400" dirty="0"/>
               <a:t>运行</a:t>
             </a:r>
             <a:r>
-              <a:rPr lang="en-US" altLang="zh-CN" sz="2000" dirty="0" err="1"/>
+              <a:rPr lang="en-US" altLang="zh-CN" sz="2400" dirty="0" err="1"/>
               <a:t>env</a:t>
             </a:r>
             <a:r>
-              <a:rPr lang="zh-CN" altLang="en-US" sz="2000" dirty="0"/>
+              <a:rPr lang="zh-CN" altLang="en-US" sz="2400" dirty="0"/>
               <a:t>命令可以查看当前环境变量。</a:t>
             </a:r>
-            <a:endParaRPr lang="en-US" altLang="zh-CN" sz="2000" dirty="0"/>
-          </a:p>
-          <a:p>
-            <a:endParaRPr lang="en-US" altLang="zh-CN" sz="2000" dirty="0"/>
-          </a:p>
-          <a:p>
-            <a:r>
-              <a:rPr lang="zh-CN" altLang="en-US" sz="2000" dirty="0"/>
+            <a:endParaRPr lang="en-US" altLang="zh-CN" sz="2400" dirty="0"/>
+          </a:p>
+          <a:p>
+            <a:endParaRPr lang="en-US" altLang="zh-CN" sz="2400" dirty="0"/>
+          </a:p>
+          <a:p>
+            <a:r>
+              <a:rPr lang="zh-CN" altLang="en-US" sz="2400" dirty="0"/>
               <a:t>环境变量是一个名称和值的对应列表。一种是</a:t>
             </a:r>
             <a:r>
-              <a:rPr lang="en-US" altLang="zh-CN" sz="2000" dirty="0"/>
+              <a:rPr lang="en-US" altLang="zh-CN" sz="2400" dirty="0"/>
               <a:t>shell</a:t>
             </a:r>
             <a:r>
-              <a:rPr lang="zh-CN" altLang="en-US" sz="2000" dirty="0"/>
+              <a:rPr lang="zh-CN" altLang="en-US" sz="2400" dirty="0"/>
               <a:t>启动时解析配置文件生成，还有一种临时的环境变量是在</a:t>
             </a:r>
             <a:r>
-              <a:rPr lang="en-US" altLang="zh-CN" sz="2000" dirty="0"/>
+              <a:rPr lang="en-US" altLang="zh-CN" sz="2400" dirty="0"/>
               <a:t>shell</a:t>
             </a:r>
             <a:r>
-              <a:rPr lang="zh-CN" altLang="en-US" sz="2000" dirty="0"/>
+              <a:rPr lang="zh-CN" altLang="en-US" sz="2400" dirty="0"/>
               <a:t>中使用</a:t>
             </a:r>
             <a:r>
-              <a:rPr lang="en-US" altLang="zh-CN" sz="2000" dirty="0"/>
+              <a:rPr lang="en-US" altLang="zh-CN" sz="2400" dirty="0"/>
               <a:t>export</a:t>
             </a:r>
             <a:r>
-              <a:rPr lang="zh-CN" altLang="en-US" sz="2000" dirty="0"/>
+              <a:rPr lang="zh-CN" altLang="en-US" sz="2400" dirty="0"/>
               <a:t>生成。</a:t>
             </a:r>
-            <a:endParaRPr lang="en-US" altLang="zh-CN" sz="2000" dirty="0"/>
-          </a:p>
-          <a:p>
-            <a:endParaRPr lang="en-US" altLang="zh-CN" sz="2000" dirty="0"/>
-          </a:p>
-          <a:p>
-            <a:r>
-              <a:rPr lang="en-US" altLang="zh-CN" sz="2000" dirty="0"/>
+            <a:endParaRPr lang="en-US" altLang="zh-CN" sz="2400" dirty="0"/>
+          </a:p>
+          <a:p>
+            <a:endParaRPr lang="en-US" altLang="zh-CN" sz="2400" dirty="0"/>
+          </a:p>
+          <a:p>
+            <a:r>
+              <a:rPr lang="en-US" altLang="zh-CN" sz="2400" dirty="0"/>
               <a:t>PATH</a:t>
             </a:r>
             <a:r>
-              <a:rPr lang="zh-CN" altLang="en-US" sz="2000" dirty="0"/>
+              <a:rPr lang="zh-CN" altLang="en-US" sz="2400" dirty="0"/>
               <a:t>变量记录了要查找命令的路径顺序。</a:t>
             </a:r>
-            <a:endParaRPr lang="en-US" altLang="zh-CN" sz="2000" dirty="0"/>
+            <a:endParaRPr lang="en-US" altLang="zh-CN" sz="2400" dirty="0"/>
           </a:p>
         </p:txBody>
       </p:sp>
@@ -8046,8 +8046,8 @@
         </p:nvSpPr>
         <p:spPr>
           <a:xfrm>
-            <a:off x="838200" y="1828800"/>
-            <a:ext cx="2505807" cy="360485"/>
+            <a:off x="1184032" y="1683517"/>
+            <a:ext cx="2157045" cy="791308"/>
           </a:xfrm>
           <a:prstGeom prst="rect">
             <a:avLst/>
@@ -8078,7 +8078,7 @@
           <a:p>
             <a:pPr algn="ctr"/>
             <a:r>
-              <a:rPr lang="zh-CN" altLang="en-US" dirty="0">
+              <a:rPr lang="zh-CN" altLang="en-US" sz="2000" dirty="0">
                 <a:solidFill>
                   <a:schemeClr val="tx1">
                     <a:lumMod val="95000"/>
@@ -8102,14 +8102,14 @@
           </p:cNvPr>
           <p:cNvCxnSpPr>
             <a:cxnSpLocks/>
-            <a:stCxn id="7" idx="3"/>
+            <a:endCxn id="11" idx="1"/>
           </p:cNvCxnSpPr>
           <p:nvPr/>
         </p:nvCxnSpPr>
         <p:spPr>
-          <a:xfrm flipV="1">
-            <a:off x="3344007" y="2009042"/>
-            <a:ext cx="700455" cy="1"/>
+          <a:xfrm>
+            <a:off x="3341077" y="2019299"/>
+            <a:ext cx="624254" cy="0"/>
           </a:xfrm>
           <a:prstGeom prst="straightConnector1">
             <a:avLst/>
@@ -8153,8 +8153,8 @@
         </p:nvSpPr>
         <p:spPr>
           <a:xfrm>
-            <a:off x="4044462" y="1839058"/>
-            <a:ext cx="3121270" cy="360482"/>
+            <a:off x="3965331" y="1839058"/>
+            <a:ext cx="3288323" cy="360482"/>
           </a:xfrm>
           <a:prstGeom prst="rect">
             <a:avLst/>
@@ -8185,7 +8185,7 @@
           <a:p>
             <a:pPr algn="ctr"/>
             <a:r>
-              <a:rPr lang="zh-CN" altLang="en-US" dirty="0">
+              <a:rPr lang="zh-CN" altLang="en-US" sz="2000" dirty="0">
                 <a:solidFill>
                   <a:schemeClr val="tx1">
                     <a:lumMod val="95000"/>
@@ -8209,13 +8209,14 @@
           </p:cNvPr>
           <p:cNvCxnSpPr>
             <a:cxnSpLocks/>
+            <a:stCxn id="11" idx="3"/>
           </p:cNvCxnSpPr>
           <p:nvPr/>
         </p:nvCxnSpPr>
         <p:spPr>
-          <a:xfrm flipV="1">
-            <a:off x="7165732" y="2026627"/>
-            <a:ext cx="712176" cy="1"/>
+          <a:xfrm>
+            <a:off x="7253654" y="2019299"/>
+            <a:ext cx="624254" cy="7329"/>
           </a:xfrm>
           <a:prstGeom prst="straightConnector1">
             <a:avLst/>
@@ -8260,7 +8261,7 @@
         <p:spPr>
           <a:xfrm>
             <a:off x="7877908" y="1641234"/>
-            <a:ext cx="3121270" cy="1116611"/>
+            <a:ext cx="3411416" cy="1116611"/>
           </a:xfrm>
           <a:prstGeom prst="rect">
             <a:avLst/>
@@ -8291,7 +8292,7 @@
           <a:p>
             <a:pPr algn="ctr"/>
             <a:r>
-              <a:rPr lang="zh-CN" altLang="en-US" dirty="0">
+              <a:rPr lang="zh-CN" altLang="en-US" sz="2000" dirty="0">
                 <a:solidFill>
                   <a:schemeClr val="tx1">
                     <a:lumMod val="95000"/>
@@ -8302,7 +8303,7 @@
               <a:t>根据输入的命令名称从</a:t>
             </a:r>
             <a:r>
-              <a:rPr lang="en-US" altLang="zh-CN" dirty="0">
+              <a:rPr lang="en-US" altLang="zh-CN" sz="2000" dirty="0">
                 <a:solidFill>
                   <a:schemeClr val="tx1">
                     <a:lumMod val="95000"/>
@@ -8313,7 +8314,7 @@
               <a:t>PATH</a:t>
             </a:r>
             <a:r>
-              <a:rPr lang="zh-CN" altLang="en-US" dirty="0">
+              <a:rPr lang="zh-CN" altLang="en-US" sz="2000" dirty="0">
                 <a:solidFill>
                   <a:schemeClr val="tx1">
                     <a:lumMod val="95000"/>
@@ -8479,7 +8480,7 @@
         <p:spPr>
           <a:xfrm>
             <a:off x="10078917" y="3002541"/>
-            <a:ext cx="920262" cy="360482"/>
+            <a:ext cx="1016971" cy="360482"/>
           </a:xfrm>
           <a:prstGeom prst="rect">
             <a:avLst/>
@@ -8515,7 +8516,7 @@
           <a:p>
             <a:pPr algn="ctr"/>
             <a:r>
-              <a:rPr lang="zh-CN" altLang="en-US" dirty="0">
+              <a:rPr lang="zh-CN" altLang="en-US" sz="2000" dirty="0">
                 <a:solidFill>
                   <a:schemeClr val="tx1">
                     <a:lumMod val="95000"/>
@@ -8543,7 +8544,7 @@
         <p:spPr>
           <a:xfrm>
             <a:off x="9068537" y="3732314"/>
-            <a:ext cx="2020759" cy="631534"/>
+            <a:ext cx="2285262" cy="631534"/>
           </a:xfrm>
           <a:prstGeom prst="rect">
             <a:avLst/>
@@ -8574,7 +8575,7 @@
           <a:p>
             <a:pPr algn="ctr"/>
             <a:r>
-              <a:rPr lang="zh-CN" altLang="en-US" dirty="0">
+              <a:rPr lang="zh-CN" altLang="en-US" sz="2000" dirty="0">
                 <a:solidFill>
                   <a:schemeClr val="tx1">
                     <a:lumMod val="95000"/>
@@ -8601,8 +8602,8 @@
         </p:nvSpPr>
         <p:spPr>
           <a:xfrm>
-            <a:off x="7455875" y="3068518"/>
-            <a:ext cx="1166447" cy="360482"/>
+            <a:off x="7411919" y="3068518"/>
+            <a:ext cx="1210404" cy="360482"/>
           </a:xfrm>
           <a:prstGeom prst="rect">
             <a:avLst/>
@@ -8638,7 +8639,7 @@
           <a:p>
             <a:pPr algn="ctr"/>
             <a:r>
-              <a:rPr lang="zh-CN" altLang="en-US" dirty="0">
+              <a:rPr lang="zh-CN" altLang="en-US" sz="2000" dirty="0">
                 <a:solidFill>
                   <a:schemeClr val="tx1">
                     <a:lumMod val="95000"/>
@@ -8697,7 +8698,7 @@
           <a:p>
             <a:pPr algn="ctr"/>
             <a:r>
-              <a:rPr lang="zh-CN" altLang="en-US" dirty="0">
+              <a:rPr lang="zh-CN" altLang="en-US" sz="2000" dirty="0">
                 <a:solidFill>
                   <a:schemeClr val="tx1">
                     <a:lumMod val="95000"/>
@@ -8790,180 +8791,183 @@
         </p:nvSpPr>
         <p:spPr/>
         <p:txBody>
-          <a:bodyPr/>
-          <a:lstStyle/>
-          <a:p>
-            <a:r>
-              <a:rPr lang="zh-CN" altLang="en-US" sz="2000" dirty="0"/>
+          <a:bodyPr>
+            <a:normAutofit/>
+          </a:bodyPr>
+          <a:lstStyle/>
+          <a:p>
+            <a:r>
+              <a:rPr lang="zh-CN" altLang="en-US" sz="2400" dirty="0"/>
               <a:t>输入一条命令并确认后，实际</a:t>
             </a:r>
             <a:r>
-              <a:rPr lang="en-US" altLang="zh-CN" sz="2000" dirty="0"/>
+              <a:rPr lang="en-US" altLang="zh-CN" sz="2400" dirty="0"/>
               <a:t>shell</a:t>
             </a:r>
             <a:r>
-              <a:rPr lang="zh-CN" altLang="en-US" sz="2000" dirty="0"/>
+              <a:rPr lang="zh-CN" altLang="en-US" sz="2400" dirty="0"/>
               <a:t>获取的是一行字符串，</a:t>
             </a:r>
             <a:r>
-              <a:rPr lang="en-US" altLang="zh-CN" sz="2000" dirty="0"/>
+              <a:rPr lang="en-US" altLang="zh-CN" sz="2400" dirty="0"/>
               <a:t>shell</a:t>
             </a:r>
             <a:r>
-              <a:rPr lang="zh-CN" altLang="en-US" sz="2000" dirty="0"/>
+              <a:rPr lang="zh-CN" altLang="en-US" sz="2400" dirty="0"/>
               <a:t>要对字符串进行解析，并确定命令名称，参数等信息。</a:t>
             </a:r>
             <a:r>
-              <a:rPr lang="en-US" altLang="zh-CN" sz="2000" dirty="0"/>
+              <a:rPr lang="en-US" altLang="zh-CN" sz="2400" dirty="0"/>
               <a:t>shell</a:t>
             </a:r>
             <a:r>
-              <a:rPr lang="zh-CN" altLang="en-US" sz="2000" dirty="0"/>
-              <a:t>支持从文件读取文本逐条解释执行。</a:t>
-            </a:r>
-            <a:endParaRPr lang="en-US" altLang="zh-CN" sz="2000" dirty="0"/>
-          </a:p>
-          <a:p>
-            <a:endParaRPr lang="en-US" altLang="zh-CN" sz="2000" dirty="0"/>
-          </a:p>
-          <a:p>
-            <a:r>
-              <a:rPr lang="zh-CN" altLang="en-US" sz="2000" dirty="0"/>
+              <a:rPr lang="zh-CN" altLang="en-US" sz="2400" dirty="0"/>
+              <a:t>支持从文件读取文本逐条解释</a:t>
+            </a:r>
+            <a:r>
+              <a:rPr lang="zh-CN" altLang="en-US" sz="2400"/>
+              <a:t>执行。</a:t>
+            </a:r>
+            <a:endParaRPr lang="en-US" altLang="zh-CN" sz="2400" dirty="0"/>
+          </a:p>
+          <a:p>
+            <a:r>
+              <a:rPr lang="zh-CN" altLang="en-US" sz="2400" dirty="0"/>
               <a:t>然后，</a:t>
             </a:r>
             <a:r>
-              <a:rPr lang="en-US" altLang="zh-CN" sz="2000" dirty="0"/>
+              <a:rPr lang="en-US" altLang="zh-CN" sz="2400" dirty="0"/>
               <a:t>shell</a:t>
             </a:r>
             <a:r>
-              <a:rPr lang="zh-CN" altLang="en-US" sz="2000" dirty="0"/>
+              <a:rPr lang="zh-CN" altLang="en-US" sz="2400" dirty="0"/>
               <a:t>要根据配置文件的搜索路径，从每个路径寻找命令，没有找到则提示错误信息，找到就调用</a:t>
             </a:r>
             <a:r>
-              <a:rPr lang="en-US" altLang="zh-CN" sz="2000" dirty="0"/>
+              <a:rPr lang="en-US" altLang="zh-CN" sz="2400" dirty="0"/>
               <a:t>Linux</a:t>
             </a:r>
             <a:r>
-              <a:rPr lang="zh-CN" altLang="en-US" sz="2000" dirty="0"/>
+              <a:rPr lang="zh-CN" altLang="en-US" sz="2400" dirty="0"/>
               <a:t>提供的系统调用运行命令。</a:t>
             </a:r>
-            <a:endParaRPr lang="en-US" altLang="zh-CN" sz="2000" dirty="0"/>
-          </a:p>
-          <a:p>
-            <a:endParaRPr lang="en-US" altLang="zh-CN" sz="2000" dirty="0"/>
-          </a:p>
-          <a:p>
-            <a:r>
-              <a:rPr lang="zh-CN" altLang="en-US" sz="2000" dirty="0"/>
+            <a:endParaRPr lang="en-US" altLang="zh-CN" sz="2400" dirty="0"/>
+          </a:p>
+          <a:p>
+            <a:endParaRPr lang="en-US" altLang="zh-CN" sz="2400" dirty="0"/>
+          </a:p>
+          <a:p>
+            <a:r>
+              <a:rPr lang="zh-CN" altLang="en-US" sz="2400" dirty="0"/>
               <a:t>比如：输入 </a:t>
             </a:r>
             <a:r>
-              <a:rPr lang="en-US" altLang="zh-CN" sz="2000" dirty="0"/>
+              <a:rPr lang="en-US" altLang="zh-CN" sz="2400" dirty="0"/>
               <a:t>ls  -l,  shell</a:t>
             </a:r>
             <a:r>
-              <a:rPr lang="zh-CN" altLang="en-US" sz="2000" dirty="0"/>
+              <a:rPr lang="zh-CN" altLang="en-US" sz="2400" dirty="0"/>
               <a:t>要解析成‘</a:t>
             </a:r>
             <a:r>
-              <a:rPr lang="en-US" altLang="zh-CN" sz="2000" dirty="0"/>
+              <a:rPr lang="en-US" altLang="zh-CN" sz="2400" dirty="0"/>
               <a:t>ls</a:t>
             </a:r>
             <a:r>
-              <a:rPr lang="zh-CN" altLang="en-US" sz="2000" dirty="0"/>
+              <a:rPr lang="zh-CN" altLang="en-US" sz="2400" dirty="0"/>
               <a:t>’ </a:t>
             </a:r>
             <a:r>
-              <a:rPr lang="en-US" altLang="zh-CN" sz="2000" dirty="0"/>
+              <a:rPr lang="en-US" altLang="zh-CN" sz="2400" dirty="0"/>
               <a:t>, ‘-l’ </a:t>
             </a:r>
             <a:r>
-              <a:rPr lang="zh-CN" altLang="en-US" sz="2000" dirty="0"/>
+              <a:rPr lang="zh-CN" altLang="en-US" sz="2400" dirty="0"/>
               <a:t>，</a:t>
             </a:r>
             <a:r>
-              <a:rPr lang="en-US" altLang="zh-CN" sz="2000" dirty="0"/>
+              <a:rPr lang="en-US" altLang="zh-CN" sz="2400" dirty="0"/>
               <a:t>’ls’</a:t>
             </a:r>
             <a:r>
-              <a:rPr lang="zh-CN" altLang="en-US" sz="2000" dirty="0"/>
+              <a:rPr lang="zh-CN" altLang="en-US" sz="2400" dirty="0"/>
               <a:t>就是命令名称，并在</a:t>
             </a:r>
             <a:r>
-              <a:rPr lang="en-US" altLang="zh-CN" sz="2000" dirty="0"/>
+              <a:rPr lang="en-US" altLang="zh-CN" sz="2400" dirty="0"/>
               <a:t>PATH</a:t>
             </a:r>
             <a:r>
-              <a:rPr lang="zh-CN" altLang="en-US" sz="2000" dirty="0"/>
+              <a:rPr lang="zh-CN" altLang="en-US" sz="2400" dirty="0"/>
               <a:t>设置的路径中寻找，找到</a:t>
             </a:r>
             <a:r>
-              <a:rPr lang="en-US" altLang="zh-CN" sz="2000" dirty="0"/>
+              <a:rPr lang="en-US" altLang="zh-CN" sz="2400" dirty="0"/>
               <a:t>/bin/ls</a:t>
             </a:r>
             <a:r>
-              <a:rPr lang="zh-CN" altLang="en-US" sz="2000" dirty="0"/>
+              <a:rPr lang="zh-CN" altLang="en-US" sz="2400" dirty="0"/>
               <a:t>这个命令，</a:t>
             </a:r>
             <a:r>
-              <a:rPr lang="en-US" altLang="zh-CN" sz="2000" dirty="0"/>
+              <a:rPr lang="en-US" altLang="zh-CN" sz="2400" dirty="0"/>
               <a:t>fork</a:t>
             </a:r>
             <a:r>
-              <a:rPr lang="zh-CN" altLang="en-US" sz="2000" dirty="0"/>
+              <a:rPr lang="zh-CN" altLang="en-US" sz="2400" dirty="0"/>
               <a:t>一个子进程调用</a:t>
             </a:r>
             <a:r>
-              <a:rPr lang="en-US" altLang="zh-CN" sz="2000" dirty="0" err="1"/>
+              <a:rPr lang="en-US" altLang="zh-CN" sz="2400" dirty="0" err="1"/>
               <a:t>execv</a:t>
             </a:r>
             <a:r>
-              <a:rPr lang="zh-CN" altLang="en-US" sz="2000" dirty="0"/>
+              <a:rPr lang="zh-CN" altLang="en-US" sz="2400" dirty="0"/>
               <a:t>等系统调用传递参数运行命令。并等待结束。</a:t>
             </a:r>
-            <a:endParaRPr lang="en-US" altLang="zh-CN" sz="2000" dirty="0"/>
-          </a:p>
-          <a:p>
-            <a:endParaRPr lang="en-US" altLang="zh-CN" sz="2000" dirty="0"/>
-          </a:p>
-          <a:p>
-            <a:r>
-              <a:rPr lang="zh-CN" altLang="en-US" sz="2000" dirty="0"/>
+            <a:endParaRPr lang="en-US" altLang="zh-CN" sz="2400" dirty="0"/>
+          </a:p>
+          <a:p>
+            <a:endParaRPr lang="en-US" altLang="zh-CN" sz="2400" dirty="0"/>
+          </a:p>
+          <a:p>
+            <a:r>
+              <a:rPr lang="zh-CN" altLang="en-US" sz="2400" dirty="0"/>
               <a:t>注意：真正运行命令的不是</a:t>
             </a:r>
             <a:r>
-              <a:rPr lang="en-US" altLang="zh-CN" sz="2000" dirty="0"/>
+              <a:rPr lang="en-US" altLang="zh-CN" sz="2400" dirty="0"/>
               <a:t>shell</a:t>
             </a:r>
             <a:r>
-              <a:rPr lang="zh-CN" altLang="en-US" sz="2000" dirty="0"/>
+              <a:rPr lang="zh-CN" altLang="en-US" sz="2400" dirty="0"/>
               <a:t>，而是内核，</a:t>
             </a:r>
             <a:r>
-              <a:rPr lang="en-US" altLang="zh-CN" sz="2000" dirty="0"/>
+              <a:rPr lang="en-US" altLang="zh-CN" sz="2400" dirty="0"/>
               <a:t>shell</a:t>
             </a:r>
             <a:r>
-              <a:rPr lang="zh-CN" altLang="en-US" sz="2000" dirty="0"/>
+              <a:rPr lang="zh-CN" altLang="en-US" sz="2400" dirty="0"/>
               <a:t>去调用内核提供的接口，</a:t>
             </a:r>
             <a:r>
-              <a:rPr lang="en-US" altLang="zh-CN" sz="2000" dirty="0"/>
+              <a:rPr lang="en-US" altLang="zh-CN" sz="2400" dirty="0"/>
               <a:t>shell</a:t>
             </a:r>
             <a:r>
-              <a:rPr lang="zh-CN" altLang="en-US" sz="2000" dirty="0"/>
+              <a:rPr lang="zh-CN" altLang="en-US" sz="2400" dirty="0"/>
               <a:t>是调用</a:t>
             </a:r>
             <a:r>
-              <a:rPr lang="en-US" altLang="zh-CN" sz="2000" dirty="0"/>
+              <a:rPr lang="en-US" altLang="zh-CN" sz="2400" dirty="0"/>
               <a:t>fork</a:t>
             </a:r>
             <a:r>
-              <a:rPr lang="zh-CN" altLang="en-US" sz="2000" dirty="0"/>
+              <a:rPr lang="zh-CN" altLang="en-US" sz="2400" dirty="0"/>
               <a:t>创建子进程去运行命令。</a:t>
             </a:r>
-            <a:endParaRPr lang="en-US" altLang="zh-CN" sz="2000" dirty="0"/>
+            <a:endParaRPr lang="en-US" altLang="zh-CN" sz="2400" dirty="0"/>
           </a:p>
           <a:p>
             <a:endParaRPr lang="en-US" altLang="zh-CN" sz="2400" dirty="0"/>
@@ -9057,104 +9061,104 @@
           <a:lstStyle/>
           <a:p>
             <a:r>
-              <a:rPr lang="en-US" altLang="zh-CN" sz="2000" dirty="0"/>
+              <a:rPr lang="en-US" altLang="zh-CN" sz="2400" dirty="0"/>
               <a:t>shell</a:t>
             </a:r>
             <a:r>
-              <a:rPr lang="zh-CN" altLang="en-US" sz="2000" dirty="0"/>
+              <a:rPr lang="zh-CN" altLang="en-US" sz="2400" dirty="0"/>
               <a:t>支持通配符，使用*表示匹配任意长度的字符，</a:t>
             </a:r>
             <a:r>
-              <a:rPr lang="en-US" altLang="zh-CN" sz="2000" dirty="0"/>
+              <a:rPr lang="en-US" altLang="zh-CN" sz="2400" dirty="0"/>
               <a:t>?</a:t>
             </a:r>
             <a:r>
-              <a:rPr lang="zh-CN" altLang="en-US" sz="2000" dirty="0"/>
+              <a:rPr lang="zh-CN" altLang="en-US" sz="2400" dirty="0"/>
               <a:t>匹配任意一个字符。</a:t>
             </a:r>
-            <a:endParaRPr lang="en-US" altLang="zh-CN" sz="2000" dirty="0"/>
-          </a:p>
-          <a:p>
-            <a:endParaRPr lang="en-US" altLang="zh-CN" sz="2000" dirty="0"/>
-          </a:p>
-          <a:p>
-            <a:r>
-              <a:rPr lang="en-US" altLang="zh-CN" sz="2000" dirty="0"/>
+            <a:endParaRPr lang="en-US" altLang="zh-CN" sz="2400" dirty="0"/>
+          </a:p>
+          <a:p>
+            <a:endParaRPr lang="en-US" altLang="zh-CN" sz="2400" dirty="0"/>
+          </a:p>
+          <a:p>
+            <a:r>
+              <a:rPr lang="en-US" altLang="zh-CN" sz="2400" dirty="0"/>
               <a:t>shell</a:t>
             </a:r>
             <a:r>
-              <a:rPr lang="zh-CN" altLang="en-US" sz="2000" dirty="0"/>
+              <a:rPr lang="zh-CN" altLang="en-US" sz="2400" dirty="0"/>
               <a:t>在遇到通配符会进行扩展，比如输入</a:t>
             </a:r>
             <a:r>
-              <a:rPr lang="en-US" altLang="zh-CN" sz="2000" dirty="0"/>
+              <a:rPr lang="en-US" altLang="zh-CN" sz="2400" dirty="0"/>
               <a:t>ls  ./a*</a:t>
             </a:r>
             <a:r>
-              <a:rPr lang="zh-CN" altLang="en-US" sz="2000" dirty="0"/>
+              <a:rPr lang="zh-CN" altLang="en-US" sz="2400" dirty="0"/>
               <a:t>，会匹配</a:t>
             </a:r>
             <a:r>
-              <a:rPr lang="en-US" altLang="zh-CN" sz="2000" dirty="0"/>
+              <a:rPr lang="en-US" altLang="zh-CN" sz="2400" dirty="0"/>
               <a:t>a</a:t>
             </a:r>
             <a:r>
-              <a:rPr lang="zh-CN" altLang="en-US" sz="2000" dirty="0"/>
+              <a:rPr lang="zh-CN" altLang="en-US" sz="2400" dirty="0"/>
               <a:t>开头的所有文件并显示，如果存在</a:t>
             </a:r>
             <a:r>
-              <a:rPr lang="en-US" altLang="zh-CN" sz="2000" dirty="0"/>
+              <a:rPr lang="en-US" altLang="zh-CN" sz="2400" dirty="0"/>
               <a:t>ab.txt</a:t>
             </a:r>
             <a:r>
-              <a:rPr lang="zh-CN" altLang="en-US" sz="2000" dirty="0"/>
+              <a:rPr lang="zh-CN" altLang="en-US" sz="2400" dirty="0"/>
               <a:t>，</a:t>
             </a:r>
             <a:r>
-              <a:rPr lang="en-US" altLang="zh-CN" sz="2000" dirty="0"/>
+              <a:rPr lang="en-US" altLang="zh-CN" sz="2400" dirty="0"/>
               <a:t>ac.txt</a:t>
             </a:r>
             <a:r>
-              <a:rPr lang="zh-CN" altLang="en-US" sz="2000" dirty="0"/>
+              <a:rPr lang="zh-CN" altLang="en-US" sz="2400" dirty="0"/>
               <a:t>，则会扩展成</a:t>
             </a:r>
             <a:r>
-              <a:rPr lang="en-US" altLang="zh-CN" sz="2000" dirty="0"/>
+              <a:rPr lang="en-US" altLang="zh-CN" sz="2400" dirty="0"/>
               <a:t>ls  ./ab.txt  ./ac.txt</a:t>
             </a:r>
             <a:r>
-              <a:rPr lang="zh-CN" altLang="en-US" sz="2000" dirty="0"/>
+              <a:rPr lang="zh-CN" altLang="en-US" sz="2400" dirty="0"/>
               <a:t>。</a:t>
             </a:r>
-            <a:endParaRPr lang="en-US" altLang="zh-CN" sz="2000" dirty="0"/>
-          </a:p>
-          <a:p>
-            <a:endParaRPr lang="en-US" altLang="zh-CN" sz="2000" dirty="0"/>
-          </a:p>
-          <a:p>
-            <a:r>
-              <a:rPr lang="zh-CN" altLang="en-US" sz="2000" dirty="0"/>
+            <a:endParaRPr lang="en-US" altLang="zh-CN" sz="2400" dirty="0"/>
+          </a:p>
+          <a:p>
+            <a:endParaRPr lang="en-US" altLang="zh-CN" sz="2400" dirty="0"/>
+          </a:p>
+          <a:p>
+            <a:r>
+              <a:rPr lang="zh-CN" altLang="en-US" sz="2400" dirty="0"/>
               <a:t>注意：扩展通配符的是</a:t>
             </a:r>
             <a:r>
-              <a:rPr lang="en-US" altLang="zh-CN" sz="2000" dirty="0"/>
+              <a:rPr lang="en-US" altLang="zh-CN" sz="2400" dirty="0"/>
               <a:t>shell</a:t>
             </a:r>
             <a:r>
-              <a:rPr lang="zh-CN" altLang="en-US" sz="2000" dirty="0"/>
+              <a:rPr lang="zh-CN" altLang="en-US" sz="2400" dirty="0"/>
               <a:t>，不是命令自身，如果是命令本身实现的，那就每个命令都要实现。</a:t>
             </a:r>
-            <a:endParaRPr lang="en-US" altLang="zh-CN" sz="2000" dirty="0"/>
-          </a:p>
-          <a:p>
-            <a:endParaRPr lang="en-US" altLang="zh-CN" sz="2000" dirty="0"/>
-          </a:p>
-          <a:p>
-            <a:r>
-              <a:rPr lang="zh-CN" altLang="en-US" sz="2000" dirty="0"/>
+            <a:endParaRPr lang="en-US" altLang="zh-CN" sz="2400" dirty="0"/>
+          </a:p>
+          <a:p>
+            <a:endParaRPr lang="en-US" altLang="zh-CN" sz="2400" dirty="0"/>
+          </a:p>
+          <a:p>
+            <a:r>
+              <a:rPr lang="zh-CN" altLang="en-US" sz="2400" dirty="0"/>
               <a:t>通配符在使用时会带来很多便利，但是有些特殊情况也要注意。</a:t>
             </a:r>
-            <a:endParaRPr lang="en-US" altLang="zh-CN" sz="2000" dirty="0"/>
+            <a:endParaRPr lang="en-US" altLang="zh-CN" sz="2400" dirty="0"/>
           </a:p>
           <a:p>
             <a:endParaRPr lang="en-US" altLang="zh-CN" sz="2000" dirty="0"/>
@@ -9243,92 +9247,92 @@
           <a:lstStyle/>
           <a:p>
             <a:r>
-              <a:rPr lang="zh-CN" altLang="en-US" sz="2000" dirty="0"/>
+              <a:rPr lang="zh-CN" altLang="en-US" sz="2400" dirty="0"/>
               <a:t>如果在当前目录存在一个</a:t>
             </a:r>
             <a:r>
-              <a:rPr lang="en-US" altLang="zh-CN" sz="2000" dirty="0"/>
+              <a:rPr lang="en-US" altLang="zh-CN" sz="2400" dirty="0"/>
               <a:t>-l</a:t>
             </a:r>
             <a:r>
-              <a:rPr lang="zh-CN" altLang="en-US" sz="2000" dirty="0"/>
+              <a:rPr lang="zh-CN" altLang="en-US" sz="2400" dirty="0"/>
               <a:t>文件，这时候</a:t>
             </a:r>
             <a:r>
-              <a:rPr lang="en-US" altLang="zh-CN" sz="2000" dirty="0"/>
+              <a:rPr lang="en-US" altLang="zh-CN" sz="2400" dirty="0"/>
               <a:t>ls  * </a:t>
             </a:r>
             <a:r>
-              <a:rPr lang="zh-CN" altLang="en-US" sz="2000" dirty="0"/>
+              <a:rPr lang="zh-CN" altLang="en-US" sz="2400" dirty="0"/>
               <a:t>显示格式是加入了</a:t>
             </a:r>
             <a:r>
-              <a:rPr lang="en-US" altLang="zh-CN" sz="2000" dirty="0"/>
+              <a:rPr lang="en-US" altLang="zh-CN" sz="2400" dirty="0"/>
               <a:t>-l</a:t>
             </a:r>
             <a:r>
-              <a:rPr lang="zh-CN" altLang="en-US" sz="2000" dirty="0"/>
+              <a:rPr lang="zh-CN" altLang="en-US" sz="2400" dirty="0"/>
               <a:t>参数的形式，但是没有</a:t>
             </a:r>
             <a:r>
-              <a:rPr lang="en-US" altLang="zh-CN" sz="2000" dirty="0"/>
+              <a:rPr lang="en-US" altLang="zh-CN" sz="2400" dirty="0"/>
               <a:t>-l</a:t>
             </a:r>
             <a:r>
-              <a:rPr lang="zh-CN" altLang="en-US" sz="2000" dirty="0"/>
+              <a:rPr lang="zh-CN" altLang="en-US" sz="2400" dirty="0"/>
               <a:t>文件，原因就在于</a:t>
             </a:r>
             <a:r>
-              <a:rPr lang="en-US" altLang="zh-CN" sz="2000" dirty="0"/>
+              <a:rPr lang="en-US" altLang="zh-CN" sz="2400" dirty="0"/>
               <a:t>shell</a:t>
             </a:r>
             <a:r>
-              <a:rPr lang="zh-CN" altLang="en-US" sz="2000" dirty="0"/>
+              <a:rPr lang="zh-CN" altLang="en-US" sz="2400" dirty="0"/>
               <a:t>扩展通配符以后，</a:t>
             </a:r>
             <a:r>
-              <a:rPr lang="en-US" altLang="zh-CN" sz="2000" dirty="0"/>
+              <a:rPr lang="en-US" altLang="zh-CN" sz="2400" dirty="0"/>
               <a:t>-l</a:t>
             </a:r>
             <a:r>
-              <a:rPr lang="zh-CN" altLang="en-US" sz="2000" dirty="0"/>
+              <a:rPr lang="zh-CN" altLang="en-US" sz="2400" dirty="0"/>
               <a:t>会被作为</a:t>
             </a:r>
             <a:r>
-              <a:rPr lang="en-US" altLang="zh-CN" sz="2000" dirty="0"/>
+              <a:rPr lang="en-US" altLang="zh-CN" sz="2400" dirty="0"/>
               <a:t>ls</a:t>
             </a:r>
             <a:r>
-              <a:rPr lang="zh-CN" altLang="en-US" sz="2000" dirty="0"/>
+              <a:rPr lang="zh-CN" altLang="en-US" sz="2400" dirty="0"/>
               <a:t>的参数，而不是文件名。</a:t>
             </a:r>
-            <a:endParaRPr lang="en-US" altLang="zh-CN" sz="2000" dirty="0"/>
-          </a:p>
-          <a:p>
-            <a:endParaRPr lang="en-US" altLang="zh-CN" sz="2000" dirty="0"/>
-          </a:p>
-          <a:p>
-            <a:r>
-              <a:rPr lang="zh-CN" altLang="en-US" sz="2000" dirty="0"/>
+            <a:endParaRPr lang="en-US" altLang="zh-CN" sz="2400" dirty="0"/>
+          </a:p>
+          <a:p>
+            <a:endParaRPr lang="en-US" altLang="zh-CN" sz="2400" dirty="0"/>
+          </a:p>
+          <a:p>
+            <a:r>
+              <a:rPr lang="zh-CN" altLang="en-US" sz="2400" dirty="0"/>
               <a:t>但是</a:t>
             </a:r>
             <a:r>
-              <a:rPr lang="en-US" altLang="zh-CN" sz="2000" dirty="0"/>
+              <a:rPr lang="en-US" altLang="zh-CN" sz="2400" dirty="0"/>
               <a:t>ls   ./* </a:t>
             </a:r>
             <a:r>
-              <a:rPr lang="zh-CN" altLang="en-US" sz="2000" dirty="0"/>
+              <a:rPr lang="zh-CN" altLang="en-US" sz="2400" dirty="0"/>
               <a:t>则不会有问题，因为</a:t>
             </a:r>
             <a:r>
-              <a:rPr lang="en-US" altLang="zh-CN" sz="2000" dirty="0"/>
+              <a:rPr lang="en-US" altLang="zh-CN" sz="2400" dirty="0"/>
               <a:t>./-l</a:t>
             </a:r>
             <a:r>
-              <a:rPr lang="zh-CN" altLang="en-US" sz="2000" dirty="0"/>
+              <a:rPr lang="zh-CN" altLang="en-US" sz="2400" dirty="0"/>
               <a:t>不会被认为是参数。</a:t>
             </a:r>
-            <a:endParaRPr lang="en-US" altLang="zh-CN" sz="2000" dirty="0"/>
+            <a:endParaRPr lang="en-US" altLang="zh-CN" sz="2400" dirty="0"/>
           </a:p>
         </p:txBody>
       </p:sp>
@@ -9415,97 +9419,97 @@
           <a:lstStyle/>
           <a:p>
             <a:r>
-              <a:rPr lang="zh-CN" altLang="en-US" sz="2000" dirty="0"/>
+              <a:rPr lang="zh-CN" altLang="en-US" sz="2400" dirty="0"/>
               <a:t>其他常用替换：</a:t>
             </a:r>
             <a:r>
-              <a:rPr lang="en-US" altLang="zh-CN" sz="2000" dirty="0"/>
+              <a:rPr lang="en-US" altLang="zh-CN" sz="2400" dirty="0"/>
               <a:t>bash</a:t>
             </a:r>
             <a:r>
-              <a:rPr lang="zh-CN" altLang="en-US" sz="2000" dirty="0"/>
+              <a:rPr lang="zh-CN" altLang="en-US" sz="2400" dirty="0"/>
               <a:t>中，</a:t>
             </a:r>
             <a:r>
-              <a:rPr lang="en-US" altLang="zh-CN" sz="2000" dirty="0"/>
+              <a:rPr lang="en-US" altLang="zh-CN" sz="2400" dirty="0"/>
               <a:t>~</a:t>
             </a:r>
             <a:r>
-              <a:rPr lang="zh-CN" altLang="en-US" sz="2000" dirty="0"/>
+              <a:rPr lang="zh-CN" altLang="en-US" sz="2400" dirty="0"/>
               <a:t>表示用户主目录。</a:t>
             </a:r>
             <a:r>
-              <a:rPr lang="en-US" altLang="zh-CN" sz="2000" dirty="0"/>
+              <a:rPr lang="en-US" altLang="zh-CN" sz="2400" dirty="0"/>
               <a:t>echo ~</a:t>
             </a:r>
             <a:r>
-              <a:rPr lang="zh-CN" altLang="en-US" sz="2000" dirty="0"/>
+              <a:rPr lang="zh-CN" altLang="en-US" sz="2400" dirty="0"/>
               <a:t>输出的是用户主目录。</a:t>
             </a:r>
-            <a:endParaRPr lang="en-US" altLang="zh-CN" sz="2000" dirty="0"/>
-          </a:p>
-          <a:p>
-            <a:endParaRPr lang="en-US" altLang="zh-CN" sz="2000" dirty="0"/>
-          </a:p>
-          <a:p>
-            <a:r>
-              <a:rPr lang="en-US" altLang="zh-CN" sz="2000" dirty="0"/>
+            <a:endParaRPr lang="en-US" altLang="zh-CN" sz="2400" dirty="0"/>
+          </a:p>
+          <a:p>
+            <a:endParaRPr lang="en-US" altLang="zh-CN" sz="2400" dirty="0"/>
+          </a:p>
+          <a:p>
+            <a:r>
+              <a:rPr lang="en-US" altLang="zh-CN" sz="2400" dirty="0"/>
               <a:t>.</a:t>
             </a:r>
             <a:r>
-              <a:rPr lang="en-US" altLang="zh-CN" sz="2000" dirty="0" err="1"/>
+              <a:rPr lang="en-US" altLang="zh-CN" sz="2400" dirty="0" err="1"/>
               <a:t>bashrc</a:t>
             </a:r>
             <a:r>
-              <a:rPr lang="zh-CN" altLang="en-US" sz="2000" dirty="0"/>
+              <a:rPr lang="zh-CN" altLang="en-US" sz="2400" dirty="0"/>
               <a:t>中通过</a:t>
             </a:r>
             <a:r>
-              <a:rPr lang="en-US" altLang="zh-CN" sz="2000" dirty="0"/>
+              <a:rPr lang="en-US" altLang="zh-CN" sz="2400" dirty="0"/>
               <a:t>alias</a:t>
             </a:r>
             <a:r>
-              <a:rPr lang="zh-CN" altLang="en-US" sz="2000" dirty="0"/>
+              <a:rPr lang="zh-CN" altLang="en-US" sz="2400" dirty="0"/>
               <a:t>可以为命令取别名：</a:t>
             </a:r>
             <a:r>
-              <a:rPr lang="en-US" altLang="zh-CN" sz="2000" dirty="0"/>
+              <a:rPr lang="en-US" altLang="zh-CN" sz="2400" dirty="0"/>
               <a:t>alias  c=‘clear’</a:t>
             </a:r>
           </a:p>
           <a:p>
-            <a:endParaRPr lang="en-US" altLang="zh-CN" sz="2000" dirty="0"/>
-          </a:p>
-          <a:p>
-            <a:r>
-              <a:rPr lang="zh-CN" altLang="en-US" sz="2000" dirty="0"/>
+            <a:endParaRPr lang="en-US" altLang="zh-CN" sz="2400" dirty="0"/>
+          </a:p>
+          <a:p>
+            <a:r>
+              <a:rPr lang="zh-CN" altLang="en-US" sz="2400" dirty="0"/>
               <a:t>这样</a:t>
             </a:r>
             <a:r>
-              <a:rPr lang="en-US" altLang="zh-CN" sz="2000" dirty="0"/>
+              <a:rPr lang="en-US" altLang="zh-CN" sz="2400" dirty="0"/>
               <a:t>bash</a:t>
             </a:r>
             <a:r>
-              <a:rPr lang="zh-CN" altLang="en-US" sz="2000" dirty="0"/>
+              <a:rPr lang="zh-CN" altLang="en-US" sz="2400" dirty="0"/>
               <a:t>运行后输入</a:t>
             </a:r>
             <a:r>
-              <a:rPr lang="en-US" altLang="zh-CN" sz="2000" dirty="0"/>
+              <a:rPr lang="en-US" altLang="zh-CN" sz="2400" dirty="0"/>
               <a:t>c</a:t>
             </a:r>
             <a:r>
-              <a:rPr lang="zh-CN" altLang="en-US" sz="2000" dirty="0"/>
+              <a:rPr lang="zh-CN" altLang="en-US" sz="2400" dirty="0"/>
               <a:t>就会自动替换成</a:t>
             </a:r>
             <a:r>
-              <a:rPr lang="en-US" altLang="zh-CN" sz="2000" dirty="0"/>
+              <a:rPr lang="en-US" altLang="zh-CN" sz="2400" dirty="0"/>
               <a:t>clear</a:t>
             </a:r>
             <a:r>
-              <a:rPr lang="zh-CN" altLang="en-US" sz="2000" dirty="0"/>
+              <a:rPr lang="zh-CN" altLang="en-US" sz="2400" dirty="0"/>
               <a:t>。</a:t>
             </a:r>
-            <a:endParaRPr lang="en-US" altLang="zh-CN" sz="2000" dirty="0"/>
+            <a:endParaRPr lang="en-US" altLang="zh-CN" sz="2400" dirty="0"/>
           </a:p>
           <a:p>
             <a:endParaRPr lang="en-US" altLang="zh-CN" sz="2400" dirty="0"/>
